--- a/presentazione.pptx
+++ b/presentazione.pptx
@@ -25,24 +25,39 @@
     <p:sldId id="270" r:id="rId20"/>
     <p:sldId id="271" r:id="rId21"/>
     <p:sldId id="272" r:id="rId22"/>
+    <p:sldId id="273" r:id="rId23"/>
+    <p:sldId id="274" r:id="rId24"/>
   </p:sldIdLst>
   <p:sldSz cy="5143500" cx="9144000"/>
   <p:notesSz cx="6858000" cy="9144000"/>
   <p:embeddedFontLst>
     <p:embeddedFont>
       <p:font typeface="Proxima Nova"/>
-      <p:regular r:id="rId23"/>
-      <p:bold r:id="rId24"/>
-      <p:italic r:id="rId25"/>
-      <p:boldItalic r:id="rId26"/>
+      <p:regular r:id="rId25"/>
+      <p:bold r:id="rId26"/>
+      <p:italic r:id="rId27"/>
+      <p:boldItalic r:id="rId28"/>
+    </p:embeddedFont>
+    <p:embeddedFont>
+      <p:font typeface="Roboto"/>
+      <p:regular r:id="rId29"/>
+      <p:bold r:id="rId30"/>
+      <p:italic r:id="rId31"/>
+      <p:boldItalic r:id="rId32"/>
     </p:embeddedFont>
     <p:embeddedFont>
       <p:font typeface="Proxima Nova Extrabold"/>
-      <p:bold r:id="rId27"/>
+      <p:bold r:id="rId33"/>
+    </p:embeddedFont>
+    <p:embeddedFont>
+      <p:font typeface="Proxima Nova Semibold"/>
+      <p:regular r:id="rId34"/>
+      <p:bold r:id="rId35"/>
+      <p:boldItalic r:id="rId36"/>
     </p:embeddedFont>
     <p:embeddedFont>
       <p:font typeface="Alfa Slab One"/>
-      <p:regular r:id="rId28"/>
+      <p:regular r:id="rId37"/>
     </p:embeddedFont>
   </p:embeddedFontLst>
   <p:defaultTextStyle>
@@ -823,7 +838,7 @@
   <p:cSld>
     <p:spTree>
       <p:nvGrpSpPr>
-        <p:cNvPr id="115" name="Shape 115"/>
+        <p:cNvPr id="158" name="Shape 158"/>
         <p:cNvGrpSpPr/>
         <p:nvPr/>
       </p:nvGrpSpPr>
@@ -837,7 +852,7 @@
       </p:grpSpPr>
       <p:sp>
         <p:nvSpPr>
-          <p:cNvPr id="116" name="Google Shape;116;g114693eb470_0_0:notes"/>
+          <p:cNvPr id="159" name="Google Shape;159;g114693eb470_0_54:notes"/>
           <p:cNvSpPr/>
           <p:nvPr>
             <p:ph idx="2" type="sldImg"/>
@@ -872,7 +887,7 @@
       </p:sp>
       <p:sp>
         <p:nvSpPr>
-          <p:cNvPr id="117" name="Google Shape;117;g114693eb470_0_0:notes"/>
+          <p:cNvPr id="160" name="Google Shape;160;g114693eb470_0_54:notes"/>
           <p:cNvSpPr txBox="1"/>
           <p:nvPr>
             <p:ph idx="1" type="body"/>
@@ -922,7 +937,7 @@
   <p:cSld>
     <p:spTree>
       <p:nvGrpSpPr>
-        <p:cNvPr id="121" name="Shape 121"/>
+        <p:cNvPr id="166" name="Shape 166"/>
         <p:cNvGrpSpPr/>
         <p:nvPr/>
       </p:nvGrpSpPr>
@@ -936,7 +951,7 @@
       </p:grpSpPr>
       <p:sp>
         <p:nvSpPr>
-          <p:cNvPr id="122" name="Google Shape;122;g115acbe74ff_0_8:notes"/>
+          <p:cNvPr id="167" name="Google Shape;167;g114693eb470_0_0:notes"/>
           <p:cNvSpPr/>
           <p:nvPr>
             <p:ph idx="2" type="sldImg"/>
@@ -971,7 +986,7 @@
       </p:sp>
       <p:sp>
         <p:nvSpPr>
-          <p:cNvPr id="123" name="Google Shape;123;g115acbe74ff_0_8:notes"/>
+          <p:cNvPr id="168" name="Google Shape;168;g114693eb470_0_0:notes"/>
           <p:cNvSpPr txBox="1"/>
           <p:nvPr>
             <p:ph idx="1" type="body"/>
@@ -1021,7 +1036,7 @@
   <p:cSld>
     <p:spTree>
       <p:nvGrpSpPr>
-        <p:cNvPr id="131" name="Shape 131"/>
+        <p:cNvPr id="172" name="Shape 172"/>
         <p:cNvGrpSpPr/>
         <p:nvPr/>
       </p:nvGrpSpPr>
@@ -1035,7 +1050,7 @@
       </p:grpSpPr>
       <p:sp>
         <p:nvSpPr>
-          <p:cNvPr id="132" name="Google Shape;132;g115acbe74ff_0_0:notes"/>
+          <p:cNvPr id="173" name="Google Shape;173;g115acbe74ff_0_8:notes"/>
           <p:cNvSpPr/>
           <p:nvPr>
             <p:ph idx="2" type="sldImg"/>
@@ -1070,7 +1085,7 @@
       </p:sp>
       <p:sp>
         <p:nvSpPr>
-          <p:cNvPr id="133" name="Google Shape;133;g115acbe74ff_0_0:notes"/>
+          <p:cNvPr id="174" name="Google Shape;174;g115acbe74ff_0_8:notes"/>
           <p:cNvSpPr txBox="1"/>
           <p:nvPr>
             <p:ph idx="1" type="body"/>
@@ -1120,7 +1135,7 @@
   <p:cSld>
     <p:spTree>
       <p:nvGrpSpPr>
-        <p:cNvPr id="142" name="Shape 142"/>
+        <p:cNvPr id="182" name="Shape 182"/>
         <p:cNvGrpSpPr/>
         <p:nvPr/>
       </p:nvGrpSpPr>
@@ -1134,7 +1149,7 @@
       </p:grpSpPr>
       <p:sp>
         <p:nvSpPr>
-          <p:cNvPr id="143" name="Google Shape;143;g114693eb470_0_118:notes"/>
+          <p:cNvPr id="183" name="Google Shape;183;g115acbe74ff_0_0:notes"/>
           <p:cNvSpPr/>
           <p:nvPr>
             <p:ph idx="2" type="sldImg"/>
@@ -1169,7 +1184,7 @@
       </p:sp>
       <p:sp>
         <p:nvSpPr>
-          <p:cNvPr id="144" name="Google Shape;144;g114693eb470_0_118:notes"/>
+          <p:cNvPr id="184" name="Google Shape;184;g115acbe74ff_0_0:notes"/>
           <p:cNvSpPr txBox="1"/>
           <p:nvPr>
             <p:ph idx="1" type="body"/>
@@ -1219,7 +1234,7 @@
   <p:cSld>
     <p:spTree>
       <p:nvGrpSpPr>
-        <p:cNvPr id="148" name="Shape 148"/>
+        <p:cNvPr id="193" name="Shape 193"/>
         <p:cNvGrpSpPr/>
         <p:nvPr/>
       </p:nvGrpSpPr>
@@ -1233,7 +1248,7 @@
       </p:grpSpPr>
       <p:sp>
         <p:nvSpPr>
-          <p:cNvPr id="149" name="Google Shape;149;g114693eb470_0_60:notes"/>
+          <p:cNvPr id="194" name="Google Shape;194;g114693eb470_0_118:notes"/>
           <p:cNvSpPr/>
           <p:nvPr>
             <p:ph idx="2" type="sldImg"/>
@@ -1268,7 +1283,7 @@
       </p:sp>
       <p:sp>
         <p:nvSpPr>
-          <p:cNvPr id="150" name="Google Shape;150;g114693eb470_0_60:notes"/>
+          <p:cNvPr id="195" name="Google Shape;195;g114693eb470_0_118:notes"/>
           <p:cNvSpPr txBox="1"/>
           <p:nvPr>
             <p:ph idx="1" type="body"/>
@@ -1318,7 +1333,7 @@
   <p:cSld>
     <p:spTree>
       <p:nvGrpSpPr>
-        <p:cNvPr id="154" name="Shape 154"/>
+        <p:cNvPr id="200" name="Shape 200"/>
         <p:cNvGrpSpPr/>
         <p:nvPr/>
       </p:nvGrpSpPr>
@@ -1332,7 +1347,7 @@
       </p:grpSpPr>
       <p:sp>
         <p:nvSpPr>
-          <p:cNvPr id="155" name="Google Shape;155;g114693eb470_0_68:notes"/>
+          <p:cNvPr id="201" name="Google Shape;201;g115df512c7d_0_7:notes"/>
           <p:cNvSpPr/>
           <p:nvPr>
             <p:ph idx="2" type="sldImg"/>
@@ -1367,7 +1382,7 @@
       </p:sp>
       <p:sp>
         <p:nvSpPr>
-          <p:cNvPr id="156" name="Google Shape;156;g114693eb470_0_68:notes"/>
+          <p:cNvPr id="202" name="Google Shape;202;g115df512c7d_0_7:notes"/>
           <p:cNvSpPr txBox="1"/>
           <p:nvPr>
             <p:ph idx="1" type="body"/>
@@ -1417,7 +1432,7 @@
   <p:cSld>
     <p:spTree>
       <p:nvGrpSpPr>
-        <p:cNvPr id="163" name="Shape 163"/>
+        <p:cNvPr id="227" name="Shape 227"/>
         <p:cNvGrpSpPr/>
         <p:nvPr/>
       </p:nvGrpSpPr>
@@ -1431,7 +1446,7 @@
       </p:grpSpPr>
       <p:sp>
         <p:nvSpPr>
-          <p:cNvPr id="164" name="Google Shape;164;g114693eb470_0_90:notes"/>
+          <p:cNvPr id="228" name="Google Shape;228;g114693eb470_0_60:notes"/>
           <p:cNvSpPr/>
           <p:nvPr>
             <p:ph idx="2" type="sldImg"/>
@@ -1466,7 +1481,7 @@
       </p:sp>
       <p:sp>
         <p:nvSpPr>
-          <p:cNvPr id="165" name="Google Shape;165;g114693eb470_0_90:notes"/>
+          <p:cNvPr id="229" name="Google Shape;229;g114693eb470_0_60:notes"/>
           <p:cNvSpPr txBox="1"/>
           <p:nvPr>
             <p:ph idx="1" type="body"/>
@@ -1516,7 +1531,7 @@
   <p:cSld>
     <p:spTree>
       <p:nvGrpSpPr>
-        <p:cNvPr id="170" name="Shape 170"/>
+        <p:cNvPr id="233" name="Shape 233"/>
         <p:cNvGrpSpPr/>
         <p:nvPr/>
       </p:nvGrpSpPr>
@@ -1530,7 +1545,7 @@
       </p:grpSpPr>
       <p:sp>
         <p:nvSpPr>
-          <p:cNvPr id="171" name="Google Shape;171;g114693eb470_0_100:notes"/>
+          <p:cNvPr id="234" name="Google Shape;234;g114693eb470_0_68:notes"/>
           <p:cNvSpPr/>
           <p:nvPr>
             <p:ph idx="2" type="sldImg"/>
@@ -1565,7 +1580,205 @@
       </p:sp>
       <p:sp>
         <p:nvSpPr>
-          <p:cNvPr id="172" name="Google Shape;172;g114693eb470_0_100:notes"/>
+          <p:cNvPr id="235" name="Google Shape;235;g114693eb470_0_68:notes"/>
+          <p:cNvSpPr txBox="1"/>
+          <p:nvPr>
+            <p:ph idx="1" type="body"/>
+          </p:nvPr>
+        </p:nvSpPr>
+        <p:spPr>
+          <a:xfrm>
+            <a:off x="685800" y="4343400"/>
+            <a:ext cx="5486400" cy="4114800"/>
+          </a:xfrm>
+          <a:prstGeom prst="rect">
+            <a:avLst/>
+          </a:prstGeom>
+        </p:spPr>
+        <p:txBody>
+          <a:bodyPr anchorCtr="0" anchor="t" bIns="91425" lIns="91425" spcFirstLastPara="1" rIns="91425" wrap="square" tIns="91425">
+            <a:noAutofit/>
+          </a:bodyPr>
+          <a:lstStyle/>
+          <a:p>
+            <a:pPr indent="0" lvl="0" marL="0" rtl="0" algn="l">
+              <a:spcBef>
+                <a:spcPts val="0"/>
+              </a:spcBef>
+              <a:spcAft>
+                <a:spcPts val="0"/>
+              </a:spcAft>
+              <a:buNone/>
+            </a:pPr>
+            <a:r>
+              <a:t/>
+            </a:r>
+            <a:endParaRPr/>
+          </a:p>
+        </p:txBody>
+      </p:sp>
+    </p:spTree>
+  </p:cSld>
+  <p:clrMapOvr>
+    <a:masterClrMapping/>
+  </p:clrMapOvr>
+</p:notes>
+</file>
+
+<file path=ppt/notesSlides/notesSlide18.xml><?xml version="1.0" encoding="utf-8"?>
+<p:notes xmlns:a="http://schemas.openxmlformats.org/drawingml/2006/main" xmlns:r="http://schemas.openxmlformats.org/officeDocument/2006/relationships" xmlns:mc="http://schemas.openxmlformats.org/markup-compatibility/2006" xmlns:mv="urn:schemas-microsoft-com:mac:vml" xmlns:p="http://schemas.openxmlformats.org/presentationml/2006/main" xmlns:c="http://schemas.openxmlformats.org/drawingml/2006/chart" xmlns:dgm="http://schemas.openxmlformats.org/drawingml/2006/diagram" xmlns:o="urn:schemas-microsoft-com:office:office" xmlns:v="urn:schemas-microsoft-com:vml" xmlns:pvml="urn:schemas-microsoft-com:office:powerpoint" xmlns:com="http://schemas.openxmlformats.org/drawingml/2006/compatibility" xmlns:p14="http://schemas.microsoft.com/office/powerpoint/2010/main" xmlns:p15="http://schemas.microsoft.com/office/powerpoint/2012/main" xmlns:ahyp="http://schemas.microsoft.com/office/drawing/2018/hyperlinkcolor" showMasterPhAnim="0" showMasterSp="0">
+  <p:cSld>
+    <p:spTree>
+      <p:nvGrpSpPr>
+        <p:cNvPr id="242" name="Shape 242"/>
+        <p:cNvGrpSpPr/>
+        <p:nvPr/>
+      </p:nvGrpSpPr>
+      <p:grpSpPr>
+        <a:xfrm>
+          <a:off x="0" y="0"/>
+          <a:ext cx="0" cy="0"/>
+          <a:chOff x="0" y="0"/>
+          <a:chExt cx="0" cy="0"/>
+        </a:xfrm>
+      </p:grpSpPr>
+      <p:sp>
+        <p:nvSpPr>
+          <p:cNvPr id="243" name="Google Shape;243;g114693eb470_0_90:notes"/>
+          <p:cNvSpPr/>
+          <p:nvPr>
+            <p:ph idx="2" type="sldImg"/>
+          </p:nvPr>
+        </p:nvSpPr>
+        <p:spPr>
+          <a:xfrm>
+            <a:off x="381300" y="685800"/>
+            <a:ext cx="6096000" cy="3429000"/>
+          </a:xfrm>
+          <a:custGeom>
+            <a:rect b="b" l="l" r="r" t="t"/>
+            <a:pathLst>
+              <a:path extrusionOk="0" h="120000" w="120000">
+                <a:moveTo>
+                  <a:pt x="0" y="0"/>
+                </a:moveTo>
+                <a:lnTo>
+                  <a:pt x="120000" y="0"/>
+                </a:lnTo>
+                <a:lnTo>
+                  <a:pt x="120000" y="120000"/>
+                </a:lnTo>
+                <a:lnTo>
+                  <a:pt x="0" y="120000"/>
+                </a:lnTo>
+                <a:close/>
+              </a:path>
+            </a:pathLst>
+          </a:custGeom>
+        </p:spPr>
+      </p:sp>
+      <p:sp>
+        <p:nvSpPr>
+          <p:cNvPr id="244" name="Google Shape;244;g114693eb470_0_90:notes"/>
+          <p:cNvSpPr txBox="1"/>
+          <p:nvPr>
+            <p:ph idx="1" type="body"/>
+          </p:nvPr>
+        </p:nvSpPr>
+        <p:spPr>
+          <a:xfrm>
+            <a:off x="685800" y="4343400"/>
+            <a:ext cx="5486400" cy="4114800"/>
+          </a:xfrm>
+          <a:prstGeom prst="rect">
+            <a:avLst/>
+          </a:prstGeom>
+        </p:spPr>
+        <p:txBody>
+          <a:bodyPr anchorCtr="0" anchor="t" bIns="91425" lIns="91425" spcFirstLastPara="1" rIns="91425" wrap="square" tIns="91425">
+            <a:noAutofit/>
+          </a:bodyPr>
+          <a:lstStyle/>
+          <a:p>
+            <a:pPr indent="0" lvl="0" marL="0" rtl="0" algn="l">
+              <a:spcBef>
+                <a:spcPts val="0"/>
+              </a:spcBef>
+              <a:spcAft>
+                <a:spcPts val="0"/>
+              </a:spcAft>
+              <a:buNone/>
+            </a:pPr>
+            <a:r>
+              <a:t/>
+            </a:r>
+            <a:endParaRPr/>
+          </a:p>
+        </p:txBody>
+      </p:sp>
+    </p:spTree>
+  </p:cSld>
+  <p:clrMapOvr>
+    <a:masterClrMapping/>
+  </p:clrMapOvr>
+</p:notes>
+</file>
+
+<file path=ppt/notesSlides/notesSlide19.xml><?xml version="1.0" encoding="utf-8"?>
+<p:notes xmlns:a="http://schemas.openxmlformats.org/drawingml/2006/main" xmlns:r="http://schemas.openxmlformats.org/officeDocument/2006/relationships" xmlns:mc="http://schemas.openxmlformats.org/markup-compatibility/2006" xmlns:mv="urn:schemas-microsoft-com:mac:vml" xmlns:p="http://schemas.openxmlformats.org/presentationml/2006/main" xmlns:c="http://schemas.openxmlformats.org/drawingml/2006/chart" xmlns:dgm="http://schemas.openxmlformats.org/drawingml/2006/diagram" xmlns:o="urn:schemas-microsoft-com:office:office" xmlns:v="urn:schemas-microsoft-com:vml" xmlns:pvml="urn:schemas-microsoft-com:office:powerpoint" xmlns:com="http://schemas.openxmlformats.org/drawingml/2006/compatibility" xmlns:p14="http://schemas.microsoft.com/office/powerpoint/2010/main" xmlns:p15="http://schemas.microsoft.com/office/powerpoint/2012/main" xmlns:ahyp="http://schemas.microsoft.com/office/drawing/2018/hyperlinkcolor" showMasterPhAnim="0" showMasterSp="0">
+  <p:cSld>
+    <p:spTree>
+      <p:nvGrpSpPr>
+        <p:cNvPr id="249" name="Shape 249"/>
+        <p:cNvGrpSpPr/>
+        <p:nvPr/>
+      </p:nvGrpSpPr>
+      <p:grpSpPr>
+        <a:xfrm>
+          <a:off x="0" y="0"/>
+          <a:ext cx="0" cy="0"/>
+          <a:chOff x="0" y="0"/>
+          <a:chExt cx="0" cy="0"/>
+        </a:xfrm>
+      </p:grpSpPr>
+      <p:sp>
+        <p:nvSpPr>
+          <p:cNvPr id="250" name="Google Shape;250;g114693eb470_0_100:notes"/>
+          <p:cNvSpPr/>
+          <p:nvPr>
+            <p:ph idx="2" type="sldImg"/>
+          </p:nvPr>
+        </p:nvSpPr>
+        <p:spPr>
+          <a:xfrm>
+            <a:off x="381300" y="685800"/>
+            <a:ext cx="6096000" cy="3429000"/>
+          </a:xfrm>
+          <a:custGeom>
+            <a:rect b="b" l="l" r="r" t="t"/>
+            <a:pathLst>
+              <a:path extrusionOk="0" h="120000" w="120000">
+                <a:moveTo>
+                  <a:pt x="0" y="0"/>
+                </a:moveTo>
+                <a:lnTo>
+                  <a:pt x="120000" y="0"/>
+                </a:lnTo>
+                <a:lnTo>
+                  <a:pt x="120000" y="120000"/>
+                </a:lnTo>
+                <a:lnTo>
+                  <a:pt x="0" y="120000"/>
+                </a:lnTo>
+                <a:close/>
+              </a:path>
+            </a:pathLst>
+          </a:custGeom>
+        </p:spPr>
+      </p:sp>
+      <p:sp>
+        <p:nvSpPr>
+          <p:cNvPr id="251" name="Google Shape;251;g114693eb470_0_100:notes"/>
           <p:cNvSpPr txBox="1"/>
           <p:nvPr>
             <p:ph idx="1" type="body"/>
@@ -1813,7 +2026,7 @@
   <p:cSld>
     <p:spTree>
       <p:nvGrpSpPr>
-        <p:cNvPr id="74" name="Shape 74"/>
+        <p:cNvPr id="75" name="Shape 75"/>
         <p:cNvGrpSpPr/>
         <p:nvPr/>
       </p:nvGrpSpPr>
@@ -1827,7 +2040,7 @@
       </p:grpSpPr>
       <p:sp>
         <p:nvSpPr>
-          <p:cNvPr id="75" name="Google Shape;75;g114693eb470_0_42:notes"/>
+          <p:cNvPr id="76" name="Google Shape;76;g114693eb470_0_42:notes"/>
           <p:cNvSpPr/>
           <p:nvPr>
             <p:ph idx="2" type="sldImg"/>
@@ -1862,7 +2075,7 @@
       </p:sp>
       <p:sp>
         <p:nvSpPr>
-          <p:cNvPr id="76" name="Google Shape;76;g114693eb470_0_42:notes"/>
+          <p:cNvPr id="77" name="Google Shape;77;g114693eb470_0_42:notes"/>
           <p:cNvSpPr txBox="1"/>
           <p:nvPr>
             <p:ph idx="1" type="body"/>
@@ -1912,7 +2125,7 @@
   <p:cSld>
     <p:spTree>
       <p:nvGrpSpPr>
-        <p:cNvPr id="81" name="Shape 81"/>
+        <p:cNvPr id="90" name="Shape 90"/>
         <p:cNvGrpSpPr/>
         <p:nvPr/>
       </p:nvGrpSpPr>
@@ -1926,7 +2139,7 @@
       </p:grpSpPr>
       <p:sp>
         <p:nvSpPr>
-          <p:cNvPr id="82" name="Google Shape;82;p:notes"/>
+          <p:cNvPr id="91" name="Google Shape;91;g117d969d9d1_1_10:notes"/>
           <p:cNvSpPr/>
           <p:nvPr>
             <p:ph idx="2" type="sldImg"/>
@@ -1935,7 +2148,7 @@
         <p:spPr>
           <a:xfrm>
             <a:off x="381300" y="685800"/>
-            <a:ext cx="6096075" cy="3429000"/>
+            <a:ext cx="6096000" cy="3429000"/>
           </a:xfrm>
           <a:custGeom>
             <a:rect b="b" l="l" r="r" t="t"/>
@@ -1961,7 +2174,7 @@
       </p:sp>
       <p:sp>
         <p:nvSpPr>
-          <p:cNvPr id="83" name="Google Shape;83;p:notes"/>
+          <p:cNvPr id="92" name="Google Shape;92;g117d969d9d1_1_10:notes"/>
           <p:cNvSpPr txBox="1"/>
           <p:nvPr>
             <p:ph idx="1" type="body"/>
@@ -2011,7 +2224,7 @@
   <p:cSld>
     <p:spTree>
       <p:nvGrpSpPr>
-        <p:cNvPr id="88" name="Shape 88"/>
+        <p:cNvPr id="107" name="Shape 107"/>
         <p:cNvGrpSpPr/>
         <p:nvPr/>
       </p:nvGrpSpPr>
@@ -2025,7 +2238,7 @@
       </p:grpSpPr>
       <p:sp>
         <p:nvSpPr>
-          <p:cNvPr id="89" name="Google Shape;89;g114693eb470_0_48:notes"/>
+          <p:cNvPr id="108" name="Google Shape;108;g117d969d9d1_1_34:notes"/>
           <p:cNvSpPr/>
           <p:nvPr>
             <p:ph idx="2" type="sldImg"/>
@@ -2060,7 +2273,7 @@
       </p:sp>
       <p:sp>
         <p:nvSpPr>
-          <p:cNvPr id="90" name="Google Shape;90;g114693eb470_0_48:notes"/>
+          <p:cNvPr id="109" name="Google Shape;109;g117d969d9d1_1_34:notes"/>
           <p:cNvSpPr txBox="1"/>
           <p:nvPr>
             <p:ph idx="1" type="body"/>
@@ -2110,7 +2323,7 @@
   <p:cSld>
     <p:spTree>
       <p:nvGrpSpPr>
-        <p:cNvPr id="95" name="Shape 95"/>
+        <p:cNvPr id="133" name="Shape 133"/>
         <p:cNvGrpSpPr/>
         <p:nvPr/>
       </p:nvGrpSpPr>
@@ -2124,7 +2337,7 @@
       </p:grpSpPr>
       <p:sp>
         <p:nvSpPr>
-          <p:cNvPr id="96" name="Google Shape;96;g114693eb470_0_12:notes"/>
+          <p:cNvPr id="134" name="Google Shape;134;g114693eb470_0_48:notes"/>
           <p:cNvSpPr/>
           <p:nvPr>
             <p:ph idx="2" type="sldImg"/>
@@ -2159,7 +2372,7 @@
       </p:sp>
       <p:sp>
         <p:nvSpPr>
-          <p:cNvPr id="97" name="Google Shape;97;g114693eb470_0_12:notes"/>
+          <p:cNvPr id="135" name="Google Shape;135;g114693eb470_0_48:notes"/>
           <p:cNvSpPr txBox="1"/>
           <p:nvPr>
             <p:ph idx="1" type="body"/>
@@ -2209,7 +2422,7 @@
   <p:cSld>
     <p:spTree>
       <p:nvGrpSpPr>
-        <p:cNvPr id="101" name="Shape 101"/>
+        <p:cNvPr id="144" name="Shape 144"/>
         <p:cNvGrpSpPr/>
         <p:nvPr/>
       </p:nvGrpSpPr>
@@ -2223,7 +2436,7 @@
       </p:grpSpPr>
       <p:sp>
         <p:nvSpPr>
-          <p:cNvPr id="102" name="Google Shape;102;g114693eb470_0_18:notes"/>
+          <p:cNvPr id="145" name="Google Shape;145;g114693eb470_0_12:notes"/>
           <p:cNvSpPr/>
           <p:nvPr>
             <p:ph idx="2" type="sldImg"/>
@@ -2258,7 +2471,7 @@
       </p:sp>
       <p:sp>
         <p:nvSpPr>
-          <p:cNvPr id="103" name="Google Shape;103;g114693eb470_0_18:notes"/>
+          <p:cNvPr id="146" name="Google Shape;146;g114693eb470_0_12:notes"/>
           <p:cNvSpPr txBox="1"/>
           <p:nvPr>
             <p:ph idx="1" type="body"/>
@@ -2308,7 +2521,7 @@
   <p:cSld>
     <p:spTree>
       <p:nvGrpSpPr>
-        <p:cNvPr id="108" name="Shape 108"/>
+        <p:cNvPr id="150" name="Shape 150"/>
         <p:cNvGrpSpPr/>
         <p:nvPr/>
       </p:nvGrpSpPr>
@@ -2322,7 +2535,7 @@
       </p:grpSpPr>
       <p:sp>
         <p:nvSpPr>
-          <p:cNvPr id="109" name="Google Shape;109;g114693eb470_0_54:notes"/>
+          <p:cNvPr id="151" name="Google Shape;151;g114693eb470_0_18:notes"/>
           <p:cNvSpPr/>
           <p:nvPr>
             <p:ph idx="2" type="sldImg"/>
@@ -2357,7 +2570,7 @@
       </p:sp>
       <p:sp>
         <p:nvSpPr>
-          <p:cNvPr id="110" name="Google Shape;110;g114693eb470_0_54:notes"/>
+          <p:cNvPr id="152" name="Google Shape;152;g114693eb470_0_18:notes"/>
           <p:cNvSpPr txBox="1"/>
           <p:nvPr>
             <p:ph idx="1" type="body"/>
@@ -7642,8 +7855,8 @@
         </p:nvSpPr>
         <p:spPr>
           <a:xfrm>
-            <a:off x="311700" y="544775"/>
-            <a:ext cx="8520600" cy="2009100"/>
+            <a:off x="311700" y="1217475"/>
+            <a:ext cx="8520600" cy="1641300"/>
           </a:xfrm>
           <a:prstGeom prst="rect">
             <a:avLst/>
@@ -7667,21 +7880,6 @@
             <a:r>
               <a:rPr lang="it" sz="2500"/>
               <a:t>Architectures For Big Data</a:t>
-            </a:r>
-            <a:endParaRPr sz="2500"/>
-          </a:p>
-          <a:p>
-            <a:pPr indent="0" lvl="0" marL="0" rtl="0" algn="ctr">
-              <a:spcBef>
-                <a:spcPts val="0"/>
-              </a:spcBef>
-              <a:spcAft>
-                <a:spcPts val="0"/>
-              </a:spcAft>
-              <a:buNone/>
-            </a:pPr>
-            <a:r>
-              <a:t/>
             </a:r>
             <a:endParaRPr sz="2500"/>
           </a:p>
@@ -7779,8 +7977,8 @@
         </p:nvSpPr>
         <p:spPr>
           <a:xfrm>
-            <a:off x="311700" y="3399298"/>
-            <a:ext cx="8520600" cy="733500"/>
+            <a:off x="311700" y="3170701"/>
+            <a:ext cx="8520600" cy="1100400"/>
           </a:xfrm>
           <a:prstGeom prst="rect">
             <a:avLst/>
@@ -7805,10 +8003,10 @@
               <a:buNone/>
             </a:pPr>
             <a:r>
-              <a:rPr lang="it" sz="2000"/>
+              <a:rPr lang="it" sz="1800"/>
               <a:t>Davide D’Ascenzo, Alice Schiavone</a:t>
             </a:r>
-            <a:endParaRPr sz="2000"/>
+            <a:endParaRPr sz="1800"/>
           </a:p>
         </p:txBody>
       </p:sp>
@@ -7823,9 +8021,184 @@
 <file path=ppt/slides/slide10.xml><?xml version="1.0" encoding="utf-8"?>
 <p:sld xmlns:a="http://schemas.openxmlformats.org/drawingml/2006/main" xmlns:r="http://schemas.openxmlformats.org/officeDocument/2006/relationships" xmlns:mc="http://schemas.openxmlformats.org/markup-compatibility/2006" xmlns:mv="urn:schemas-microsoft-com:mac:vml" xmlns:p="http://schemas.openxmlformats.org/presentationml/2006/main" xmlns:c="http://schemas.openxmlformats.org/drawingml/2006/chart" xmlns:dgm="http://schemas.openxmlformats.org/drawingml/2006/diagram" xmlns:o="urn:schemas-microsoft-com:office:office" xmlns:v="urn:schemas-microsoft-com:vml" xmlns:pvml="urn:schemas-microsoft-com:office:powerpoint" xmlns:com="http://schemas.openxmlformats.org/drawingml/2006/compatibility" xmlns:p14="http://schemas.microsoft.com/office/powerpoint/2010/main" xmlns:p15="http://schemas.microsoft.com/office/powerpoint/2012/main" xmlns:ahyp="http://schemas.microsoft.com/office/drawing/2018/hyperlinkcolor">
   <p:cSld>
+    <p:bg>
+      <p:bgPr>
+        <a:blipFill>
+          <a:blip r:embed="rId3">
+            <a:alphaModFix/>
+          </a:blip>
+          <a:stretch>
+            <a:fillRect/>
+          </a:stretch>
+        </a:blipFill>
+      </p:bgPr>
+    </p:bg>
     <p:spTree>
       <p:nvGrpSpPr>
-        <p:cNvPr id="118" name="Shape 118"/>
+        <p:cNvPr id="161" name="Shape 161"/>
+        <p:cNvGrpSpPr/>
+        <p:nvPr/>
+      </p:nvGrpSpPr>
+      <p:grpSpPr>
+        <a:xfrm>
+          <a:off x="0" y="0"/>
+          <a:ext cx="0" cy="0"/>
+          <a:chOff x="0" y="0"/>
+          <a:chExt cx="0" cy="0"/>
+        </a:xfrm>
+      </p:grpSpPr>
+      <p:pic>
+        <p:nvPicPr>
+          <p:cNvPr id="162" name="Google Shape;162;p22"/>
+          <p:cNvPicPr preferRelativeResize="0"/>
+          <p:nvPr/>
+        </p:nvPicPr>
+        <p:blipFill>
+          <a:blip r:embed="rId4">
+            <a:alphaModFix/>
+          </a:blip>
+          <a:stretch>
+            <a:fillRect/>
+          </a:stretch>
+        </p:blipFill>
+        <p:spPr>
+          <a:xfrm>
+            <a:off x="2560700" y="397700"/>
+            <a:ext cx="5481600" cy="1807800"/>
+          </a:xfrm>
+          <a:prstGeom prst="rect">
+            <a:avLst/>
+          </a:prstGeom>
+          <a:noFill/>
+          <a:ln cap="flat" cmpd="sng" w="76200">
+            <a:solidFill>
+              <a:schemeClr val="lt2"/>
+            </a:solidFill>
+            <a:prstDash val="solid"/>
+            <a:round/>
+            <a:headEnd len="sm" w="sm" type="none"/>
+            <a:tailEnd len="sm" w="sm" type="none"/>
+          </a:ln>
+          <a:effectLst>
+            <a:outerShdw blurRad="57150" rotWithShape="0" algn="bl" dir="5400000" dist="19050">
+              <a:srgbClr val="000000">
+                <a:alpha val="50000"/>
+              </a:srgbClr>
+            </a:outerShdw>
+          </a:effectLst>
+        </p:spPr>
+      </p:pic>
+      <p:pic>
+        <p:nvPicPr>
+          <p:cNvPr id="163" name="Google Shape;163;p22"/>
+          <p:cNvPicPr preferRelativeResize="0"/>
+          <p:nvPr/>
+        </p:nvPicPr>
+        <p:blipFill>
+          <a:blip r:embed="rId5">
+            <a:alphaModFix/>
+          </a:blip>
+          <a:stretch>
+            <a:fillRect/>
+          </a:stretch>
+        </p:blipFill>
+        <p:spPr>
+          <a:xfrm>
+            <a:off x="679050" y="2571750"/>
+            <a:ext cx="7868925" cy="1757650"/>
+          </a:xfrm>
+          <a:prstGeom prst="rect">
+            <a:avLst/>
+          </a:prstGeom>
+          <a:noFill/>
+          <a:ln cap="flat" cmpd="sng" w="76200">
+            <a:solidFill>
+              <a:schemeClr val="lt2"/>
+            </a:solidFill>
+            <a:prstDash val="solid"/>
+            <a:round/>
+            <a:headEnd len="sm" w="sm" type="none"/>
+            <a:tailEnd len="sm" w="sm" type="none"/>
+          </a:ln>
+          <a:effectLst>
+            <a:outerShdw blurRad="57150" rotWithShape="0" algn="bl" dir="5400000" dist="19050">
+              <a:srgbClr val="000000">
+                <a:alpha val="50000"/>
+              </a:srgbClr>
+            </a:outerShdw>
+          </a:effectLst>
+        </p:spPr>
+      </p:pic>
+      <p:pic>
+        <p:nvPicPr>
+          <p:cNvPr id="164" name="Google Shape;164;p22"/>
+          <p:cNvPicPr preferRelativeResize="0"/>
+          <p:nvPr/>
+        </p:nvPicPr>
+        <p:blipFill>
+          <a:blip r:embed="rId6">
+            <a:alphaModFix/>
+          </a:blip>
+          <a:stretch>
+            <a:fillRect/>
+          </a:stretch>
+        </p:blipFill>
+        <p:spPr>
+          <a:xfrm>
+            <a:off x="2483625" y="152375"/>
+            <a:ext cx="5634975" cy="209550"/>
+          </a:xfrm>
+          <a:prstGeom prst="rect">
+            <a:avLst/>
+          </a:prstGeom>
+          <a:noFill/>
+          <a:ln>
+            <a:noFill/>
+          </a:ln>
+        </p:spPr>
+      </p:pic>
+      <p:pic>
+        <p:nvPicPr>
+          <p:cNvPr id="165" name="Google Shape;165;p22"/>
+          <p:cNvPicPr preferRelativeResize="0"/>
+          <p:nvPr/>
+        </p:nvPicPr>
+        <p:blipFill>
+          <a:blip r:embed="rId6">
+            <a:alphaModFix/>
+          </a:blip>
+          <a:stretch>
+            <a:fillRect/>
+          </a:stretch>
+        </p:blipFill>
+        <p:spPr>
+          <a:xfrm>
+            <a:off x="608225" y="2362200"/>
+            <a:ext cx="8013625" cy="209550"/>
+          </a:xfrm>
+          <a:prstGeom prst="rect">
+            <a:avLst/>
+          </a:prstGeom>
+          <a:noFill/>
+          <a:ln>
+            <a:noFill/>
+          </a:ln>
+        </p:spPr>
+      </p:pic>
+    </p:spTree>
+  </p:cSld>
+  <p:clrMapOvr>
+    <a:masterClrMapping/>
+  </p:clrMapOvr>
+</p:sld>
+</file>
+
+<file path=ppt/slides/slide11.xml><?xml version="1.0" encoding="utf-8"?>
+<p:sld xmlns:a="http://schemas.openxmlformats.org/drawingml/2006/main" xmlns:r="http://schemas.openxmlformats.org/officeDocument/2006/relationships" xmlns:mc="http://schemas.openxmlformats.org/markup-compatibility/2006" xmlns:mv="urn:schemas-microsoft-com:mac:vml" xmlns:p="http://schemas.openxmlformats.org/presentationml/2006/main" xmlns:c="http://schemas.openxmlformats.org/drawingml/2006/chart" xmlns:dgm="http://schemas.openxmlformats.org/drawingml/2006/diagram" xmlns:o="urn:schemas-microsoft-com:office:office" xmlns:v="urn:schemas-microsoft-com:vml" xmlns:pvml="urn:schemas-microsoft-com:office:powerpoint" xmlns:com="http://schemas.openxmlformats.org/drawingml/2006/compatibility" xmlns:p14="http://schemas.microsoft.com/office/powerpoint/2010/main" xmlns:p15="http://schemas.microsoft.com/office/powerpoint/2012/main" xmlns:ahyp="http://schemas.microsoft.com/office/drawing/2018/hyperlinkcolor">
+  <p:cSld>
+    <p:spTree>
+      <p:nvGrpSpPr>
+        <p:cNvPr id="169" name="Shape 169"/>
         <p:cNvGrpSpPr/>
         <p:nvPr/>
       </p:nvGrpSpPr>
@@ -7839,7 +8212,7 @@
       </p:grpSpPr>
       <p:sp>
         <p:nvSpPr>
-          <p:cNvPr id="119" name="Google Shape;119;p22"/>
+          <p:cNvPr id="170" name="Google Shape;170;p23"/>
           <p:cNvSpPr txBox="1"/>
           <p:nvPr>
             <p:ph type="title"/>
@@ -7891,7 +8264,7 @@
       </p:sp>
       <p:pic>
         <p:nvPicPr>
-          <p:cNvPr id="120" name="Google Shape;120;p22"/>
+          <p:cNvPr id="171" name="Google Shape;171;p23"/>
           <p:cNvPicPr preferRelativeResize="0"/>
           <p:nvPr/>
         </p:nvPicPr>
@@ -7912,7 +8285,7 @@
             <a:avLst/>
           </a:prstGeom>
           <a:noFill/>
-          <a:ln cap="flat" cmpd="sng" w="19050">
+          <a:ln cap="flat" cmpd="sng" w="76200">
             <a:solidFill>
               <a:schemeClr val="lt1"/>
             </a:solidFill>
@@ -7931,7 +8304,7 @@
 </p:sld>
 </file>
 
-<file path=ppt/slides/slide11.xml><?xml version="1.0" encoding="utf-8"?>
+<file path=ppt/slides/slide12.xml><?xml version="1.0" encoding="utf-8"?>
 <p:sld xmlns:a="http://schemas.openxmlformats.org/drawingml/2006/main" xmlns:r="http://schemas.openxmlformats.org/officeDocument/2006/relationships" xmlns:mc="http://schemas.openxmlformats.org/markup-compatibility/2006" xmlns:mv="urn:schemas-microsoft-com:mac:vml" xmlns:p="http://schemas.openxmlformats.org/presentationml/2006/main" xmlns:c="http://schemas.openxmlformats.org/drawingml/2006/chart" xmlns:dgm="http://schemas.openxmlformats.org/drawingml/2006/diagram" xmlns:o="urn:schemas-microsoft-com:office:office" xmlns:v="urn:schemas-microsoft-com:vml" xmlns:pvml="urn:schemas-microsoft-com:office:powerpoint" xmlns:com="http://schemas.openxmlformats.org/drawingml/2006/compatibility" xmlns:p14="http://schemas.microsoft.com/office/powerpoint/2010/main" xmlns:p15="http://schemas.microsoft.com/office/powerpoint/2012/main" xmlns:ahyp="http://schemas.microsoft.com/office/drawing/2018/hyperlinkcolor">
   <p:cSld>
     <p:bg>
@@ -7943,7 +8316,7 @@
     </p:bg>
     <p:spTree>
       <p:nvGrpSpPr>
-        <p:cNvPr id="124" name="Shape 124"/>
+        <p:cNvPr id="175" name="Shape 175"/>
         <p:cNvGrpSpPr/>
         <p:nvPr/>
       </p:nvGrpSpPr>
@@ -7957,7 +8330,7 @@
       </p:grpSpPr>
       <p:pic>
         <p:nvPicPr>
-          <p:cNvPr id="125" name="Google Shape;125;p23"/>
+          <p:cNvPr id="176" name="Google Shape;176;p24"/>
           <p:cNvPicPr preferRelativeResize="0"/>
           <p:nvPr/>
         </p:nvPicPr>
@@ -7991,7 +8364,7 @@
       </p:pic>
       <p:pic>
         <p:nvPicPr>
-          <p:cNvPr id="126" name="Google Shape;126;p23"/>
+          <p:cNvPr id="177" name="Google Shape;177;p24"/>
           <p:cNvPicPr preferRelativeResize="0"/>
           <p:nvPr/>
         </p:nvPicPr>
@@ -8025,7 +8398,7 @@
       </p:pic>
       <p:pic>
         <p:nvPicPr>
-          <p:cNvPr id="127" name="Google Shape;127;p23"/>
+          <p:cNvPr id="178" name="Google Shape;178;p24"/>
           <p:cNvPicPr preferRelativeResize="0"/>
           <p:nvPr/>
         </p:nvPicPr>
@@ -8059,7 +8432,7 @@
       </p:pic>
       <p:pic>
         <p:nvPicPr>
-          <p:cNvPr id="128" name="Google Shape;128;p23"/>
+          <p:cNvPr id="179" name="Google Shape;179;p24"/>
           <p:cNvPicPr preferRelativeResize="0"/>
           <p:nvPr/>
         </p:nvPicPr>
@@ -8093,7 +8466,7 @@
       </p:pic>
       <p:sp>
         <p:nvSpPr>
-          <p:cNvPr id="129" name="Google Shape;129;p23"/>
+          <p:cNvPr id="180" name="Google Shape;180;p24"/>
           <p:cNvSpPr txBox="1"/>
           <p:nvPr/>
         </p:nvSpPr>
@@ -8151,7 +8524,7 @@
       </p:sp>
       <p:sp>
         <p:nvSpPr>
-          <p:cNvPr id="130" name="Google Shape;130;p23"/>
+          <p:cNvPr id="181" name="Google Shape;181;p24"/>
           <p:cNvSpPr txBox="1"/>
           <p:nvPr/>
         </p:nvSpPr>
@@ -8215,12 +8588,12 @@
 </p:sld>
 </file>
 
-<file path=ppt/slides/slide12.xml><?xml version="1.0" encoding="utf-8"?>
+<file path=ppt/slides/slide13.xml><?xml version="1.0" encoding="utf-8"?>
 <p:sld xmlns:a="http://schemas.openxmlformats.org/drawingml/2006/main" xmlns:r="http://schemas.openxmlformats.org/officeDocument/2006/relationships" xmlns:mc="http://schemas.openxmlformats.org/markup-compatibility/2006" xmlns:mv="urn:schemas-microsoft-com:mac:vml" xmlns:p="http://schemas.openxmlformats.org/presentationml/2006/main" xmlns:c="http://schemas.openxmlformats.org/drawingml/2006/chart" xmlns:dgm="http://schemas.openxmlformats.org/drawingml/2006/diagram" xmlns:o="urn:schemas-microsoft-com:office:office" xmlns:v="urn:schemas-microsoft-com:vml" xmlns:pvml="urn:schemas-microsoft-com:office:powerpoint" xmlns:com="http://schemas.openxmlformats.org/drawingml/2006/compatibility" xmlns:p14="http://schemas.microsoft.com/office/powerpoint/2010/main" xmlns:p15="http://schemas.microsoft.com/office/powerpoint/2012/main" xmlns:ahyp="http://schemas.microsoft.com/office/drawing/2018/hyperlinkcolor">
   <p:cSld>
     <p:spTree>
       <p:nvGrpSpPr>
-        <p:cNvPr id="134" name="Shape 134"/>
+        <p:cNvPr id="185" name="Shape 185"/>
         <p:cNvGrpSpPr/>
         <p:nvPr/>
       </p:nvGrpSpPr>
@@ -8234,7 +8607,7 @@
       </p:grpSpPr>
       <p:sp>
         <p:nvSpPr>
-          <p:cNvPr id="135" name="Google Shape;135;p24"/>
+          <p:cNvPr id="186" name="Google Shape;186;p25"/>
           <p:cNvSpPr txBox="1"/>
           <p:nvPr>
             <p:ph type="title"/>
@@ -8274,7 +8647,7 @@
       </p:sp>
       <p:pic>
         <p:nvPicPr>
-          <p:cNvPr id="136" name="Google Shape;136;p24"/>
+          <p:cNvPr id="187" name="Google Shape;187;p25"/>
           <p:cNvPicPr preferRelativeResize="0"/>
           <p:nvPr/>
         </p:nvPicPr>
@@ -8308,7 +8681,7 @@
       </p:pic>
       <p:pic>
         <p:nvPicPr>
-          <p:cNvPr id="137" name="Google Shape;137;p24"/>
+          <p:cNvPr id="188" name="Google Shape;188;p25"/>
           <p:cNvPicPr preferRelativeResize="0"/>
           <p:nvPr/>
         </p:nvPicPr>
@@ -8342,7 +8715,7 @@
       </p:pic>
       <p:sp>
         <p:nvSpPr>
-          <p:cNvPr id="138" name="Google Shape;138;p24"/>
+          <p:cNvPr id="189" name="Google Shape;189;p25"/>
           <p:cNvSpPr txBox="1"/>
           <p:nvPr>
             <p:ph idx="2" type="body"/>
@@ -8382,7 +8755,7 @@
       </p:sp>
       <p:pic>
         <p:nvPicPr>
-          <p:cNvPr id="139" name="Google Shape;139;p24"/>
+          <p:cNvPr id="190" name="Google Shape;190;p25"/>
           <p:cNvPicPr preferRelativeResize="0"/>
           <p:nvPr/>
         </p:nvPicPr>
@@ -8416,7 +8789,7 @@
       </p:pic>
       <p:sp>
         <p:nvSpPr>
-          <p:cNvPr id="140" name="Google Shape;140;p24"/>
+          <p:cNvPr id="191" name="Google Shape;191;p25"/>
           <p:cNvSpPr txBox="1"/>
           <p:nvPr/>
         </p:nvSpPr>
@@ -8506,10 +8879,10 @@
       </p:sp>
       <p:cxnSp>
         <p:nvCxnSpPr>
-          <p:cNvPr id="141" name="Google Shape;141;p24"/>
+          <p:cNvPr id="192" name="Google Shape;192;p25"/>
           <p:cNvCxnSpPr>
-            <a:stCxn id="137" idx="3"/>
-            <a:endCxn id="139" idx="2"/>
+            <a:stCxn id="188" idx="3"/>
+            <a:endCxn id="190" idx="2"/>
           </p:cNvCxnSpPr>
           <p:nvPr/>
         </p:nvCxnSpPr>
@@ -8541,12 +8914,12 @@
 </p:sld>
 </file>
 
-<file path=ppt/slides/slide13.xml><?xml version="1.0" encoding="utf-8"?>
+<file path=ppt/slides/slide14.xml><?xml version="1.0" encoding="utf-8"?>
 <p:sld xmlns:a="http://schemas.openxmlformats.org/drawingml/2006/main" xmlns:r="http://schemas.openxmlformats.org/officeDocument/2006/relationships" xmlns:mc="http://schemas.openxmlformats.org/markup-compatibility/2006" xmlns:mv="urn:schemas-microsoft-com:mac:vml" xmlns:p="http://schemas.openxmlformats.org/presentationml/2006/main" xmlns:c="http://schemas.openxmlformats.org/drawingml/2006/chart" xmlns:dgm="http://schemas.openxmlformats.org/drawingml/2006/diagram" xmlns:o="urn:schemas-microsoft-com:office:office" xmlns:v="urn:schemas-microsoft-com:vml" xmlns:pvml="urn:schemas-microsoft-com:office:powerpoint" xmlns:com="http://schemas.openxmlformats.org/drawingml/2006/compatibility" xmlns:p14="http://schemas.microsoft.com/office/powerpoint/2010/main" xmlns:p15="http://schemas.microsoft.com/office/powerpoint/2012/main" xmlns:ahyp="http://schemas.microsoft.com/office/drawing/2018/hyperlinkcolor">
   <p:cSld>
     <p:spTree>
       <p:nvGrpSpPr>
-        <p:cNvPr id="145" name="Shape 145"/>
+        <p:cNvPr id="196" name="Shape 196"/>
         <p:cNvGrpSpPr/>
         <p:nvPr/>
       </p:nvGrpSpPr>
@@ -8560,7 +8933,7 @@
       </p:grpSpPr>
       <p:sp>
         <p:nvSpPr>
-          <p:cNvPr id="146" name="Google Shape;146;p25"/>
+          <p:cNvPr id="197" name="Google Shape;197;p26"/>
           <p:cNvSpPr txBox="1"/>
           <p:nvPr>
             <p:ph type="title"/>
@@ -8591,85 +8964,22 @@
               <a:buNone/>
             </a:pPr>
             <a:r>
-              <a:t/>
+              <a:rPr lang="it"/>
+              <a:t>Missing durations!</a:t>
             </a:r>
             <a:endParaRPr/>
           </a:p>
         </p:txBody>
       </p:sp>
-      <p:sp>
-        <p:nvSpPr>
-          <p:cNvPr id="147" name="Google Shape;147;p25"/>
-          <p:cNvSpPr txBox="1"/>
-          <p:nvPr>
-            <p:ph idx="1" type="body"/>
-          </p:nvPr>
-        </p:nvSpPr>
-        <p:spPr>
-          <a:xfrm>
-            <a:off x="311700" y="1152475"/>
-            <a:ext cx="8520600" cy="3416400"/>
-          </a:xfrm>
-          <a:prstGeom prst="rect">
-            <a:avLst/>
-          </a:prstGeom>
-        </p:spPr>
-        <p:txBody>
-          <a:bodyPr anchorCtr="0" anchor="t" bIns="91425" lIns="91425" spcFirstLastPara="1" rIns="91425" wrap="square" tIns="91425">
-            <a:normAutofit/>
-          </a:bodyPr>
-          <a:lstStyle/>
-          <a:p>
-            <a:pPr indent="0" lvl="0" marL="0" rtl="0" algn="l">
-              <a:spcBef>
-                <a:spcPts val="0"/>
-              </a:spcBef>
-              <a:spcAft>
-                <a:spcPts val="1200"/>
-              </a:spcAft>
-              <a:buNone/>
-            </a:pPr>
-            <a:r>
-              <a:t/>
-            </a:r>
-            <a:endParaRPr/>
-          </a:p>
-        </p:txBody>
-      </p:sp>
-    </p:spTree>
-  </p:cSld>
-  <p:clrMapOvr>
-    <a:masterClrMapping/>
-  </p:clrMapOvr>
-</p:sld>
-</file>
-
-<file path=ppt/slides/slide14.xml><?xml version="1.0" encoding="utf-8"?>
-<p:sld xmlns:a="http://schemas.openxmlformats.org/drawingml/2006/main" xmlns:r="http://schemas.openxmlformats.org/officeDocument/2006/relationships" xmlns:mc="http://schemas.openxmlformats.org/markup-compatibility/2006" xmlns:mv="urn:schemas-microsoft-com:mac:vml" xmlns:p="http://schemas.openxmlformats.org/presentationml/2006/main" xmlns:c="http://schemas.openxmlformats.org/drawingml/2006/chart" xmlns:dgm="http://schemas.openxmlformats.org/drawingml/2006/diagram" xmlns:o="urn:schemas-microsoft-com:office:office" xmlns:v="urn:schemas-microsoft-com:vml" xmlns:pvml="urn:schemas-microsoft-com:office:powerpoint" xmlns:com="http://schemas.openxmlformats.org/drawingml/2006/compatibility" xmlns:p14="http://schemas.microsoft.com/office/powerpoint/2010/main" xmlns:p15="http://schemas.microsoft.com/office/powerpoint/2012/main" xmlns:ahyp="http://schemas.microsoft.com/office/drawing/2018/hyperlinkcolor">
-  <p:cSld>
-    <p:spTree>
-      <p:nvGrpSpPr>
-        <p:cNvPr id="151" name="Shape 151"/>
-        <p:cNvGrpSpPr/>
-        <p:nvPr/>
-      </p:nvGrpSpPr>
-      <p:grpSpPr>
-        <a:xfrm>
-          <a:off x="0" y="0"/>
-          <a:ext cx="0" cy="0"/>
-          <a:chOff x="0" y="0"/>
-          <a:chExt cx="0" cy="0"/>
-        </a:xfrm>
-      </p:grpSpPr>
       <p:pic>
         <p:nvPicPr>
-          <p:cNvPr id="152" name="Google Shape;152;p26"/>
+          <p:cNvPr id="198" name="Google Shape;198;p26"/>
           <p:cNvPicPr preferRelativeResize="0"/>
           <p:nvPr/>
         </p:nvPicPr>
         <p:blipFill>
           <a:blip r:embed="rId3">
-            <a:alphaModFix amt="89000"/>
+            <a:alphaModFix amt="90000"/>
           </a:blip>
           <a:stretch>
             <a:fillRect/>
@@ -8677,58 +8987,62 @@
         </p:blipFill>
         <p:spPr>
           <a:xfrm>
-            <a:off x="519550" y="0"/>
-            <a:ext cx="3429001" cy="5143501"/>
+            <a:off x="5065975" y="1853537"/>
+            <a:ext cx="3667275" cy="1998675"/>
           </a:xfrm>
           <a:prstGeom prst="rect">
             <a:avLst/>
           </a:prstGeom>
           <a:noFill/>
-          <a:ln>
-            <a:noFill/>
-          </a:ln>
-        </p:spPr>
-      </p:pic>
-      <p:sp>
-        <p:nvSpPr>
-          <p:cNvPr id="153" name="Google Shape;153;p26"/>
-          <p:cNvSpPr/>
-          <p:nvPr/>
-        </p:nvSpPr>
-        <p:spPr>
-          <a:xfrm>
-            <a:off x="4572000" y="721650"/>
-            <a:ext cx="4174200" cy="3686100"/>
-          </a:xfrm>
-          <a:prstGeom prst="wedgeRoundRectCallout">
-            <a:avLst>
-              <a:gd fmla="val -75292" name="adj1"/>
-              <a:gd fmla="val -26200" name="adj2"/>
-              <a:gd fmla="val 0" name="adj3"/>
-            </a:avLst>
-          </a:prstGeom>
-          <a:solidFill>
-            <a:schemeClr val="lt1"/>
-          </a:solidFill>
-          <a:ln cap="flat" cmpd="sng" w="9525">
+          <a:ln cap="flat" cmpd="sng" w="19050">
             <a:solidFill>
-              <a:schemeClr val="accent4"/>
+              <a:schemeClr val="dk2"/>
             </a:solidFill>
             <a:prstDash val="solid"/>
             <a:round/>
             <a:headEnd len="sm" w="sm" type="none"/>
             <a:tailEnd len="sm" w="sm" type="none"/>
           </a:ln>
+          <a:effectLst>
+            <a:outerShdw blurRad="57150" rotWithShape="0" algn="bl" dir="5400000" dist="19050">
+              <a:srgbClr val="000000">
+                <a:alpha val="50000"/>
+              </a:srgbClr>
+            </a:outerShdw>
+          </a:effectLst>
+        </p:spPr>
+      </p:pic>
+      <p:sp>
+        <p:nvSpPr>
+          <p:cNvPr id="199" name="Google Shape;199;p26"/>
+          <p:cNvSpPr txBox="1"/>
+          <p:nvPr/>
+        </p:nvSpPr>
+        <p:spPr>
+          <a:xfrm>
+            <a:off x="311700" y="1832425"/>
+            <a:ext cx="4506300" cy="2040900"/>
+          </a:xfrm>
+          <a:prstGeom prst="rect">
+            <a:avLst/>
+          </a:prstGeom>
+          <a:noFill/>
+          <a:ln>
+            <a:noFill/>
+          </a:ln>
         </p:spPr>
         <p:txBody>
-          <a:bodyPr anchorCtr="0" anchor="ctr" bIns="91425" lIns="91425" spcFirstLastPara="1" rIns="91425" wrap="square" tIns="91425">
-            <a:noAutofit/>
+          <a:bodyPr anchorCtr="0" anchor="t" bIns="91425" lIns="91425" spcFirstLastPara="1" rIns="91425" wrap="square" tIns="91425">
+            <a:spAutoFit/>
           </a:bodyPr>
           <a:lstStyle/>
           <a:p>
-            <a:pPr indent="0" lvl="0" marL="0" rtl="0" algn="ctr">
-              <a:spcBef>
-                <a:spcPts val="0"/>
+            <a:pPr indent="0" lvl="0" marL="0" rtl="0" algn="l">
+              <a:lnSpc>
+                <a:spcPct val="115000"/>
+              </a:lnSpc>
+              <a:spcBef>
+                <a:spcPts val="600"/>
               </a:spcBef>
               <a:spcAft>
                 <a:spcPts val="0"/>
@@ -8736,83 +9050,220 @@
               <a:buNone/>
             </a:pPr>
             <a:r>
-              <a:rPr lang="it" sz="2825">
-                <a:solidFill>
-                  <a:schemeClr val="accent3"/>
-                </a:solidFill>
-                <a:latin typeface="Proxima Nova Extrabold"/>
-                <a:ea typeface="Proxima Nova Extrabold"/>
-                <a:cs typeface="Proxima Nova Extrabold"/>
-                <a:sym typeface="Proxima Nova Extrabold"/>
-              </a:rPr>
-              <a:t>These features will make me rich!</a:t>
-            </a:r>
-            <a:endParaRPr sz="2825">
-              <a:solidFill>
-                <a:schemeClr val="accent3"/>
-              </a:solidFill>
-              <a:latin typeface="Proxima Nova Extrabold"/>
-              <a:ea typeface="Proxima Nova Extrabold"/>
-              <a:cs typeface="Proxima Nova Extrabold"/>
-              <a:sym typeface="Proxima Nova Extrabold"/>
-            </a:endParaRPr>
-          </a:p>
-          <a:p>
-            <a:pPr indent="0" lvl="0" marL="0" rtl="0" algn="l">
-              <a:spcBef>
-                <a:spcPts val="0"/>
-              </a:spcBef>
-              <a:spcAft>
-                <a:spcPts val="0"/>
-              </a:spcAft>
-              <a:buClr>
-                <a:srgbClr val="000000"/>
-              </a:buClr>
-              <a:buSzPts val="852"/>
-              <a:buFont typeface="Arial"/>
-              <a:buNone/>
-            </a:pPr>
-            <a:r>
-              <a:t/>
-            </a:r>
-            <a:endParaRPr sz="2825">
-              <a:solidFill>
-                <a:schemeClr val="accent3"/>
-              </a:solidFill>
-              <a:latin typeface="Proxima Nova Extrabold"/>
-              <a:ea typeface="Proxima Nova Extrabold"/>
-              <a:cs typeface="Proxima Nova Extrabold"/>
-              <a:sym typeface="Proxima Nova Extrabold"/>
-            </a:endParaRPr>
-          </a:p>
-          <a:p>
-            <a:pPr indent="0" lvl="0" marL="0" rtl="0" algn="ctr">
-              <a:spcBef>
-                <a:spcPts val="0"/>
-              </a:spcBef>
-              <a:spcAft>
-                <a:spcPts val="1200"/>
-              </a:spcAft>
-              <a:buClr>
-                <a:srgbClr val="000000"/>
-              </a:buClr>
-              <a:buSzPts val="852"/>
-              <a:buFont typeface="Arial"/>
-              <a:buNone/>
-            </a:pPr>
-            <a:r>
-              <a:rPr lang="it" sz="2825">
-                <a:solidFill>
-                  <a:schemeClr val="accent3"/>
+              <a:rPr b="1" lang="it">
+                <a:solidFill>
+                  <a:schemeClr val="dk1"/>
                 </a:solidFill>
                 <a:latin typeface="Proxima Nova"/>
                 <a:ea typeface="Proxima Nova"/>
                 <a:cs typeface="Proxima Nova"/>
                 <a:sym typeface="Proxima Nova"/>
               </a:rPr>
-              <a:t>Take all the company money to make it happen!</a:t>
-            </a:r>
-            <a:endParaRPr sz="1800"/>
+              <a:t>Problem</a:t>
+            </a:r>
+            <a:r>
+              <a:rPr lang="it">
+                <a:solidFill>
+                  <a:schemeClr val="dk1"/>
+                </a:solidFill>
+                <a:latin typeface="Proxima Nova"/>
+                <a:ea typeface="Proxima Nova"/>
+                <a:cs typeface="Proxima Nova"/>
+                <a:sym typeface="Proxima Nova"/>
+              </a:rPr>
+              <a:t>:</a:t>
+            </a:r>
+            <a:r>
+              <a:rPr lang="it">
+                <a:solidFill>
+                  <a:srgbClr val="212121"/>
+                </a:solidFill>
+                <a:latin typeface="Proxima Nova"/>
+                <a:ea typeface="Proxima Nova"/>
+                <a:cs typeface="Proxima Nova"/>
+                <a:sym typeface="Proxima Nova"/>
+              </a:rPr>
+              <a:t> missing duration for some tracks</a:t>
+            </a:r>
+            <a:endParaRPr>
+              <a:solidFill>
+                <a:srgbClr val="212121"/>
+              </a:solidFill>
+              <a:latin typeface="Proxima Nova"/>
+              <a:ea typeface="Proxima Nova"/>
+              <a:cs typeface="Proxima Nova"/>
+              <a:sym typeface="Proxima Nova"/>
+            </a:endParaRPr>
+          </a:p>
+          <a:p>
+            <a:pPr indent="0" lvl="0" marL="0" rtl="0" algn="l">
+              <a:lnSpc>
+                <a:spcPct val="115000"/>
+              </a:lnSpc>
+              <a:spcBef>
+                <a:spcPts val="600"/>
+              </a:spcBef>
+              <a:spcAft>
+                <a:spcPts val="0"/>
+              </a:spcAft>
+              <a:buNone/>
+            </a:pPr>
+            <a:r>
+              <a:rPr b="1" lang="it">
+                <a:solidFill>
+                  <a:schemeClr val="dk1"/>
+                </a:solidFill>
+                <a:latin typeface="Proxima Nova"/>
+                <a:ea typeface="Proxima Nova"/>
+                <a:cs typeface="Proxima Nova"/>
+                <a:sym typeface="Proxima Nova"/>
+              </a:rPr>
+              <a:t>Fix</a:t>
+            </a:r>
+            <a:r>
+              <a:rPr lang="it">
+                <a:solidFill>
+                  <a:schemeClr val="dk1"/>
+                </a:solidFill>
+                <a:latin typeface="Proxima Nova"/>
+                <a:ea typeface="Proxima Nova"/>
+                <a:cs typeface="Proxima Nova"/>
+                <a:sym typeface="Proxima Nova"/>
+              </a:rPr>
+              <a:t>: </a:t>
+            </a:r>
+            <a:endParaRPr>
+              <a:solidFill>
+                <a:schemeClr val="dk1"/>
+              </a:solidFill>
+              <a:latin typeface="Proxima Nova"/>
+              <a:ea typeface="Proxima Nova"/>
+              <a:cs typeface="Proxima Nova"/>
+              <a:sym typeface="Proxima Nova"/>
+            </a:endParaRPr>
+          </a:p>
+          <a:p>
+            <a:pPr indent="-317500" lvl="0" marL="457200" marR="0" rtl="0" algn="l">
+              <a:lnSpc>
+                <a:spcPct val="115000"/>
+              </a:lnSpc>
+              <a:spcBef>
+                <a:spcPts val="600"/>
+              </a:spcBef>
+              <a:spcAft>
+                <a:spcPts val="0"/>
+              </a:spcAft>
+              <a:buClr>
+                <a:srgbClr val="212121"/>
+              </a:buClr>
+              <a:buSzPts val="1400"/>
+              <a:buFont typeface="Proxima Nova"/>
+              <a:buAutoNum type="arabicPeriod"/>
+            </a:pPr>
+            <a:r>
+              <a:rPr lang="it">
+                <a:solidFill>
+                  <a:srgbClr val="212121"/>
+                </a:solidFill>
+                <a:latin typeface="Proxima Nova"/>
+                <a:ea typeface="Proxima Nova"/>
+                <a:cs typeface="Proxima Nova"/>
+                <a:sym typeface="Proxima Nova"/>
+              </a:rPr>
+              <a:t>Take max duration from the tracks by that artist in the listening session to fill missing values.</a:t>
+            </a:r>
+            <a:endParaRPr>
+              <a:solidFill>
+                <a:srgbClr val="212121"/>
+              </a:solidFill>
+              <a:latin typeface="Proxima Nova"/>
+              <a:ea typeface="Proxima Nova"/>
+              <a:cs typeface="Proxima Nova"/>
+              <a:sym typeface="Proxima Nova"/>
+            </a:endParaRPr>
+          </a:p>
+          <a:p>
+            <a:pPr indent="-317500" lvl="0" marL="457200" marR="0" rtl="0" algn="l">
+              <a:lnSpc>
+                <a:spcPct val="115000"/>
+              </a:lnSpc>
+              <a:spcBef>
+                <a:spcPts val="0"/>
+              </a:spcBef>
+              <a:spcAft>
+                <a:spcPts val="0"/>
+              </a:spcAft>
+              <a:buClr>
+                <a:srgbClr val="212121"/>
+              </a:buClr>
+              <a:buSzPts val="1400"/>
+              <a:buFont typeface="Proxima Nova"/>
+              <a:buAutoNum type="arabicPeriod"/>
+            </a:pPr>
+            <a:r>
+              <a:rPr lang="it">
+                <a:solidFill>
+                  <a:srgbClr val="212121"/>
+                </a:solidFill>
+                <a:latin typeface="Proxima Nova"/>
+                <a:ea typeface="Proxima Nova"/>
+                <a:cs typeface="Proxima Nova"/>
+                <a:sym typeface="Proxima Nova"/>
+              </a:rPr>
+              <a:t>Duration from top tracks</a:t>
+            </a:r>
+            <a:endParaRPr>
+              <a:solidFill>
+                <a:srgbClr val="212121"/>
+              </a:solidFill>
+              <a:latin typeface="Proxima Nova"/>
+              <a:ea typeface="Proxima Nova"/>
+              <a:cs typeface="Proxima Nova"/>
+              <a:sym typeface="Proxima Nova"/>
+            </a:endParaRPr>
+          </a:p>
+          <a:p>
+            <a:pPr indent="-317500" lvl="0" marL="457200" marR="0" rtl="0" algn="l">
+              <a:lnSpc>
+                <a:spcPct val="115000"/>
+              </a:lnSpc>
+              <a:spcBef>
+                <a:spcPts val="0"/>
+              </a:spcBef>
+              <a:spcAft>
+                <a:spcPts val="0"/>
+              </a:spcAft>
+              <a:buClr>
+                <a:srgbClr val="212121"/>
+              </a:buClr>
+              <a:buSzPts val="1400"/>
+              <a:buFont typeface="Proxima Nova"/>
+              <a:buAutoNum type="arabicPeriod"/>
+            </a:pPr>
+            <a:r>
+              <a:rPr lang="it">
+                <a:solidFill>
+                  <a:srgbClr val="212121"/>
+                </a:solidFill>
+                <a:latin typeface="Proxima Nova"/>
+                <a:ea typeface="Proxima Nova"/>
+                <a:cs typeface="Proxima Nova"/>
+                <a:sym typeface="Proxima Nova"/>
+              </a:rPr>
+              <a:t>Default value: average of all values for the tracks listened by that user in the recent tracks</a:t>
+            </a:r>
+            <a:endParaRPr sz="1200">
+              <a:solidFill>
+                <a:srgbClr val="212121"/>
+              </a:solidFill>
+              <a:highlight>
+                <a:srgbClr val="FFFFFF"/>
+              </a:highlight>
+              <a:latin typeface="Roboto"/>
+              <a:ea typeface="Roboto"/>
+              <a:cs typeface="Roboto"/>
+              <a:sym typeface="Roboto"/>
+            </a:endParaRPr>
           </a:p>
         </p:txBody>
       </p:sp>
@@ -8829,7 +9280,7 @@
   <p:cSld>
     <p:spTree>
       <p:nvGrpSpPr>
-        <p:cNvPr id="157" name="Shape 157"/>
+        <p:cNvPr id="203" name="Shape 203"/>
         <p:cNvGrpSpPr/>
         <p:nvPr/>
       </p:nvGrpSpPr>
@@ -8841,26 +9292,136 @@
           <a:chExt cx="0" cy="0"/>
         </a:xfrm>
       </p:grpSpPr>
+      <p:pic>
+        <p:nvPicPr>
+          <p:cNvPr id="204" name="Google Shape;204;p27"/>
+          <p:cNvPicPr preferRelativeResize="0"/>
+          <p:nvPr/>
+        </p:nvPicPr>
+        <p:blipFill>
+          <a:blip r:embed="rId3">
+            <a:alphaModFix/>
+          </a:blip>
+          <a:stretch>
+            <a:fillRect/>
+          </a:stretch>
+        </p:blipFill>
+        <p:spPr>
+          <a:xfrm>
+            <a:off x="549663" y="713975"/>
+            <a:ext cx="3338425" cy="1669200"/>
+          </a:xfrm>
+          <a:prstGeom prst="rect">
+            <a:avLst/>
+          </a:prstGeom>
+          <a:noFill/>
+          <a:ln cap="flat" cmpd="sng" w="19050">
+            <a:solidFill>
+              <a:schemeClr val="dk2"/>
+            </a:solidFill>
+            <a:prstDash val="solid"/>
+            <a:round/>
+            <a:headEnd len="sm" w="sm" type="none"/>
+            <a:tailEnd len="sm" w="sm" type="none"/>
+          </a:ln>
+        </p:spPr>
+      </p:pic>
+      <p:pic>
+        <p:nvPicPr>
+          <p:cNvPr id="205" name="Google Shape;205;p27"/>
+          <p:cNvPicPr preferRelativeResize="0"/>
+          <p:nvPr/>
+        </p:nvPicPr>
+        <p:blipFill>
+          <a:blip r:embed="rId4">
+            <a:alphaModFix/>
+          </a:blip>
+          <a:stretch>
+            <a:fillRect/>
+          </a:stretch>
+        </p:blipFill>
+        <p:spPr>
+          <a:xfrm>
+            <a:off x="5229313" y="721713"/>
+            <a:ext cx="2190750" cy="1743075"/>
+          </a:xfrm>
+          <a:prstGeom prst="rect">
+            <a:avLst/>
+          </a:prstGeom>
+          <a:noFill/>
+          <a:ln cap="flat" cmpd="sng" w="19050">
+            <a:solidFill>
+              <a:schemeClr val="dk2"/>
+            </a:solidFill>
+            <a:prstDash val="solid"/>
+            <a:round/>
+            <a:headEnd len="sm" w="sm" type="none"/>
+            <a:tailEnd len="sm" w="sm" type="none"/>
+          </a:ln>
+        </p:spPr>
+      </p:pic>
+      <p:pic>
+        <p:nvPicPr>
+          <p:cNvPr id="206" name="Google Shape;206;p27"/>
+          <p:cNvPicPr preferRelativeResize="0"/>
+          <p:nvPr/>
+        </p:nvPicPr>
+        <p:blipFill>
+          <a:blip r:embed="rId5">
+            <a:alphaModFix/>
+          </a:blip>
+          <a:stretch>
+            <a:fillRect/>
+          </a:stretch>
+        </p:blipFill>
+        <p:spPr>
+          <a:xfrm>
+            <a:off x="7542750" y="721725"/>
+            <a:ext cx="885825" cy="609600"/>
+          </a:xfrm>
+          <a:prstGeom prst="rect">
+            <a:avLst/>
+          </a:prstGeom>
+          <a:noFill/>
+          <a:ln cap="flat" cmpd="sng" w="19050">
+            <a:solidFill>
+              <a:schemeClr val="dk2"/>
+            </a:solidFill>
+            <a:prstDash val="solid"/>
+            <a:round/>
+            <a:headEnd len="sm" w="sm" type="none"/>
+            <a:tailEnd len="sm" w="sm" type="none"/>
+          </a:ln>
+        </p:spPr>
+      </p:pic>
       <p:sp>
         <p:nvSpPr>
-          <p:cNvPr id="158" name="Google Shape;158;p27"/>
-          <p:cNvSpPr txBox="1"/>
-          <p:nvPr>
-            <p:ph type="title"/>
-          </p:nvPr>
+          <p:cNvPr id="207" name="Google Shape;207;p27"/>
+          <p:cNvSpPr/>
+          <p:nvPr/>
         </p:nvSpPr>
         <p:spPr>
           <a:xfrm>
-            <a:off x="311700" y="216425"/>
-            <a:ext cx="8520600" cy="572700"/>
+            <a:off x="6258438" y="727138"/>
+            <a:ext cx="459900" cy="169800"/>
           </a:xfrm>
           <a:prstGeom prst="rect">
             <a:avLst/>
           </a:prstGeom>
+          <a:noFill/>
+          <a:ln cap="flat" cmpd="sng" w="19050">
+            <a:solidFill>
+              <a:schemeClr val="dk1"/>
+            </a:solidFill>
+            <a:prstDash val="solid"/>
+            <a:round/>
+            <a:headEnd len="sm" w="sm" type="none"/>
+            <a:tailEnd len="sm" w="sm" type="none"/>
+          </a:ln>
         </p:spPr>
         <p:txBody>
-          <a:bodyPr anchorCtr="0" anchor="t" bIns="91425" lIns="91425" spcFirstLastPara="1" rIns="91425" wrap="square" tIns="91425">
-            <a:normAutofit fontScale="90000"/>
+          <a:bodyPr anchorCtr="0" anchor="ctr" bIns="91425" lIns="91425" spcFirstLastPara="1" rIns="91425" wrap="square" tIns="91425">
+            <a:noAutofit/>
           </a:bodyPr>
           <a:lstStyle/>
           <a:p>
@@ -8874,8 +9435,277 @@
               <a:buNone/>
             </a:pPr>
             <a:r>
-              <a:rPr lang="it"/>
-              <a:t>Price to pay!</a:t>
+              <a:t/>
+            </a:r>
+            <a:endParaRPr/>
+          </a:p>
+        </p:txBody>
+      </p:sp>
+      <p:cxnSp>
+        <p:nvCxnSpPr>
+          <p:cNvPr id="208" name="Google Shape;208;p27"/>
+          <p:cNvCxnSpPr>
+            <a:stCxn id="206" idx="2"/>
+            <a:endCxn id="207" idx="2"/>
+          </p:cNvCxnSpPr>
+          <p:nvPr/>
+        </p:nvCxnSpPr>
+        <p:spPr>
+          <a:xfrm flipH="1" rot="5400000">
+            <a:off x="7019813" y="365475"/>
+            <a:ext cx="434400" cy="1497300"/>
+          </a:xfrm>
+          <a:prstGeom prst="curvedConnector3">
+            <a:avLst>
+              <a:gd fmla="val -54817" name="adj1"/>
+            </a:avLst>
+          </a:prstGeom>
+          <a:noFill/>
+          <a:ln cap="flat" cmpd="sng" w="9525">
+            <a:solidFill>
+              <a:schemeClr val="dk2"/>
+            </a:solidFill>
+            <a:prstDash val="solid"/>
+            <a:round/>
+            <a:headEnd len="med" w="med" type="none"/>
+            <a:tailEnd len="med" w="med" type="triangle"/>
+          </a:ln>
+        </p:spPr>
+      </p:cxnSp>
+      <p:pic>
+        <p:nvPicPr>
+          <p:cNvPr id="209" name="Google Shape;209;p27"/>
+          <p:cNvPicPr preferRelativeResize="0"/>
+          <p:nvPr/>
+        </p:nvPicPr>
+        <p:blipFill>
+          <a:blip r:embed="rId6">
+            <a:alphaModFix/>
+          </a:blip>
+          <a:stretch>
+            <a:fillRect/>
+          </a:stretch>
+        </p:blipFill>
+        <p:spPr>
+          <a:xfrm>
+            <a:off x="4241999" y="3804999"/>
+            <a:ext cx="4371175" cy="368662"/>
+          </a:xfrm>
+          <a:prstGeom prst="rect">
+            <a:avLst/>
+          </a:prstGeom>
+          <a:noFill/>
+          <a:ln cap="flat" cmpd="sng" w="9525">
+            <a:solidFill>
+              <a:schemeClr val="lt2"/>
+            </a:solidFill>
+            <a:prstDash val="solid"/>
+            <a:round/>
+            <a:headEnd len="sm" w="sm" type="none"/>
+            <a:tailEnd len="sm" w="sm" type="none"/>
+          </a:ln>
+        </p:spPr>
+      </p:pic>
+      <p:pic>
+        <p:nvPicPr>
+          <p:cNvPr id="210" name="Google Shape;210;p27"/>
+          <p:cNvPicPr preferRelativeResize="0"/>
+          <p:nvPr/>
+        </p:nvPicPr>
+        <p:blipFill>
+          <a:blip r:embed="rId7">
+            <a:alphaModFix/>
+          </a:blip>
+          <a:stretch>
+            <a:fillRect/>
+          </a:stretch>
+        </p:blipFill>
+        <p:spPr>
+          <a:xfrm>
+            <a:off x="4391216" y="4418318"/>
+            <a:ext cx="4072741" cy="351106"/>
+          </a:xfrm>
+          <a:prstGeom prst="rect">
+            <a:avLst/>
+          </a:prstGeom>
+          <a:noFill/>
+          <a:ln cap="flat" cmpd="sng" w="9525">
+            <a:solidFill>
+              <a:schemeClr val="lt2"/>
+            </a:solidFill>
+            <a:prstDash val="solid"/>
+            <a:round/>
+            <a:headEnd len="sm" w="sm" type="none"/>
+            <a:tailEnd len="sm" w="sm" type="none"/>
+          </a:ln>
+        </p:spPr>
+      </p:pic>
+      <p:cxnSp>
+        <p:nvCxnSpPr>
+          <p:cNvPr id="211" name="Google Shape;211;p27"/>
+          <p:cNvCxnSpPr>
+            <a:stCxn id="209" idx="2"/>
+            <a:endCxn id="210" idx="0"/>
+          </p:cNvCxnSpPr>
+          <p:nvPr/>
+        </p:nvCxnSpPr>
+        <p:spPr>
+          <a:xfrm>
+            <a:off x="6427587" y="4173661"/>
+            <a:ext cx="0" cy="244800"/>
+          </a:xfrm>
+          <a:prstGeom prst="straightConnector1">
+            <a:avLst/>
+          </a:prstGeom>
+          <a:noFill/>
+          <a:ln cap="flat" cmpd="sng" w="9525">
+            <a:solidFill>
+              <a:schemeClr val="lt2"/>
+            </a:solidFill>
+            <a:prstDash val="solid"/>
+            <a:round/>
+            <a:headEnd len="med" w="med" type="none"/>
+            <a:tailEnd len="med" w="med" type="triangle"/>
+          </a:ln>
+        </p:spPr>
+      </p:cxnSp>
+      <p:cxnSp>
+        <p:nvCxnSpPr>
+          <p:cNvPr id="212" name="Google Shape;212;p27"/>
+          <p:cNvCxnSpPr>
+            <a:stCxn id="213" idx="2"/>
+            <a:endCxn id="214" idx="0"/>
+          </p:cNvCxnSpPr>
+          <p:nvPr/>
+        </p:nvCxnSpPr>
+        <p:spPr>
+          <a:xfrm flipH="1">
+            <a:off x="2217532" y="3321565"/>
+            <a:ext cx="2700" cy="159600"/>
+          </a:xfrm>
+          <a:prstGeom prst="straightConnector1">
+            <a:avLst/>
+          </a:prstGeom>
+          <a:noFill/>
+          <a:ln cap="flat" cmpd="sng" w="9525">
+            <a:solidFill>
+              <a:schemeClr val="accent3"/>
+            </a:solidFill>
+            <a:prstDash val="solid"/>
+            <a:round/>
+            <a:headEnd len="med" w="med" type="none"/>
+            <a:tailEnd len="med" w="med" type="triangle"/>
+          </a:ln>
+        </p:spPr>
+      </p:cxnSp>
+      <p:sp>
+        <p:nvSpPr>
+          <p:cNvPr id="213" name="Google Shape;213;p27"/>
+          <p:cNvSpPr/>
+          <p:nvPr/>
+        </p:nvSpPr>
+        <p:spPr>
+          <a:xfrm>
+            <a:off x="1736875" y="2571750"/>
+            <a:ext cx="1122876" cy="779328"/>
+          </a:xfrm>
+          <a:prstGeom prst="flowChartMultidocument">
+            <a:avLst/>
+          </a:prstGeom>
+          <a:solidFill>
+            <a:schemeClr val="lt1"/>
+          </a:solidFill>
+          <a:ln cap="flat" cmpd="sng" w="19050">
+            <a:solidFill>
+              <a:schemeClr val="accent3"/>
+            </a:solidFill>
+            <a:prstDash val="solid"/>
+            <a:round/>
+            <a:headEnd len="sm" w="sm" type="none"/>
+            <a:tailEnd len="sm" w="sm" type="none"/>
+          </a:ln>
+        </p:spPr>
+        <p:txBody>
+          <a:bodyPr anchorCtr="0" anchor="ctr" bIns="91425" lIns="91425" spcFirstLastPara="1" rIns="91425" wrap="square" tIns="91425">
+            <a:noAutofit/>
+          </a:bodyPr>
+          <a:lstStyle/>
+          <a:p>
+            <a:pPr indent="0" lvl="0" marL="0" rtl="0" algn="ctr">
+              <a:spcBef>
+                <a:spcPts val="0"/>
+              </a:spcBef>
+              <a:spcAft>
+                <a:spcPts val="0"/>
+              </a:spcAft>
+              <a:buNone/>
+            </a:pPr>
+            <a:r>
+              <a:rPr b="1" lang="it" sz="1000">
+                <a:solidFill>
+                  <a:schemeClr val="accent3"/>
+                </a:solidFill>
+                <a:latin typeface="Courier New"/>
+                <a:ea typeface="Courier New"/>
+                <a:cs typeface="Courier New"/>
+                <a:sym typeface="Courier New"/>
+              </a:rPr>
+              <a:t>Artist’s top tracks</a:t>
+            </a:r>
+            <a:endParaRPr b="1" sz="1000">
+              <a:solidFill>
+                <a:schemeClr val="accent3"/>
+              </a:solidFill>
+              <a:latin typeface="Courier New"/>
+              <a:ea typeface="Courier New"/>
+              <a:cs typeface="Courier New"/>
+              <a:sym typeface="Courier New"/>
+            </a:endParaRPr>
+          </a:p>
+        </p:txBody>
+      </p:sp>
+      <p:sp>
+        <p:nvSpPr>
+          <p:cNvPr id="215" name="Google Shape;215;p27"/>
+          <p:cNvSpPr/>
+          <p:nvPr/>
+        </p:nvSpPr>
+        <p:spPr>
+          <a:xfrm>
+            <a:off x="776053" y="1368275"/>
+            <a:ext cx="566100" cy="169800"/>
+          </a:xfrm>
+          <a:prstGeom prst="rect">
+            <a:avLst/>
+          </a:prstGeom>
+          <a:noFill/>
+          <a:ln cap="flat" cmpd="sng" w="19050">
+            <a:solidFill>
+              <a:schemeClr val="accent3"/>
+            </a:solidFill>
+            <a:prstDash val="solid"/>
+            <a:round/>
+            <a:headEnd len="sm" w="sm" type="none"/>
+            <a:tailEnd len="sm" w="sm" type="none"/>
+          </a:ln>
+        </p:spPr>
+        <p:txBody>
+          <a:bodyPr anchorCtr="0" anchor="ctr" bIns="91425" lIns="91425" spcFirstLastPara="1" rIns="91425" wrap="square" tIns="91425">
+            <a:noAutofit/>
+          </a:bodyPr>
+          <a:lstStyle/>
+          <a:p>
+            <a:pPr indent="0" lvl="0" marL="0" rtl="0" algn="l">
+              <a:spcBef>
+                <a:spcPts val="0"/>
+              </a:spcBef>
+              <a:spcAft>
+                <a:spcPts val="0"/>
+              </a:spcAft>
+              <a:buNone/>
+            </a:pPr>
+            <a:r>
+              <a:t/>
             </a:r>
             <a:endParaRPr/>
           </a:p>
@@ -8883,33 +9713,36 @@
       </p:sp>
       <p:sp>
         <p:nvSpPr>
-          <p:cNvPr id="159" name="Google Shape;159;p27"/>
-          <p:cNvSpPr txBox="1"/>
+          <p:cNvPr id="216" name="Google Shape;216;p27"/>
+          <p:cNvSpPr/>
           <p:nvPr/>
         </p:nvSpPr>
         <p:spPr>
           <a:xfrm>
-            <a:off x="243800" y="779300"/>
-            <a:ext cx="4175700" cy="4374000"/>
+            <a:off x="5502775" y="727138"/>
+            <a:ext cx="601500" cy="169800"/>
           </a:xfrm>
           <a:prstGeom prst="rect">
             <a:avLst/>
           </a:prstGeom>
           <a:noFill/>
-          <a:ln>
-            <a:noFill/>
+          <a:ln cap="flat" cmpd="sng" w="19050">
+            <a:solidFill>
+              <a:schemeClr val="accent3"/>
+            </a:solidFill>
+            <a:prstDash val="solid"/>
+            <a:round/>
+            <a:headEnd len="sm" w="sm" type="none"/>
+            <a:tailEnd len="sm" w="sm" type="none"/>
           </a:ln>
         </p:spPr>
         <p:txBody>
           <a:bodyPr anchorCtr="0" anchor="ctr" bIns="91425" lIns="91425" spcFirstLastPara="1" rIns="91425" wrap="square" tIns="91425">
-            <a:spAutoFit/>
+            <a:noAutofit/>
           </a:bodyPr>
           <a:lstStyle/>
           <a:p>
-            <a:pPr indent="0" lvl="0" marL="0" marR="0" rtl="0" algn="l">
-              <a:lnSpc>
-                <a:spcPct val="100000"/>
-              </a:lnSpc>
+            <a:pPr indent="0" lvl="0" marL="0" rtl="0" algn="l">
               <a:spcBef>
                 <a:spcPts val="0"/>
               </a:spcBef>
@@ -8919,58 +9752,129 @@
               <a:buNone/>
             </a:pPr>
             <a:r>
-              <a:rPr b="1" lang="it" sz="1000">
-                <a:solidFill>
-                  <a:schemeClr val="dk1"/>
+              <a:t/>
+            </a:r>
+            <a:endParaRPr/>
+          </a:p>
+        </p:txBody>
+      </p:sp>
+      <p:pic>
+        <p:nvPicPr>
+          <p:cNvPr id="214" name="Google Shape;214;p27"/>
+          <p:cNvPicPr preferRelativeResize="0"/>
+          <p:nvPr/>
+        </p:nvPicPr>
+        <p:blipFill>
+          <a:blip r:embed="rId8">
+            <a:alphaModFix/>
+          </a:blip>
+          <a:stretch>
+            <a:fillRect/>
+          </a:stretch>
+        </p:blipFill>
+        <p:spPr>
+          <a:xfrm>
+            <a:off x="530813" y="3481208"/>
+            <a:ext cx="3373200" cy="1398292"/>
+          </a:xfrm>
+          <a:prstGeom prst="rect">
+            <a:avLst/>
+          </a:prstGeom>
+          <a:noFill/>
+          <a:ln cap="flat" cmpd="sng" w="19050">
+            <a:solidFill>
+              <a:schemeClr val="accent3"/>
+            </a:solidFill>
+            <a:prstDash val="solid"/>
+            <a:round/>
+            <a:headEnd len="sm" w="sm" type="none"/>
+            <a:tailEnd len="sm" w="sm" type="none"/>
+          </a:ln>
+        </p:spPr>
+      </p:pic>
+      <p:cxnSp>
+        <p:nvCxnSpPr>
+          <p:cNvPr id="217" name="Google Shape;217;p27"/>
+          <p:cNvCxnSpPr/>
+          <p:nvPr/>
+        </p:nvCxnSpPr>
+        <p:spPr>
+          <a:xfrm>
+            <a:off x="3904013" y="3984279"/>
+            <a:ext cx="240300" cy="0"/>
+          </a:xfrm>
+          <a:prstGeom prst="straightConnector1">
+            <a:avLst/>
+          </a:prstGeom>
+          <a:noFill/>
+          <a:ln cap="flat" cmpd="sng" w="9525">
+            <a:solidFill>
+              <a:schemeClr val="accent3"/>
+            </a:solidFill>
+            <a:prstDash val="solid"/>
+            <a:round/>
+            <a:headEnd len="med" w="med" type="none"/>
+            <a:tailEnd len="med" w="med" type="triangle"/>
+          </a:ln>
+        </p:spPr>
+      </p:cxnSp>
+      <p:sp>
+        <p:nvSpPr>
+          <p:cNvPr id="218" name="Google Shape;218;p27"/>
+          <p:cNvSpPr/>
+          <p:nvPr/>
+        </p:nvSpPr>
+        <p:spPr>
+          <a:xfrm>
+            <a:off x="549675" y="391975"/>
+            <a:ext cx="396300" cy="244800"/>
+          </a:xfrm>
+          <a:prstGeom prst="homePlate">
+            <a:avLst>
+              <a:gd fmla="val 50000" name="adj"/>
+            </a:avLst>
+          </a:prstGeom>
+          <a:solidFill>
+            <a:schemeClr val="lt2"/>
+          </a:solidFill>
+          <a:ln cap="flat" cmpd="sng" w="9525">
+            <a:solidFill>
+              <a:schemeClr val="dk2"/>
+            </a:solidFill>
+            <a:prstDash val="solid"/>
+            <a:round/>
+            <a:headEnd len="sm" w="sm" type="none"/>
+            <a:tailEnd len="sm" w="sm" type="none"/>
+          </a:ln>
+        </p:spPr>
+        <p:txBody>
+          <a:bodyPr anchorCtr="0" anchor="ctr" bIns="91425" lIns="91425" spcFirstLastPara="1" rIns="91425" wrap="square" tIns="91425">
+            <a:noAutofit/>
+          </a:bodyPr>
+          <a:lstStyle/>
+          <a:p>
+            <a:pPr indent="0" lvl="0" marL="0" rtl="0" algn="l">
+              <a:spcBef>
+                <a:spcPts val="0"/>
+              </a:spcBef>
+              <a:spcAft>
+                <a:spcPts val="0"/>
+              </a:spcAft>
+              <a:buNone/>
+            </a:pPr>
+            <a:r>
+              <a:rPr lang="it">
+                <a:solidFill>
+                  <a:schemeClr val="dk2"/>
                 </a:solidFill>
                 <a:latin typeface="Proxima Nova"/>
                 <a:ea typeface="Proxima Nova"/>
                 <a:cs typeface="Proxima Nova"/>
                 <a:sym typeface="Proxima Nova"/>
               </a:rPr>
-              <a:t>Standard Storage</a:t>
-            </a:r>
-            <a:endParaRPr b="1" sz="1000">
-              <a:solidFill>
-                <a:schemeClr val="dk1"/>
-              </a:solidFill>
-              <a:latin typeface="Proxima Nova"/>
-              <a:ea typeface="Proxima Nova"/>
-              <a:cs typeface="Proxima Nova"/>
-              <a:sym typeface="Proxima Nova"/>
-            </a:endParaRPr>
-          </a:p>
-          <a:p>
-            <a:pPr indent="-292100" lvl="0" marL="457200" marR="0" rtl="0" algn="l">
-              <a:lnSpc>
-                <a:spcPct val="100000"/>
-              </a:lnSpc>
-              <a:spcBef>
-                <a:spcPts val="1200"/>
-              </a:spcBef>
-              <a:spcAft>
-                <a:spcPts val="0"/>
-              </a:spcAft>
-              <a:buClr>
-                <a:schemeClr val="dk2"/>
-              </a:buClr>
-              <a:buSzPts val="1000"/>
-              <a:buFont typeface="Proxima Nova"/>
-              <a:buChar char="●"/>
-            </a:pPr>
-            <a:r>
-              <a:rPr lang="it" sz="1000">
-                <a:solidFill>
-                  <a:schemeClr val="dk2"/>
-                </a:solidFill>
-                <a:latin typeface="Proxima Nova"/>
-                <a:ea typeface="Proxima Nova"/>
-                <a:cs typeface="Proxima Nova"/>
-                <a:sym typeface="Proxima Nova"/>
-              </a:rPr>
-              <a:t>Standard Storage is best for data that is frequently accessed and/or stored for only brief periods of time.</a:t>
-            </a:r>
-            <a:endParaRPr sz="1000">
+              <a:t>1</a:t>
+            </a:r>
+            <a:endParaRPr>
               <a:solidFill>
                 <a:schemeClr val="dk2"/>
               </a:solidFill>
@@ -8980,26 +9884,54 @@
               <a:sym typeface="Proxima Nova"/>
             </a:endParaRPr>
           </a:p>
+        </p:txBody>
+      </p:sp>
+      <p:sp>
+        <p:nvSpPr>
+          <p:cNvPr id="219" name="Google Shape;219;p27"/>
+          <p:cNvSpPr/>
+          <p:nvPr/>
+        </p:nvSpPr>
+        <p:spPr>
+          <a:xfrm>
+            <a:off x="530825" y="3184125"/>
+            <a:ext cx="396300" cy="244800"/>
+          </a:xfrm>
+          <a:prstGeom prst="homePlate">
+            <a:avLst>
+              <a:gd fmla="val 50000" name="adj"/>
+            </a:avLst>
+          </a:prstGeom>
+          <a:solidFill>
+            <a:schemeClr val="lt2"/>
+          </a:solidFill>
+          <a:ln cap="flat" cmpd="sng" w="9525">
+            <a:solidFill>
+              <a:schemeClr val="dk2"/>
+            </a:solidFill>
+            <a:prstDash val="solid"/>
+            <a:round/>
+            <a:headEnd len="sm" w="sm" type="none"/>
+            <a:tailEnd len="sm" w="sm" type="none"/>
+          </a:ln>
+        </p:spPr>
+        <p:txBody>
+          <a:bodyPr anchorCtr="0" anchor="ctr" bIns="91425" lIns="91425" spcFirstLastPara="1" rIns="91425" wrap="square" tIns="91425">
+            <a:noAutofit/>
+          </a:bodyPr>
+          <a:lstStyle/>
           <a:p>
-            <a:pPr indent="-292100" lvl="0" marL="457200" marR="0" rtl="0" algn="l">
-              <a:lnSpc>
-                <a:spcPct val="100000"/>
-              </a:lnSpc>
-              <a:spcBef>
-                <a:spcPts val="0"/>
-              </a:spcBef>
-              <a:spcAft>
-                <a:spcPts val="0"/>
-              </a:spcAft>
-              <a:buClr>
-                <a:schemeClr val="dk2"/>
-              </a:buClr>
-              <a:buSzPts val="1000"/>
-              <a:buFont typeface="Proxima Nova"/>
-              <a:buChar char="●"/>
+            <a:pPr indent="0" lvl="0" marL="0" rtl="0" algn="l">
+              <a:spcBef>
+                <a:spcPts val="0"/>
+              </a:spcBef>
+              <a:spcAft>
+                <a:spcPts val="0"/>
+              </a:spcAft>
+              <a:buNone/>
             </a:pPr>
             <a:r>
-              <a:rPr lang="it" sz="1000">
+              <a:rPr lang="it">
                 <a:solidFill>
                   <a:schemeClr val="dk2"/>
                 </a:solidFill>
@@ -9008,9 +9940,9 @@
                 <a:cs typeface="Proxima Nova"/>
                 <a:sym typeface="Proxima Nova"/>
               </a:rPr>
-              <a:t>Standard Storage is priced at $0.020 per GB per Month.</a:t>
-            </a:r>
-            <a:endParaRPr sz="1000">
+              <a:t>2</a:t>
+            </a:r>
+            <a:endParaRPr>
               <a:solidFill>
                 <a:schemeClr val="dk2"/>
               </a:solidFill>
@@ -9020,13 +9952,46 @@
               <a:sym typeface="Proxima Nova"/>
             </a:endParaRPr>
           </a:p>
+        </p:txBody>
+      </p:sp>
+      <p:sp>
+        <p:nvSpPr>
+          <p:cNvPr id="220" name="Google Shape;220;p27"/>
+          <p:cNvSpPr/>
+          <p:nvPr/>
+        </p:nvSpPr>
+        <p:spPr>
+          <a:xfrm>
+            <a:off x="5229325" y="391975"/>
+            <a:ext cx="396300" cy="244800"/>
+          </a:xfrm>
+          <a:prstGeom prst="homePlate">
+            <a:avLst>
+              <a:gd fmla="val 50000" name="adj"/>
+            </a:avLst>
+          </a:prstGeom>
+          <a:solidFill>
+            <a:schemeClr val="lt2"/>
+          </a:solidFill>
+          <a:ln cap="flat" cmpd="sng" w="9525">
+            <a:solidFill>
+              <a:schemeClr val="dk2"/>
+            </a:solidFill>
+            <a:prstDash val="solid"/>
+            <a:round/>
+            <a:headEnd len="sm" w="sm" type="none"/>
+            <a:tailEnd len="sm" w="sm" type="none"/>
+          </a:ln>
+        </p:spPr>
+        <p:txBody>
+          <a:bodyPr anchorCtr="0" anchor="ctr" bIns="91425" lIns="91425" spcFirstLastPara="1" rIns="91425" wrap="square" tIns="91425">
+            <a:noAutofit/>
+          </a:bodyPr>
+          <a:lstStyle/>
           <a:p>
             <a:pPr indent="0" lvl="0" marL="0" rtl="0" algn="l">
-              <a:lnSpc>
-                <a:spcPct val="100000"/>
-              </a:lnSpc>
-              <a:spcBef>
-                <a:spcPts val="1200"/>
+              <a:spcBef>
+                <a:spcPts val="0"/>
               </a:spcBef>
               <a:spcAft>
                 <a:spcPts val="0"/>
@@ -9034,266 +9999,18 @@
               <a:buNone/>
             </a:pPr>
             <a:r>
-              <a:rPr b="1" lang="it" sz="1000">
-                <a:solidFill>
-                  <a:schemeClr val="dk1"/>
+              <a:rPr lang="it">
+                <a:solidFill>
+                  <a:schemeClr val="dk2"/>
                 </a:solidFill>
                 <a:latin typeface="Proxima Nova"/>
                 <a:ea typeface="Proxima Nova"/>
                 <a:cs typeface="Proxima Nova"/>
                 <a:sym typeface="Proxima Nova"/>
               </a:rPr>
-              <a:t>Operations</a:t>
-            </a:r>
-            <a:endParaRPr b="1" sz="250">
-              <a:highlight>
-                <a:srgbClr val="FFFFFF"/>
-              </a:highlight>
-            </a:endParaRPr>
-          </a:p>
-          <a:p>
-            <a:pPr indent="-292100" lvl="0" marL="457200" marR="0" rtl="0" algn="l">
-              <a:lnSpc>
-                <a:spcPct val="100000"/>
-              </a:lnSpc>
-              <a:spcBef>
-                <a:spcPts val="1500"/>
-              </a:spcBef>
-              <a:spcAft>
-                <a:spcPts val="0"/>
-              </a:spcAft>
-              <a:buClr>
-                <a:schemeClr val="dk2"/>
-              </a:buClr>
-              <a:buSzPts val="1000"/>
-              <a:buFont typeface="Proxima Nova"/>
-              <a:buChar char="●"/>
-            </a:pPr>
-            <a:r>
-              <a:rPr lang="it" sz="1000">
-                <a:solidFill>
-                  <a:schemeClr val="dk2"/>
-                </a:solidFill>
-                <a:latin typeface="Proxima Nova"/>
-                <a:ea typeface="Proxima Nova"/>
-                <a:cs typeface="Proxima Nova"/>
-                <a:sym typeface="Proxima Nova"/>
-              </a:rPr>
-              <a:t>Operation charges apply when you perform operations within Cloud Storage. An operation is an action that makes changes to or retrieves information about resources such as buckets and objects in Cloud Storage.</a:t>
-            </a:r>
-            <a:endParaRPr sz="1000">
-              <a:solidFill>
-                <a:schemeClr val="dk2"/>
-              </a:solidFill>
-              <a:latin typeface="Proxima Nova"/>
-              <a:ea typeface="Proxima Nova"/>
-              <a:cs typeface="Proxima Nova"/>
-              <a:sym typeface="Proxima Nova"/>
-            </a:endParaRPr>
-          </a:p>
-          <a:p>
-            <a:pPr indent="-292100" lvl="0" marL="457200" marR="0" rtl="0" algn="l">
-              <a:lnSpc>
-                <a:spcPct val="100000"/>
-              </a:lnSpc>
-              <a:spcBef>
-                <a:spcPts val="0"/>
-              </a:spcBef>
-              <a:spcAft>
-                <a:spcPts val="0"/>
-              </a:spcAft>
-              <a:buClr>
-                <a:schemeClr val="dk2"/>
-              </a:buClr>
-              <a:buSzPts val="1000"/>
-              <a:buFont typeface="Proxima Nova"/>
-              <a:buChar char="●"/>
-            </a:pPr>
-            <a:r>
-              <a:rPr lang="it" sz="1000">
-                <a:solidFill>
-                  <a:schemeClr val="dk2"/>
-                </a:solidFill>
-                <a:latin typeface="Proxima Nova"/>
-                <a:ea typeface="Proxima Nova"/>
-                <a:cs typeface="Proxima Nova"/>
-                <a:sym typeface="Proxima Nova"/>
-              </a:rPr>
-              <a:t>Operations are divided into three categories: Class A, Class B, and free. Billing rates are per 10,000 operations.</a:t>
-            </a:r>
-            <a:endParaRPr sz="1000">
-              <a:solidFill>
-                <a:schemeClr val="dk2"/>
-              </a:solidFill>
-              <a:latin typeface="Proxima Nova"/>
-              <a:ea typeface="Proxima Nova"/>
-              <a:cs typeface="Proxima Nova"/>
-              <a:sym typeface="Proxima Nova"/>
-            </a:endParaRPr>
-          </a:p>
-          <a:p>
-            <a:pPr indent="0" lvl="0" marL="0" rtl="0" algn="l">
-              <a:lnSpc>
-                <a:spcPct val="100000"/>
-              </a:lnSpc>
-              <a:spcBef>
-                <a:spcPts val="1500"/>
-              </a:spcBef>
-              <a:spcAft>
-                <a:spcPts val="0"/>
-              </a:spcAft>
-              <a:buNone/>
-            </a:pPr>
-            <a:r>
-              <a:rPr b="1" lang="it" sz="1000">
-                <a:solidFill>
-                  <a:schemeClr val="dk1"/>
-                </a:solidFill>
-                <a:latin typeface="Proxima Nova"/>
-                <a:ea typeface="Proxima Nova"/>
-                <a:cs typeface="Proxima Nova"/>
-                <a:sym typeface="Proxima Nova"/>
-              </a:rPr>
-              <a:t>Network</a:t>
-            </a:r>
-            <a:endParaRPr b="1" sz="1650">
-              <a:highlight>
-                <a:srgbClr val="FFFFFF"/>
-              </a:highlight>
-            </a:endParaRPr>
-          </a:p>
-          <a:p>
-            <a:pPr indent="-292100" lvl="0" marL="457200" marR="0" rtl="0" algn="l">
-              <a:lnSpc>
-                <a:spcPct val="100000"/>
-              </a:lnSpc>
-              <a:spcBef>
-                <a:spcPts val="1100"/>
-              </a:spcBef>
-              <a:spcAft>
-                <a:spcPts val="0"/>
-              </a:spcAft>
-              <a:buClr>
-                <a:schemeClr val="dk2"/>
-              </a:buClr>
-              <a:buSzPts val="1000"/>
-              <a:buFont typeface="Proxima Nova"/>
-              <a:buChar char="●"/>
-            </a:pPr>
-            <a:r>
-              <a:rPr lang="it" sz="1000">
-                <a:solidFill>
-                  <a:schemeClr val="dk2"/>
-                </a:solidFill>
-                <a:latin typeface="Proxima Nova"/>
-                <a:ea typeface="Proxima Nova"/>
-                <a:cs typeface="Proxima Nova"/>
-                <a:sym typeface="Proxima Nova"/>
-              </a:rPr>
-              <a:t>Egress represents data sent from Cloud Storage in HTTP responses. Data or metadata read from a Cloud Storage bucket is an example of egress.</a:t>
-            </a:r>
-            <a:endParaRPr sz="1000">
-              <a:solidFill>
-                <a:schemeClr val="dk2"/>
-              </a:solidFill>
-              <a:latin typeface="Proxima Nova"/>
-              <a:ea typeface="Proxima Nova"/>
-              <a:cs typeface="Proxima Nova"/>
-              <a:sym typeface="Proxima Nova"/>
-            </a:endParaRPr>
-          </a:p>
-          <a:p>
-            <a:pPr indent="-292100" lvl="0" marL="457200" marR="0" rtl="0" algn="l">
-              <a:lnSpc>
-                <a:spcPct val="100000"/>
-              </a:lnSpc>
-              <a:spcBef>
-                <a:spcPts val="0"/>
-              </a:spcBef>
-              <a:spcAft>
-                <a:spcPts val="0"/>
-              </a:spcAft>
-              <a:buClr>
-                <a:schemeClr val="dk2"/>
-              </a:buClr>
-              <a:buSzPts val="1000"/>
-              <a:buFont typeface="Proxima Nova"/>
-              <a:buChar char="●"/>
-            </a:pPr>
-            <a:r>
-              <a:rPr lang="it" sz="1000">
-                <a:solidFill>
-                  <a:schemeClr val="dk2"/>
-                </a:solidFill>
-                <a:latin typeface="Proxima Nova"/>
-                <a:ea typeface="Proxima Nova"/>
-                <a:cs typeface="Proxima Nova"/>
-                <a:sym typeface="Proxima Nova"/>
-              </a:rPr>
-              <a:t>Ingress represents data sent to Cloud Storage in HTTP requests. Data or metadata written to a Cloud Storage bucket is an example of ingress.</a:t>
-            </a:r>
-            <a:endParaRPr sz="1000">
-              <a:solidFill>
-                <a:schemeClr val="dk2"/>
-              </a:solidFill>
-              <a:latin typeface="Proxima Nova"/>
-              <a:ea typeface="Proxima Nova"/>
-              <a:cs typeface="Proxima Nova"/>
-              <a:sym typeface="Proxima Nova"/>
-            </a:endParaRPr>
-          </a:p>
-          <a:p>
-            <a:pPr indent="0" lvl="0" marL="457200" marR="0" rtl="0" algn="l">
-              <a:lnSpc>
-                <a:spcPct val="100000"/>
-              </a:lnSpc>
-              <a:spcBef>
-                <a:spcPts val="1200"/>
-              </a:spcBef>
-              <a:spcAft>
-                <a:spcPts val="0"/>
-              </a:spcAft>
-              <a:buNone/>
-            </a:pPr>
-            <a:r>
-              <a:t/>
-            </a:r>
-            <a:endParaRPr sz="1000">
-              <a:solidFill>
-                <a:schemeClr val="dk2"/>
-              </a:solidFill>
-              <a:latin typeface="Proxima Nova"/>
-              <a:ea typeface="Proxima Nova"/>
-              <a:cs typeface="Proxima Nova"/>
-              <a:sym typeface="Proxima Nova"/>
-            </a:endParaRPr>
-          </a:p>
-          <a:p>
-            <a:pPr indent="0" lvl="0" marL="0" marR="0" rtl="0" algn="l">
-              <a:lnSpc>
-                <a:spcPct val="100000"/>
-              </a:lnSpc>
-              <a:spcBef>
-                <a:spcPts val="1200"/>
-              </a:spcBef>
-              <a:spcAft>
-                <a:spcPts val="1200"/>
-              </a:spcAft>
-              <a:buNone/>
-            </a:pPr>
-            <a:r>
-              <a:rPr lang="it" sz="800">
-                <a:solidFill>
-                  <a:schemeClr val="dk2"/>
-                </a:solidFill>
-                <a:latin typeface="Proxima Nova"/>
-                <a:ea typeface="Proxima Nova"/>
-                <a:cs typeface="Proxima Nova"/>
-                <a:sym typeface="Proxima Nova"/>
-              </a:rPr>
-              <a:t>Source: https://www.easydeploy.io/blog/google-cloud-storage-price/</a:t>
-            </a:r>
-            <a:endParaRPr sz="800">
+              <a:t>3</a:t>
+            </a:r>
+            <a:endParaRPr>
               <a:solidFill>
                 <a:schemeClr val="dk2"/>
               </a:solidFill>
@@ -9307,12 +10024,12 @@
       </p:sp>
       <p:pic>
         <p:nvPicPr>
-          <p:cNvPr id="160" name="Google Shape;160;p27"/>
+          <p:cNvPr id="221" name="Google Shape;221;p27"/>
           <p:cNvPicPr preferRelativeResize="0"/>
           <p:nvPr/>
         </p:nvPicPr>
         <p:blipFill>
-          <a:blip r:embed="rId3">
+          <a:blip r:embed="rId9">
             <a:alphaModFix/>
           </a:blip>
           <a:stretch>
@@ -9321,74 +10038,216 @@
         </p:blipFill>
         <p:spPr>
           <a:xfrm>
-            <a:off x="4737775" y="2231200"/>
-            <a:ext cx="3405393" cy="997675"/>
+            <a:off x="5229322" y="2701850"/>
+            <a:ext cx="2883518" cy="779325"/>
           </a:xfrm>
           <a:prstGeom prst="rect">
             <a:avLst/>
           </a:prstGeom>
           <a:noFill/>
-          <a:ln>
-            <a:noFill/>
+          <a:ln cap="flat" cmpd="sng" w="19050">
+            <a:solidFill>
+              <a:schemeClr val="dk2"/>
+            </a:solidFill>
+            <a:prstDash val="solid"/>
+            <a:round/>
+            <a:headEnd len="sm" w="sm" type="none"/>
+            <a:tailEnd len="sm" w="sm" type="none"/>
           </a:ln>
         </p:spPr>
       </p:pic>
-      <p:pic>
-        <p:nvPicPr>
-          <p:cNvPr id="161" name="Google Shape;161;p27"/>
-          <p:cNvPicPr preferRelativeResize="0"/>
+      <p:cxnSp>
+        <p:nvCxnSpPr>
+          <p:cNvPr id="222" name="Google Shape;222;p27"/>
+          <p:cNvCxnSpPr>
+            <a:endCxn id="221" idx="1"/>
+          </p:cNvCxnSpPr>
           <p:nvPr/>
-        </p:nvPicPr>
-        <p:blipFill>
-          <a:blip r:embed="rId4">
-            <a:alphaModFix/>
-          </a:blip>
-          <a:stretch>
-            <a:fillRect/>
-          </a:stretch>
-        </p:blipFill>
-        <p:spPr>
-          <a:xfrm>
-            <a:off x="4737775" y="3679950"/>
-            <a:ext cx="3674875" cy="997675"/>
+        </p:nvCxnSpPr>
+        <p:spPr>
+          <a:xfrm flipH="1" rot="10800000">
+            <a:off x="3926422" y="3091512"/>
+            <a:ext cx="1302900" cy="693300"/>
+          </a:xfrm>
+          <a:prstGeom prst="curvedConnector3">
+            <a:avLst>
+              <a:gd fmla="val 50000" name="adj1"/>
+            </a:avLst>
+          </a:prstGeom>
+          <a:noFill/>
+          <a:ln cap="flat" cmpd="sng" w="9525">
+            <a:solidFill>
+              <a:schemeClr val="accent3"/>
+            </a:solidFill>
+            <a:prstDash val="solid"/>
+            <a:round/>
+            <a:headEnd len="med" w="med" type="none"/>
+            <a:tailEnd len="med" w="med" type="triangle"/>
+          </a:ln>
+        </p:spPr>
+      </p:cxnSp>
+      <p:cxnSp>
+        <p:nvCxnSpPr>
+          <p:cNvPr id="223" name="Google Shape;223;p27"/>
+          <p:cNvCxnSpPr>
+            <a:stCxn id="221" idx="1"/>
+            <a:endCxn id="205" idx="1"/>
+          </p:cNvCxnSpPr>
+          <p:nvPr/>
+        </p:nvCxnSpPr>
+        <p:spPr>
+          <a:xfrm flipH="1" rot="10800000">
+            <a:off x="5229322" y="1593312"/>
+            <a:ext cx="600" cy="1498200"/>
+          </a:xfrm>
+          <a:prstGeom prst="curvedConnector3">
+            <a:avLst>
+              <a:gd fmla="val -39689017" name="adj1"/>
+            </a:avLst>
+          </a:prstGeom>
+          <a:noFill/>
+          <a:ln cap="flat" cmpd="sng" w="9525">
+            <a:solidFill>
+              <a:schemeClr val="dk2"/>
+            </a:solidFill>
+            <a:prstDash val="solid"/>
+            <a:round/>
+            <a:headEnd len="med" w="med" type="none"/>
+            <a:tailEnd len="med" w="med" type="triangle"/>
+          </a:ln>
+        </p:spPr>
+      </p:cxnSp>
+      <p:sp>
+        <p:nvSpPr>
+          <p:cNvPr id="224" name="Google Shape;224;p27"/>
+          <p:cNvSpPr/>
+          <p:nvPr/>
+        </p:nvSpPr>
+        <p:spPr>
+          <a:xfrm>
+            <a:off x="6028474" y="3316475"/>
+            <a:ext cx="197400" cy="169800"/>
           </a:xfrm>
           <a:prstGeom prst="rect">
             <a:avLst/>
           </a:prstGeom>
           <a:noFill/>
-          <a:ln>
-            <a:noFill/>
+          <a:ln cap="flat" cmpd="sng" w="19050">
+            <a:solidFill>
+              <a:schemeClr val="dk1"/>
+            </a:solidFill>
+            <a:prstDash val="solid"/>
+            <a:round/>
+            <a:headEnd len="sm" w="sm" type="none"/>
+            <a:tailEnd len="sm" w="sm" type="none"/>
           </a:ln>
         </p:spPr>
-      </p:pic>
-      <p:pic>
-        <p:nvPicPr>
-          <p:cNvPr id="162" name="Google Shape;162;p27"/>
-          <p:cNvPicPr preferRelativeResize="0"/>
+        <p:txBody>
+          <a:bodyPr anchorCtr="0" anchor="ctr" bIns="91425" lIns="91425" spcFirstLastPara="1" rIns="91425" wrap="square" tIns="91425">
+            <a:noAutofit/>
+          </a:bodyPr>
+          <a:lstStyle/>
+          <a:p>
+            <a:pPr indent="0" lvl="0" marL="0" rtl="0" algn="l">
+              <a:spcBef>
+                <a:spcPts val="0"/>
+              </a:spcBef>
+              <a:spcAft>
+                <a:spcPts val="0"/>
+              </a:spcAft>
+              <a:buNone/>
+            </a:pPr>
+            <a:r>
+              <a:t/>
+            </a:r>
+            <a:endParaRPr/>
+          </a:p>
+        </p:txBody>
+      </p:sp>
+      <p:sp>
+        <p:nvSpPr>
+          <p:cNvPr id="225" name="Google Shape;225;p27"/>
+          <p:cNvSpPr/>
           <p:nvPr/>
-        </p:nvPicPr>
-        <p:blipFill>
-          <a:blip r:embed="rId5">
-            <a:alphaModFix/>
-          </a:blip>
-          <a:stretch>
-            <a:fillRect/>
-          </a:stretch>
-        </p:blipFill>
-        <p:spPr>
-          <a:xfrm>
-            <a:off x="4740925" y="728725"/>
-            <a:ext cx="1802874" cy="1150175"/>
-          </a:xfrm>
-          <a:prstGeom prst="rect">
+        </p:nvSpPr>
+        <p:spPr>
+          <a:xfrm>
+            <a:off x="1736875" y="214900"/>
+            <a:ext cx="1122875" cy="310500"/>
+          </a:xfrm>
+          <a:prstGeom prst="flowChartProcess">
             <a:avLst/>
           </a:prstGeom>
           <a:noFill/>
-          <a:ln>
-            <a:noFill/>
+          <a:ln cap="flat" cmpd="sng" w="9525">
+            <a:solidFill>
+              <a:schemeClr val="dk2"/>
+            </a:solidFill>
+            <a:prstDash val="solid"/>
+            <a:round/>
+            <a:headEnd len="sm" w="sm" type="none"/>
+            <a:tailEnd len="sm" w="sm" type="none"/>
           </a:ln>
         </p:spPr>
-      </p:pic>
+        <p:txBody>
+          <a:bodyPr anchorCtr="0" anchor="ctr" bIns="91425" lIns="91425" spcFirstLastPara="1" rIns="91425" wrap="square" tIns="91425">
+            <a:noAutofit/>
+          </a:bodyPr>
+          <a:lstStyle/>
+          <a:p>
+            <a:pPr indent="0" lvl="0" marL="0" rtl="0" algn="ctr">
+              <a:spcBef>
+                <a:spcPts val="0"/>
+              </a:spcBef>
+              <a:spcAft>
+                <a:spcPts val="0"/>
+              </a:spcAft>
+              <a:buNone/>
+            </a:pPr>
+            <a:r>
+              <a:rPr lang="it" sz="900">
+                <a:latin typeface="Courier New"/>
+                <a:ea typeface="Courier New"/>
+                <a:cs typeface="Courier New"/>
+                <a:sym typeface="Courier New"/>
+              </a:rPr>
+              <a:t>recent_tracks</a:t>
+            </a:r>
+            <a:endParaRPr sz="900">
+              <a:latin typeface="Courier New"/>
+              <a:ea typeface="Courier New"/>
+              <a:cs typeface="Courier New"/>
+              <a:sym typeface="Courier New"/>
+            </a:endParaRPr>
+          </a:p>
+        </p:txBody>
+      </p:sp>
+      <p:cxnSp>
+        <p:nvCxnSpPr>
+          <p:cNvPr id="226" name="Google Shape;226;p27"/>
+          <p:cNvCxnSpPr/>
+          <p:nvPr/>
+        </p:nvCxnSpPr>
+        <p:spPr>
+          <a:xfrm flipH="1">
+            <a:off x="2296969" y="525390"/>
+            <a:ext cx="2700" cy="159600"/>
+          </a:xfrm>
+          <a:prstGeom prst="straightConnector1">
+            <a:avLst/>
+          </a:prstGeom>
+          <a:noFill/>
+          <a:ln cap="flat" cmpd="sng" w="9525">
+            <a:solidFill>
+              <a:schemeClr val="dk2"/>
+            </a:solidFill>
+            <a:prstDash val="solid"/>
+            <a:round/>
+            <a:headEnd len="med" w="med" type="none"/>
+            <a:tailEnd len="med" w="med" type="triangle"/>
+          </a:ln>
+        </p:spPr>
+      </p:cxnSp>
     </p:spTree>
   </p:cSld>
   <p:clrMapOvr>
@@ -9402,7 +10261,7 @@
   <p:cSld>
     <p:spTree>
       <p:nvGrpSpPr>
-        <p:cNvPr id="166" name="Shape 166"/>
+        <p:cNvPr id="230" name="Shape 230"/>
         <p:cNvGrpSpPr/>
         <p:nvPr/>
       </p:nvGrpSpPr>
@@ -9414,30 +10273,72 @@
           <a:chExt cx="0" cy="0"/>
         </a:xfrm>
       </p:grpSpPr>
+      <p:pic>
+        <p:nvPicPr>
+          <p:cNvPr id="231" name="Google Shape;231;p28"/>
+          <p:cNvPicPr preferRelativeResize="0"/>
+          <p:nvPr/>
+        </p:nvPicPr>
+        <p:blipFill>
+          <a:blip r:embed="rId3">
+            <a:alphaModFix amt="89000"/>
+          </a:blip>
+          <a:stretch>
+            <a:fillRect/>
+          </a:stretch>
+        </p:blipFill>
+        <p:spPr>
+          <a:xfrm>
+            <a:off x="519550" y="0"/>
+            <a:ext cx="3429001" cy="5143501"/>
+          </a:xfrm>
+          <a:prstGeom prst="rect">
+            <a:avLst/>
+          </a:prstGeom>
+          <a:noFill/>
+          <a:ln>
+            <a:noFill/>
+          </a:ln>
+        </p:spPr>
+      </p:pic>
       <p:sp>
         <p:nvSpPr>
-          <p:cNvPr id="167" name="Google Shape;167;p28"/>
-          <p:cNvSpPr txBox="1"/>
-          <p:nvPr>
-            <p:ph type="title"/>
-          </p:nvPr>
+          <p:cNvPr id="232" name="Google Shape;232;p28"/>
+          <p:cNvSpPr/>
+          <p:nvPr/>
         </p:nvSpPr>
         <p:spPr>
           <a:xfrm>
-            <a:off x="311700" y="4272575"/>
-            <a:ext cx="8520600" cy="572700"/>
-          </a:xfrm>
-          <a:prstGeom prst="rect">
-            <a:avLst/>
-          </a:prstGeom>
+            <a:off x="4572000" y="721650"/>
+            <a:ext cx="4174200" cy="3686100"/>
+          </a:xfrm>
+          <a:prstGeom prst="wedgeRoundRectCallout">
+            <a:avLst>
+              <a:gd fmla="val -75292" name="adj1"/>
+              <a:gd fmla="val -26200" name="adj2"/>
+              <a:gd fmla="val 0" name="adj3"/>
+            </a:avLst>
+          </a:prstGeom>
+          <a:solidFill>
+            <a:schemeClr val="lt1"/>
+          </a:solidFill>
+          <a:ln cap="flat" cmpd="sng" w="9525">
+            <a:solidFill>
+              <a:schemeClr val="accent4"/>
+            </a:solidFill>
+            <a:prstDash val="solid"/>
+            <a:round/>
+            <a:headEnd len="sm" w="sm" type="none"/>
+            <a:tailEnd len="sm" w="sm" type="none"/>
+          </a:ln>
         </p:spPr>
         <p:txBody>
-          <a:bodyPr anchorCtr="0" anchor="t" bIns="91425" lIns="91425" spcFirstLastPara="1" rIns="91425" wrap="square" tIns="91425">
-            <a:normAutofit fontScale="90000"/>
+          <a:bodyPr anchorCtr="0" anchor="ctr" bIns="91425" lIns="91425" spcFirstLastPara="1" rIns="91425" wrap="square" tIns="91425">
+            <a:noAutofit/>
           </a:bodyPr>
           <a:lstStyle/>
           <a:p>
-            <a:pPr indent="0" lvl="0" marL="0" rtl="0" algn="r">
+            <a:pPr indent="0" lvl="0" marL="0" rtl="0" algn="ctr">
               <a:spcBef>
                 <a:spcPts val="0"/>
               </a:spcBef>
@@ -9447,416 +10348,83 @@
               <a:buNone/>
             </a:pPr>
             <a:r>
-              <a:rPr lang="it"/>
-              <a:t>Total </a:t>
-            </a:r>
-            <a:r>
-              <a:rPr lang="it">
-                <a:solidFill>
-                  <a:schemeClr val="lt2"/>
-                </a:solidFill>
+              <a:rPr lang="it" sz="2825">
+                <a:solidFill>
+                  <a:schemeClr val="accent3"/>
+                </a:solidFill>
+                <a:latin typeface="Proxima Nova Extrabold"/>
+                <a:ea typeface="Proxima Nova Extrabold"/>
+                <a:cs typeface="Proxima Nova Extrabold"/>
+                <a:sym typeface="Proxima Nova Extrabold"/>
               </a:rPr>
-              <a:t>for Simple Pricing Example:</a:t>
-            </a:r>
-            <a:r>
-              <a:rPr lang="it"/>
-              <a:t> $2.61</a:t>
-            </a:r>
-            <a:endParaRPr/>
-          </a:p>
-        </p:txBody>
-      </p:sp>
-      <p:sp>
-        <p:nvSpPr>
-          <p:cNvPr id="168" name="Google Shape;168;p28"/>
-          <p:cNvSpPr txBox="1"/>
-          <p:nvPr>
-            <p:ph idx="1" type="body"/>
-          </p:nvPr>
-        </p:nvSpPr>
-        <p:spPr>
-          <a:xfrm>
-            <a:off x="311700" y="1152475"/>
-            <a:ext cx="3999900" cy="3416400"/>
-          </a:xfrm>
-          <a:prstGeom prst="rect">
-            <a:avLst/>
-          </a:prstGeom>
-        </p:spPr>
-        <p:txBody>
-          <a:bodyPr anchorCtr="0" anchor="t" bIns="91425" lIns="91425" spcFirstLastPara="1" rIns="91425" wrap="square" tIns="91425">
-            <a:normAutofit/>
-          </a:bodyPr>
-          <a:lstStyle/>
-          <a:p>
-            <a:pPr indent="0" lvl="0" marL="0" marR="0" rtl="0" algn="l">
-              <a:lnSpc>
-                <a:spcPct val="100000"/>
-              </a:lnSpc>
-              <a:spcBef>
-                <a:spcPts val="0"/>
-              </a:spcBef>
-              <a:spcAft>
-                <a:spcPts val="0"/>
-              </a:spcAft>
-              <a:buNone/>
-            </a:pPr>
-            <a:r>
-              <a:rPr b="1" lang="it" sz="1000">
-                <a:solidFill>
-                  <a:schemeClr val="dk1"/>
-                </a:solidFill>
-              </a:rPr>
-              <a:t>Storage usage pattern</a:t>
-            </a:r>
-            <a:r>
-              <a:rPr lang="it" sz="1000"/>
-              <a:t> in a given month:</a:t>
-            </a:r>
-            <a:endParaRPr sz="1000"/>
-          </a:p>
-          <a:p>
-            <a:pPr indent="-292100" lvl="0" marL="457200" marR="0" rtl="0" algn="l">
-              <a:lnSpc>
-                <a:spcPct val="100000"/>
-              </a:lnSpc>
-              <a:spcBef>
-                <a:spcPts val="1200"/>
-              </a:spcBef>
-              <a:spcAft>
-                <a:spcPts val="0"/>
-              </a:spcAft>
-              <a:buSzPts val="1000"/>
-              <a:buChar char="●"/>
-            </a:pPr>
-            <a:r>
-              <a:rPr lang="it" sz="1000"/>
-              <a:t>50 GB of standard data storage, from the first day to the end of the billing month.</a:t>
-            </a:r>
-            <a:endParaRPr sz="1000"/>
-          </a:p>
-          <a:p>
-            <a:pPr indent="-292100" lvl="0" marL="457200" marR="0" rtl="0" algn="l">
-              <a:lnSpc>
-                <a:spcPct val="100000"/>
-              </a:lnSpc>
-              <a:spcBef>
-                <a:spcPts val="0"/>
-              </a:spcBef>
-              <a:spcAft>
-                <a:spcPts val="0"/>
-              </a:spcAft>
-              <a:buSzPts val="1000"/>
-              <a:buChar char="●"/>
-            </a:pPr>
-            <a:r>
-              <a:rPr lang="it" sz="1000"/>
-              <a:t>10 GB of network egress (Americas and EMEA). (Ingress is free.)</a:t>
-            </a:r>
-            <a:endParaRPr sz="1000"/>
-          </a:p>
-          <a:p>
-            <a:pPr indent="-292100" lvl="0" marL="457200" marR="0" rtl="0" algn="l">
-              <a:lnSpc>
-                <a:spcPct val="100000"/>
-              </a:lnSpc>
-              <a:spcBef>
-                <a:spcPts val="0"/>
-              </a:spcBef>
-              <a:spcAft>
-                <a:spcPts val="0"/>
-              </a:spcAft>
-              <a:buSzPts val="1000"/>
-              <a:buChar char="●"/>
-            </a:pPr>
-            <a:r>
-              <a:rPr lang="it" sz="1000"/>
-              <a:t>10,000 total PUT/POST, GET bucket (list), GET service requests, Class A operations.</a:t>
-            </a:r>
-            <a:endParaRPr sz="1000"/>
-          </a:p>
-          <a:p>
-            <a:pPr indent="-292100" lvl="0" marL="457200" marR="0" rtl="0" algn="l">
-              <a:lnSpc>
-                <a:spcPct val="100000"/>
-              </a:lnSpc>
-              <a:spcBef>
-                <a:spcPts val="0"/>
-              </a:spcBef>
-              <a:spcAft>
-                <a:spcPts val="0"/>
-              </a:spcAft>
-              <a:buSzPts val="1000"/>
-              <a:buChar char="●"/>
-            </a:pPr>
-            <a:r>
-              <a:rPr lang="it" sz="1000"/>
-              <a:t>10,000 total GET object and HEAD requests, Class B operations.</a:t>
-            </a:r>
-            <a:endParaRPr sz="1050">
+              <a:t>These features will make me rich!</a:t>
+            </a:r>
+            <a:endParaRPr sz="2825">
               <a:solidFill>
-                <a:srgbClr val="565656"/>
+                <a:schemeClr val="accent3"/>
               </a:solidFill>
-              <a:highlight>
-                <a:srgbClr val="FFFFFF"/>
-              </a:highlight>
-              <a:latin typeface="Arial"/>
-              <a:ea typeface="Arial"/>
-              <a:cs typeface="Arial"/>
-              <a:sym typeface="Arial"/>
+              <a:latin typeface="Proxima Nova Extrabold"/>
+              <a:ea typeface="Proxima Nova Extrabold"/>
+              <a:cs typeface="Proxima Nova Extrabold"/>
+              <a:sym typeface="Proxima Nova Extrabold"/>
             </a:endParaRPr>
           </a:p>
           <a:p>
             <a:pPr indent="0" lvl="0" marL="0" rtl="0" algn="l">
               <a:spcBef>
-                <a:spcPts val="1200"/>
-              </a:spcBef>
-              <a:spcAft>
-                <a:spcPts val="1200"/>
-              </a:spcAft>
+                <a:spcPts val="0"/>
+              </a:spcBef>
+              <a:spcAft>
+                <a:spcPts val="0"/>
+              </a:spcAft>
+              <a:buClr>
+                <a:srgbClr val="000000"/>
+              </a:buClr>
+              <a:buSzPts val="852"/>
+              <a:buFont typeface="Arial"/>
               <a:buNone/>
             </a:pPr>
             <a:r>
               <a:t/>
             </a:r>
-            <a:endParaRPr/>
-          </a:p>
-        </p:txBody>
-      </p:sp>
-      <p:sp>
-        <p:nvSpPr>
-          <p:cNvPr id="169" name="Google Shape;169;p28"/>
-          <p:cNvSpPr txBox="1"/>
-          <p:nvPr>
-            <p:ph idx="2" type="body"/>
-          </p:nvPr>
-        </p:nvSpPr>
-        <p:spPr>
-          <a:xfrm>
-            <a:off x="4867575" y="1152475"/>
-            <a:ext cx="3964800" cy="3416400"/>
-          </a:xfrm>
-          <a:prstGeom prst="rect">
-            <a:avLst/>
-          </a:prstGeom>
-        </p:spPr>
-        <p:txBody>
-          <a:bodyPr anchorCtr="0" anchor="t" bIns="91425" lIns="91425" spcFirstLastPara="1" rIns="91425" wrap="square" tIns="91425">
-            <a:normAutofit/>
-          </a:bodyPr>
-          <a:lstStyle/>
-          <a:p>
-            <a:pPr indent="0" lvl="0" marL="0" marR="0" rtl="0" algn="l">
-              <a:lnSpc>
-                <a:spcPct val="100000"/>
-              </a:lnSpc>
-              <a:spcBef>
-                <a:spcPts val="0"/>
-              </a:spcBef>
-              <a:spcAft>
-                <a:spcPts val="0"/>
-              </a:spcAft>
-              <a:buNone/>
-            </a:pPr>
-            <a:r>
-              <a:rPr b="1" lang="it" sz="1000">
-                <a:solidFill>
-                  <a:schemeClr val="dk1"/>
-                </a:solidFill>
-              </a:rPr>
-              <a:t>Bill for the month</a:t>
-            </a:r>
-            <a:r>
-              <a:rPr lang="it" sz="1000"/>
-              <a:t>:</a:t>
-            </a:r>
-            <a:endParaRPr sz="1000"/>
-          </a:p>
-          <a:p>
-            <a:pPr indent="-292100" lvl="0" marL="457200" marR="0" rtl="0" algn="l">
-              <a:lnSpc>
-                <a:spcPct val="100000"/>
-              </a:lnSpc>
-              <a:spcBef>
-                <a:spcPts val="1200"/>
-              </a:spcBef>
-              <a:spcAft>
-                <a:spcPts val="0"/>
-              </a:spcAft>
-              <a:buSzPts val="1000"/>
-              <a:buChar char="●"/>
-            </a:pPr>
-            <a:r>
-              <a:rPr lang="it" sz="1000"/>
-              <a:t>50 GB standard storage at $0.026/per GB: </a:t>
-            </a:r>
-            <a:endParaRPr sz="1000"/>
-          </a:p>
-          <a:p>
-            <a:pPr indent="-292100" lvl="1" marL="914400" marR="0" rtl="0" algn="l">
-              <a:lnSpc>
-                <a:spcPct val="100000"/>
-              </a:lnSpc>
-              <a:spcBef>
-                <a:spcPts val="0"/>
-              </a:spcBef>
-              <a:spcAft>
-                <a:spcPts val="0"/>
-              </a:spcAft>
-              <a:buSzPts val="1000"/>
-              <a:buChar char="○"/>
-            </a:pPr>
-            <a:r>
-              <a:rPr lang="it" sz="1000"/>
-              <a:t>$1.30</a:t>
-            </a:r>
-            <a:endParaRPr sz="1000"/>
-          </a:p>
-          <a:p>
-            <a:pPr indent="-292100" lvl="0" marL="457200" marR="0" rtl="0" algn="l">
-              <a:lnSpc>
-                <a:spcPct val="100000"/>
-              </a:lnSpc>
-              <a:spcBef>
-                <a:spcPts val="0"/>
-              </a:spcBef>
-              <a:spcAft>
-                <a:spcPts val="0"/>
-              </a:spcAft>
-              <a:buSzPts val="1000"/>
-              <a:buChar char="●"/>
-            </a:pPr>
-            <a:r>
-              <a:rPr lang="it" sz="1000"/>
-              <a:t>10 GB of network egress at $0.12/per GB: </a:t>
-            </a:r>
-            <a:endParaRPr sz="1000"/>
-          </a:p>
-          <a:p>
-            <a:pPr indent="-292100" lvl="1" marL="914400" marR="0" rtl="0" algn="l">
-              <a:lnSpc>
-                <a:spcPct val="100000"/>
-              </a:lnSpc>
-              <a:spcBef>
-                <a:spcPts val="0"/>
-              </a:spcBef>
-              <a:spcAft>
-                <a:spcPts val="0"/>
-              </a:spcAft>
-              <a:buSzPts val="1000"/>
-              <a:buChar char="○"/>
-            </a:pPr>
-            <a:r>
-              <a:rPr lang="it" sz="1000"/>
-              <a:t>$1.20</a:t>
-            </a:r>
-            <a:endParaRPr sz="1000"/>
-          </a:p>
-          <a:p>
-            <a:pPr indent="-292100" lvl="0" marL="457200" marR="0" rtl="0" algn="l">
-              <a:lnSpc>
-                <a:spcPct val="100000"/>
-              </a:lnSpc>
-              <a:spcBef>
-                <a:spcPts val="0"/>
-              </a:spcBef>
-              <a:spcAft>
-                <a:spcPts val="0"/>
-              </a:spcAft>
-              <a:buSzPts val="1000"/>
-              <a:buChar char="●"/>
-            </a:pPr>
-            <a:r>
-              <a:rPr lang="it" sz="1000"/>
-              <a:t>10,000 Class A operations at $0.01/per 1,000 operations:</a:t>
-            </a:r>
-            <a:endParaRPr sz="1000"/>
-          </a:p>
-          <a:p>
-            <a:pPr indent="-292100" lvl="1" marL="914400" marR="0" rtl="0" algn="l">
-              <a:lnSpc>
-                <a:spcPct val="100000"/>
-              </a:lnSpc>
-              <a:spcBef>
-                <a:spcPts val="0"/>
-              </a:spcBef>
-              <a:spcAft>
-                <a:spcPts val="0"/>
-              </a:spcAft>
-              <a:buSzPts val="1000"/>
-              <a:buChar char="○"/>
-            </a:pPr>
-            <a:r>
-              <a:rPr lang="it" sz="1000"/>
-              <a:t>$0.10</a:t>
-            </a:r>
-            <a:endParaRPr sz="1000"/>
-          </a:p>
-          <a:p>
-            <a:pPr indent="-292100" lvl="0" marL="457200" marR="0" rtl="0" algn="l">
-              <a:lnSpc>
-                <a:spcPct val="100000"/>
-              </a:lnSpc>
-              <a:spcBef>
-                <a:spcPts val="0"/>
-              </a:spcBef>
-              <a:spcAft>
-                <a:spcPts val="0"/>
-              </a:spcAft>
-              <a:buSzPts val="1000"/>
-              <a:buChar char="●"/>
-            </a:pPr>
-            <a:r>
-              <a:rPr lang="it" sz="1000"/>
-              <a:t>10,000 Class B operations at $0.01/per 10,000 operations: </a:t>
-            </a:r>
-            <a:endParaRPr sz="1000"/>
-          </a:p>
-          <a:p>
-            <a:pPr indent="-292100" lvl="1" marL="914400" marR="0" rtl="0" algn="l">
-              <a:lnSpc>
-                <a:spcPct val="100000"/>
-              </a:lnSpc>
-              <a:spcBef>
-                <a:spcPts val="0"/>
-              </a:spcBef>
-              <a:spcAft>
-                <a:spcPts val="0"/>
-              </a:spcAft>
-              <a:buSzPts val="1000"/>
-              <a:buChar char="○"/>
-            </a:pPr>
-            <a:r>
-              <a:rPr lang="it" sz="1000"/>
-              <a:t>$0.01</a:t>
-            </a:r>
-            <a:endParaRPr sz="1050">
+            <a:endParaRPr sz="2825">
               <a:solidFill>
-                <a:srgbClr val="565656"/>
+                <a:schemeClr val="accent3"/>
               </a:solidFill>
-              <a:highlight>
-                <a:srgbClr val="FFFFFF"/>
-              </a:highlight>
-              <a:latin typeface="Arial"/>
-              <a:ea typeface="Arial"/>
-              <a:cs typeface="Arial"/>
-              <a:sym typeface="Arial"/>
+              <a:latin typeface="Proxima Nova Extrabold"/>
+              <a:ea typeface="Proxima Nova Extrabold"/>
+              <a:cs typeface="Proxima Nova Extrabold"/>
+              <a:sym typeface="Proxima Nova Extrabold"/>
             </a:endParaRPr>
           </a:p>
           <a:p>
-            <a:pPr indent="0" lvl="0" marL="0" rtl="0" algn="l">
-              <a:spcBef>
+            <a:pPr indent="0" lvl="0" marL="0" rtl="0" algn="ctr">
+              <a:spcBef>
+                <a:spcPts val="0"/>
+              </a:spcBef>
+              <a:spcAft>
                 <a:spcPts val="1200"/>
-              </a:spcBef>
-              <a:spcAft>
-                <a:spcPts val="1200"/>
-              </a:spcAft>
+              </a:spcAft>
+              <a:buClr>
+                <a:srgbClr val="000000"/>
+              </a:buClr>
+              <a:buSzPts val="852"/>
+              <a:buFont typeface="Arial"/>
               <a:buNone/>
             </a:pPr>
             <a:r>
-              <a:t/>
-            </a:r>
-            <a:endParaRPr/>
+              <a:rPr lang="it" sz="2825">
+                <a:solidFill>
+                  <a:schemeClr val="accent3"/>
+                </a:solidFill>
+                <a:latin typeface="Proxima Nova"/>
+                <a:ea typeface="Proxima Nova"/>
+                <a:cs typeface="Proxima Nova"/>
+                <a:sym typeface="Proxima Nova"/>
+              </a:rPr>
+              <a:t>Take all the company money to make it happen!</a:t>
+            </a:r>
+            <a:endParaRPr sz="1800"/>
           </a:p>
         </p:txBody>
       </p:sp>
@@ -9873,7 +10441,1051 @@
   <p:cSld>
     <p:spTree>
       <p:nvGrpSpPr>
-        <p:cNvPr id="173" name="Shape 173"/>
+        <p:cNvPr id="236" name="Shape 236"/>
+        <p:cNvGrpSpPr/>
+        <p:nvPr/>
+      </p:nvGrpSpPr>
+      <p:grpSpPr>
+        <a:xfrm>
+          <a:off x="0" y="0"/>
+          <a:ext cx="0" cy="0"/>
+          <a:chOff x="0" y="0"/>
+          <a:chExt cx="0" cy="0"/>
+        </a:xfrm>
+      </p:grpSpPr>
+      <p:sp>
+        <p:nvSpPr>
+          <p:cNvPr id="237" name="Google Shape;237;p29"/>
+          <p:cNvSpPr txBox="1"/>
+          <p:nvPr>
+            <p:ph type="title"/>
+          </p:nvPr>
+        </p:nvSpPr>
+        <p:spPr>
+          <a:xfrm>
+            <a:off x="311700" y="216425"/>
+            <a:ext cx="8520600" cy="572700"/>
+          </a:xfrm>
+          <a:prstGeom prst="rect">
+            <a:avLst/>
+          </a:prstGeom>
+        </p:spPr>
+        <p:txBody>
+          <a:bodyPr anchorCtr="0" anchor="t" bIns="91425" lIns="91425" spcFirstLastPara="1" rIns="91425" wrap="square" tIns="91425">
+            <a:normAutofit fontScale="90000"/>
+          </a:bodyPr>
+          <a:lstStyle/>
+          <a:p>
+            <a:pPr indent="0" lvl="0" marL="0" rtl="0" algn="l">
+              <a:spcBef>
+                <a:spcPts val="0"/>
+              </a:spcBef>
+              <a:spcAft>
+                <a:spcPts val="0"/>
+              </a:spcAft>
+              <a:buNone/>
+            </a:pPr>
+            <a:r>
+              <a:rPr lang="it"/>
+              <a:t>Price to pay!</a:t>
+            </a:r>
+            <a:endParaRPr/>
+          </a:p>
+        </p:txBody>
+      </p:sp>
+      <p:sp>
+        <p:nvSpPr>
+          <p:cNvPr id="238" name="Google Shape;238;p29"/>
+          <p:cNvSpPr txBox="1"/>
+          <p:nvPr/>
+        </p:nvSpPr>
+        <p:spPr>
+          <a:xfrm>
+            <a:off x="243800" y="779300"/>
+            <a:ext cx="4175700" cy="4374000"/>
+          </a:xfrm>
+          <a:prstGeom prst="rect">
+            <a:avLst/>
+          </a:prstGeom>
+          <a:noFill/>
+          <a:ln>
+            <a:noFill/>
+          </a:ln>
+        </p:spPr>
+        <p:txBody>
+          <a:bodyPr anchorCtr="0" anchor="ctr" bIns="91425" lIns="91425" spcFirstLastPara="1" rIns="91425" wrap="square" tIns="91425">
+            <a:spAutoFit/>
+          </a:bodyPr>
+          <a:lstStyle/>
+          <a:p>
+            <a:pPr indent="0" lvl="0" marL="0" marR="0" rtl="0" algn="l">
+              <a:lnSpc>
+                <a:spcPct val="100000"/>
+              </a:lnSpc>
+              <a:spcBef>
+                <a:spcPts val="0"/>
+              </a:spcBef>
+              <a:spcAft>
+                <a:spcPts val="0"/>
+              </a:spcAft>
+              <a:buNone/>
+            </a:pPr>
+            <a:r>
+              <a:rPr b="1" lang="it" sz="1000">
+                <a:solidFill>
+                  <a:schemeClr val="dk1"/>
+                </a:solidFill>
+                <a:latin typeface="Proxima Nova"/>
+                <a:ea typeface="Proxima Nova"/>
+                <a:cs typeface="Proxima Nova"/>
+                <a:sym typeface="Proxima Nova"/>
+              </a:rPr>
+              <a:t>Standard Storage</a:t>
+            </a:r>
+            <a:endParaRPr b="1" sz="1000">
+              <a:solidFill>
+                <a:schemeClr val="dk1"/>
+              </a:solidFill>
+              <a:latin typeface="Proxima Nova"/>
+              <a:ea typeface="Proxima Nova"/>
+              <a:cs typeface="Proxima Nova"/>
+              <a:sym typeface="Proxima Nova"/>
+            </a:endParaRPr>
+          </a:p>
+          <a:p>
+            <a:pPr indent="-292100" lvl="0" marL="457200" marR="0" rtl="0" algn="l">
+              <a:lnSpc>
+                <a:spcPct val="100000"/>
+              </a:lnSpc>
+              <a:spcBef>
+                <a:spcPts val="1200"/>
+              </a:spcBef>
+              <a:spcAft>
+                <a:spcPts val="0"/>
+              </a:spcAft>
+              <a:buClr>
+                <a:schemeClr val="dk2"/>
+              </a:buClr>
+              <a:buSzPts val="1000"/>
+              <a:buFont typeface="Proxima Nova"/>
+              <a:buChar char="●"/>
+            </a:pPr>
+            <a:r>
+              <a:rPr lang="it" sz="1000">
+                <a:solidFill>
+                  <a:schemeClr val="dk2"/>
+                </a:solidFill>
+                <a:latin typeface="Proxima Nova"/>
+                <a:ea typeface="Proxima Nova"/>
+                <a:cs typeface="Proxima Nova"/>
+                <a:sym typeface="Proxima Nova"/>
+              </a:rPr>
+              <a:t>Standard Storage is best for data that is frequently accessed and/or stored for only brief periods of time.</a:t>
+            </a:r>
+            <a:endParaRPr sz="1000">
+              <a:solidFill>
+                <a:schemeClr val="dk2"/>
+              </a:solidFill>
+              <a:latin typeface="Proxima Nova"/>
+              <a:ea typeface="Proxima Nova"/>
+              <a:cs typeface="Proxima Nova"/>
+              <a:sym typeface="Proxima Nova"/>
+            </a:endParaRPr>
+          </a:p>
+          <a:p>
+            <a:pPr indent="-292100" lvl="0" marL="457200" marR="0" rtl="0" algn="l">
+              <a:lnSpc>
+                <a:spcPct val="100000"/>
+              </a:lnSpc>
+              <a:spcBef>
+                <a:spcPts val="0"/>
+              </a:spcBef>
+              <a:spcAft>
+                <a:spcPts val="0"/>
+              </a:spcAft>
+              <a:buClr>
+                <a:schemeClr val="dk2"/>
+              </a:buClr>
+              <a:buSzPts val="1000"/>
+              <a:buFont typeface="Proxima Nova"/>
+              <a:buChar char="●"/>
+            </a:pPr>
+            <a:r>
+              <a:rPr lang="it" sz="1000">
+                <a:solidFill>
+                  <a:schemeClr val="dk2"/>
+                </a:solidFill>
+                <a:latin typeface="Proxima Nova"/>
+                <a:ea typeface="Proxima Nova"/>
+                <a:cs typeface="Proxima Nova"/>
+                <a:sym typeface="Proxima Nova"/>
+              </a:rPr>
+              <a:t>Standard Storage is priced at $0.020 per GB per Month.</a:t>
+            </a:r>
+            <a:endParaRPr sz="1000">
+              <a:solidFill>
+                <a:schemeClr val="dk2"/>
+              </a:solidFill>
+              <a:latin typeface="Proxima Nova"/>
+              <a:ea typeface="Proxima Nova"/>
+              <a:cs typeface="Proxima Nova"/>
+              <a:sym typeface="Proxima Nova"/>
+            </a:endParaRPr>
+          </a:p>
+          <a:p>
+            <a:pPr indent="0" lvl="0" marL="0" rtl="0" algn="l">
+              <a:lnSpc>
+                <a:spcPct val="100000"/>
+              </a:lnSpc>
+              <a:spcBef>
+                <a:spcPts val="1200"/>
+              </a:spcBef>
+              <a:spcAft>
+                <a:spcPts val="0"/>
+              </a:spcAft>
+              <a:buNone/>
+            </a:pPr>
+            <a:r>
+              <a:rPr b="1" lang="it" sz="1000">
+                <a:solidFill>
+                  <a:schemeClr val="dk1"/>
+                </a:solidFill>
+                <a:latin typeface="Proxima Nova"/>
+                <a:ea typeface="Proxima Nova"/>
+                <a:cs typeface="Proxima Nova"/>
+                <a:sym typeface="Proxima Nova"/>
+              </a:rPr>
+              <a:t>Operations</a:t>
+            </a:r>
+            <a:endParaRPr b="1" sz="250">
+              <a:highlight>
+                <a:srgbClr val="FFFFFF"/>
+              </a:highlight>
+            </a:endParaRPr>
+          </a:p>
+          <a:p>
+            <a:pPr indent="-292100" lvl="0" marL="457200" marR="0" rtl="0" algn="l">
+              <a:lnSpc>
+                <a:spcPct val="100000"/>
+              </a:lnSpc>
+              <a:spcBef>
+                <a:spcPts val="1500"/>
+              </a:spcBef>
+              <a:spcAft>
+                <a:spcPts val="0"/>
+              </a:spcAft>
+              <a:buClr>
+                <a:schemeClr val="dk2"/>
+              </a:buClr>
+              <a:buSzPts val="1000"/>
+              <a:buFont typeface="Proxima Nova"/>
+              <a:buChar char="●"/>
+            </a:pPr>
+            <a:r>
+              <a:rPr lang="it" sz="1000">
+                <a:solidFill>
+                  <a:schemeClr val="dk2"/>
+                </a:solidFill>
+                <a:latin typeface="Proxima Nova"/>
+                <a:ea typeface="Proxima Nova"/>
+                <a:cs typeface="Proxima Nova"/>
+                <a:sym typeface="Proxima Nova"/>
+              </a:rPr>
+              <a:t>Operation charges apply when you perform operations within Cloud Storage. An operation is an action that makes changes to or retrieves information about resources such as buckets and objects in Cloud Storage.</a:t>
+            </a:r>
+            <a:endParaRPr sz="1000">
+              <a:solidFill>
+                <a:schemeClr val="dk2"/>
+              </a:solidFill>
+              <a:latin typeface="Proxima Nova"/>
+              <a:ea typeface="Proxima Nova"/>
+              <a:cs typeface="Proxima Nova"/>
+              <a:sym typeface="Proxima Nova"/>
+            </a:endParaRPr>
+          </a:p>
+          <a:p>
+            <a:pPr indent="-292100" lvl="0" marL="457200" marR="0" rtl="0" algn="l">
+              <a:lnSpc>
+                <a:spcPct val="100000"/>
+              </a:lnSpc>
+              <a:spcBef>
+                <a:spcPts val="0"/>
+              </a:spcBef>
+              <a:spcAft>
+                <a:spcPts val="0"/>
+              </a:spcAft>
+              <a:buClr>
+                <a:schemeClr val="dk2"/>
+              </a:buClr>
+              <a:buSzPts val="1000"/>
+              <a:buFont typeface="Proxima Nova"/>
+              <a:buChar char="●"/>
+            </a:pPr>
+            <a:r>
+              <a:rPr lang="it" sz="1000">
+                <a:solidFill>
+                  <a:schemeClr val="dk2"/>
+                </a:solidFill>
+                <a:latin typeface="Proxima Nova"/>
+                <a:ea typeface="Proxima Nova"/>
+                <a:cs typeface="Proxima Nova"/>
+                <a:sym typeface="Proxima Nova"/>
+              </a:rPr>
+              <a:t>Operations are divided into three categories: Class A, Class B, and free. Billing rates are per 10,000 operations.</a:t>
+            </a:r>
+            <a:endParaRPr sz="1000">
+              <a:solidFill>
+                <a:schemeClr val="dk2"/>
+              </a:solidFill>
+              <a:latin typeface="Proxima Nova"/>
+              <a:ea typeface="Proxima Nova"/>
+              <a:cs typeface="Proxima Nova"/>
+              <a:sym typeface="Proxima Nova"/>
+            </a:endParaRPr>
+          </a:p>
+          <a:p>
+            <a:pPr indent="0" lvl="0" marL="0" rtl="0" algn="l">
+              <a:lnSpc>
+                <a:spcPct val="100000"/>
+              </a:lnSpc>
+              <a:spcBef>
+                <a:spcPts val="1500"/>
+              </a:spcBef>
+              <a:spcAft>
+                <a:spcPts val="0"/>
+              </a:spcAft>
+              <a:buNone/>
+            </a:pPr>
+            <a:r>
+              <a:rPr b="1" lang="it" sz="1000">
+                <a:solidFill>
+                  <a:schemeClr val="dk1"/>
+                </a:solidFill>
+                <a:latin typeface="Proxima Nova"/>
+                <a:ea typeface="Proxima Nova"/>
+                <a:cs typeface="Proxima Nova"/>
+                <a:sym typeface="Proxima Nova"/>
+              </a:rPr>
+              <a:t>Network</a:t>
+            </a:r>
+            <a:endParaRPr b="1" sz="1650">
+              <a:highlight>
+                <a:srgbClr val="FFFFFF"/>
+              </a:highlight>
+            </a:endParaRPr>
+          </a:p>
+          <a:p>
+            <a:pPr indent="-292100" lvl="0" marL="457200" marR="0" rtl="0" algn="l">
+              <a:lnSpc>
+                <a:spcPct val="100000"/>
+              </a:lnSpc>
+              <a:spcBef>
+                <a:spcPts val="1100"/>
+              </a:spcBef>
+              <a:spcAft>
+                <a:spcPts val="0"/>
+              </a:spcAft>
+              <a:buClr>
+                <a:schemeClr val="dk2"/>
+              </a:buClr>
+              <a:buSzPts val="1000"/>
+              <a:buFont typeface="Proxima Nova"/>
+              <a:buChar char="●"/>
+            </a:pPr>
+            <a:r>
+              <a:rPr lang="it" sz="1000">
+                <a:solidFill>
+                  <a:schemeClr val="dk2"/>
+                </a:solidFill>
+                <a:latin typeface="Proxima Nova"/>
+                <a:ea typeface="Proxima Nova"/>
+                <a:cs typeface="Proxima Nova"/>
+                <a:sym typeface="Proxima Nova"/>
+              </a:rPr>
+              <a:t>Egress represents data sent from Cloud Storage in HTTP responses. Data or metadata read from a Cloud Storage bucket is an example of egress.</a:t>
+            </a:r>
+            <a:endParaRPr sz="1000">
+              <a:solidFill>
+                <a:schemeClr val="dk2"/>
+              </a:solidFill>
+              <a:latin typeface="Proxima Nova"/>
+              <a:ea typeface="Proxima Nova"/>
+              <a:cs typeface="Proxima Nova"/>
+              <a:sym typeface="Proxima Nova"/>
+            </a:endParaRPr>
+          </a:p>
+          <a:p>
+            <a:pPr indent="-292100" lvl="0" marL="457200" marR="0" rtl="0" algn="l">
+              <a:lnSpc>
+                <a:spcPct val="100000"/>
+              </a:lnSpc>
+              <a:spcBef>
+                <a:spcPts val="0"/>
+              </a:spcBef>
+              <a:spcAft>
+                <a:spcPts val="0"/>
+              </a:spcAft>
+              <a:buClr>
+                <a:schemeClr val="dk2"/>
+              </a:buClr>
+              <a:buSzPts val="1000"/>
+              <a:buFont typeface="Proxima Nova"/>
+              <a:buChar char="●"/>
+            </a:pPr>
+            <a:r>
+              <a:rPr lang="it" sz="1000">
+                <a:solidFill>
+                  <a:schemeClr val="dk2"/>
+                </a:solidFill>
+                <a:latin typeface="Proxima Nova"/>
+                <a:ea typeface="Proxima Nova"/>
+                <a:cs typeface="Proxima Nova"/>
+                <a:sym typeface="Proxima Nova"/>
+              </a:rPr>
+              <a:t>Ingress represents data sent to Cloud Storage in HTTP requests. Data or metadata written to a Cloud Storage bucket is an example of ingress.</a:t>
+            </a:r>
+            <a:endParaRPr sz="1000">
+              <a:solidFill>
+                <a:schemeClr val="dk2"/>
+              </a:solidFill>
+              <a:latin typeface="Proxima Nova"/>
+              <a:ea typeface="Proxima Nova"/>
+              <a:cs typeface="Proxima Nova"/>
+              <a:sym typeface="Proxima Nova"/>
+            </a:endParaRPr>
+          </a:p>
+          <a:p>
+            <a:pPr indent="0" lvl="0" marL="457200" marR="0" rtl="0" algn="l">
+              <a:lnSpc>
+                <a:spcPct val="100000"/>
+              </a:lnSpc>
+              <a:spcBef>
+                <a:spcPts val="1200"/>
+              </a:spcBef>
+              <a:spcAft>
+                <a:spcPts val="0"/>
+              </a:spcAft>
+              <a:buNone/>
+            </a:pPr>
+            <a:r>
+              <a:t/>
+            </a:r>
+            <a:endParaRPr sz="1000">
+              <a:solidFill>
+                <a:schemeClr val="dk2"/>
+              </a:solidFill>
+              <a:latin typeface="Proxima Nova"/>
+              <a:ea typeface="Proxima Nova"/>
+              <a:cs typeface="Proxima Nova"/>
+              <a:sym typeface="Proxima Nova"/>
+            </a:endParaRPr>
+          </a:p>
+          <a:p>
+            <a:pPr indent="0" lvl="0" marL="0" marR="0" rtl="0" algn="l">
+              <a:lnSpc>
+                <a:spcPct val="100000"/>
+              </a:lnSpc>
+              <a:spcBef>
+                <a:spcPts val="1200"/>
+              </a:spcBef>
+              <a:spcAft>
+                <a:spcPts val="1200"/>
+              </a:spcAft>
+              <a:buNone/>
+            </a:pPr>
+            <a:r>
+              <a:rPr lang="it" sz="800">
+                <a:solidFill>
+                  <a:schemeClr val="dk2"/>
+                </a:solidFill>
+                <a:latin typeface="Proxima Nova"/>
+                <a:ea typeface="Proxima Nova"/>
+                <a:cs typeface="Proxima Nova"/>
+                <a:sym typeface="Proxima Nova"/>
+              </a:rPr>
+              <a:t>Source: https://www.easydeploy.io/blog/google-cloud-storage-price/</a:t>
+            </a:r>
+            <a:endParaRPr sz="800">
+              <a:solidFill>
+                <a:schemeClr val="dk2"/>
+              </a:solidFill>
+              <a:latin typeface="Proxima Nova"/>
+              <a:ea typeface="Proxima Nova"/>
+              <a:cs typeface="Proxima Nova"/>
+              <a:sym typeface="Proxima Nova"/>
+            </a:endParaRPr>
+          </a:p>
+        </p:txBody>
+      </p:sp>
+      <p:pic>
+        <p:nvPicPr>
+          <p:cNvPr id="239" name="Google Shape;239;p29"/>
+          <p:cNvPicPr preferRelativeResize="0"/>
+          <p:nvPr/>
+        </p:nvPicPr>
+        <p:blipFill>
+          <a:blip r:embed="rId3">
+            <a:alphaModFix/>
+          </a:blip>
+          <a:stretch>
+            <a:fillRect/>
+          </a:stretch>
+        </p:blipFill>
+        <p:spPr>
+          <a:xfrm>
+            <a:off x="4737775" y="2231200"/>
+            <a:ext cx="3405393" cy="997675"/>
+          </a:xfrm>
+          <a:prstGeom prst="rect">
+            <a:avLst/>
+          </a:prstGeom>
+          <a:noFill/>
+          <a:ln>
+            <a:noFill/>
+          </a:ln>
+        </p:spPr>
+      </p:pic>
+      <p:pic>
+        <p:nvPicPr>
+          <p:cNvPr id="240" name="Google Shape;240;p29"/>
+          <p:cNvPicPr preferRelativeResize="0"/>
+          <p:nvPr/>
+        </p:nvPicPr>
+        <p:blipFill>
+          <a:blip r:embed="rId4">
+            <a:alphaModFix/>
+          </a:blip>
+          <a:stretch>
+            <a:fillRect/>
+          </a:stretch>
+        </p:blipFill>
+        <p:spPr>
+          <a:xfrm>
+            <a:off x="4737775" y="3679950"/>
+            <a:ext cx="3674875" cy="997675"/>
+          </a:xfrm>
+          <a:prstGeom prst="rect">
+            <a:avLst/>
+          </a:prstGeom>
+          <a:noFill/>
+          <a:ln>
+            <a:noFill/>
+          </a:ln>
+        </p:spPr>
+      </p:pic>
+      <p:pic>
+        <p:nvPicPr>
+          <p:cNvPr id="241" name="Google Shape;241;p29"/>
+          <p:cNvPicPr preferRelativeResize="0"/>
+          <p:nvPr/>
+        </p:nvPicPr>
+        <p:blipFill>
+          <a:blip r:embed="rId5">
+            <a:alphaModFix/>
+          </a:blip>
+          <a:stretch>
+            <a:fillRect/>
+          </a:stretch>
+        </p:blipFill>
+        <p:spPr>
+          <a:xfrm>
+            <a:off x="4740925" y="728725"/>
+            <a:ext cx="1802874" cy="1150175"/>
+          </a:xfrm>
+          <a:prstGeom prst="rect">
+            <a:avLst/>
+          </a:prstGeom>
+          <a:noFill/>
+          <a:ln>
+            <a:noFill/>
+          </a:ln>
+        </p:spPr>
+      </p:pic>
+    </p:spTree>
+  </p:cSld>
+  <p:clrMapOvr>
+    <a:masterClrMapping/>
+  </p:clrMapOvr>
+</p:sld>
+</file>
+
+<file path=ppt/slides/slide18.xml><?xml version="1.0" encoding="utf-8"?>
+<p:sld xmlns:a="http://schemas.openxmlformats.org/drawingml/2006/main" xmlns:r="http://schemas.openxmlformats.org/officeDocument/2006/relationships" xmlns:mc="http://schemas.openxmlformats.org/markup-compatibility/2006" xmlns:mv="urn:schemas-microsoft-com:mac:vml" xmlns:p="http://schemas.openxmlformats.org/presentationml/2006/main" xmlns:c="http://schemas.openxmlformats.org/drawingml/2006/chart" xmlns:dgm="http://schemas.openxmlformats.org/drawingml/2006/diagram" xmlns:o="urn:schemas-microsoft-com:office:office" xmlns:v="urn:schemas-microsoft-com:vml" xmlns:pvml="urn:schemas-microsoft-com:office:powerpoint" xmlns:com="http://schemas.openxmlformats.org/drawingml/2006/compatibility" xmlns:p14="http://schemas.microsoft.com/office/powerpoint/2010/main" xmlns:p15="http://schemas.microsoft.com/office/powerpoint/2012/main" xmlns:ahyp="http://schemas.microsoft.com/office/drawing/2018/hyperlinkcolor">
+  <p:cSld>
+    <p:spTree>
+      <p:nvGrpSpPr>
+        <p:cNvPr id="245" name="Shape 245"/>
+        <p:cNvGrpSpPr/>
+        <p:nvPr/>
+      </p:nvGrpSpPr>
+      <p:grpSpPr>
+        <a:xfrm>
+          <a:off x="0" y="0"/>
+          <a:ext cx="0" cy="0"/>
+          <a:chOff x="0" y="0"/>
+          <a:chExt cx="0" cy="0"/>
+        </a:xfrm>
+      </p:grpSpPr>
+      <p:sp>
+        <p:nvSpPr>
+          <p:cNvPr id="246" name="Google Shape;246;p30"/>
+          <p:cNvSpPr txBox="1"/>
+          <p:nvPr>
+            <p:ph type="title"/>
+          </p:nvPr>
+        </p:nvSpPr>
+        <p:spPr>
+          <a:xfrm>
+            <a:off x="311700" y="4272575"/>
+            <a:ext cx="8520600" cy="572700"/>
+          </a:xfrm>
+          <a:prstGeom prst="rect">
+            <a:avLst/>
+          </a:prstGeom>
+        </p:spPr>
+        <p:txBody>
+          <a:bodyPr anchorCtr="0" anchor="t" bIns="91425" lIns="91425" spcFirstLastPara="1" rIns="91425" wrap="square" tIns="91425">
+            <a:normAutofit fontScale="90000"/>
+          </a:bodyPr>
+          <a:lstStyle/>
+          <a:p>
+            <a:pPr indent="0" lvl="0" marL="0" rtl="0" algn="r">
+              <a:spcBef>
+                <a:spcPts val="0"/>
+              </a:spcBef>
+              <a:spcAft>
+                <a:spcPts val="0"/>
+              </a:spcAft>
+              <a:buNone/>
+            </a:pPr>
+            <a:r>
+              <a:rPr lang="it"/>
+              <a:t>Total </a:t>
+            </a:r>
+            <a:r>
+              <a:rPr lang="it">
+                <a:solidFill>
+                  <a:schemeClr val="lt2"/>
+                </a:solidFill>
+              </a:rPr>
+              <a:t>for Simple Pricing Example:</a:t>
+            </a:r>
+            <a:r>
+              <a:rPr lang="it"/>
+              <a:t> $2.61</a:t>
+            </a:r>
+            <a:endParaRPr/>
+          </a:p>
+        </p:txBody>
+      </p:sp>
+      <p:sp>
+        <p:nvSpPr>
+          <p:cNvPr id="247" name="Google Shape;247;p30"/>
+          <p:cNvSpPr txBox="1"/>
+          <p:nvPr>
+            <p:ph idx="1" type="body"/>
+          </p:nvPr>
+        </p:nvSpPr>
+        <p:spPr>
+          <a:xfrm>
+            <a:off x="311700" y="1152475"/>
+            <a:ext cx="3999900" cy="3416400"/>
+          </a:xfrm>
+          <a:prstGeom prst="rect">
+            <a:avLst/>
+          </a:prstGeom>
+        </p:spPr>
+        <p:txBody>
+          <a:bodyPr anchorCtr="0" anchor="t" bIns="91425" lIns="91425" spcFirstLastPara="1" rIns="91425" wrap="square" tIns="91425">
+            <a:normAutofit/>
+          </a:bodyPr>
+          <a:lstStyle/>
+          <a:p>
+            <a:pPr indent="0" lvl="0" marL="0" marR="0" rtl="0" algn="l">
+              <a:lnSpc>
+                <a:spcPct val="100000"/>
+              </a:lnSpc>
+              <a:spcBef>
+                <a:spcPts val="0"/>
+              </a:spcBef>
+              <a:spcAft>
+                <a:spcPts val="0"/>
+              </a:spcAft>
+              <a:buNone/>
+            </a:pPr>
+            <a:r>
+              <a:rPr b="1" lang="it" sz="1000">
+                <a:solidFill>
+                  <a:schemeClr val="dk1"/>
+                </a:solidFill>
+              </a:rPr>
+              <a:t>Storage usage pattern</a:t>
+            </a:r>
+            <a:r>
+              <a:rPr lang="it" sz="1000"/>
+              <a:t> in a given month:</a:t>
+            </a:r>
+            <a:endParaRPr sz="1000"/>
+          </a:p>
+          <a:p>
+            <a:pPr indent="-292100" lvl="0" marL="457200" marR="0" rtl="0" algn="l">
+              <a:lnSpc>
+                <a:spcPct val="100000"/>
+              </a:lnSpc>
+              <a:spcBef>
+                <a:spcPts val="1200"/>
+              </a:spcBef>
+              <a:spcAft>
+                <a:spcPts val="0"/>
+              </a:spcAft>
+              <a:buSzPts val="1000"/>
+              <a:buChar char="●"/>
+            </a:pPr>
+            <a:r>
+              <a:rPr lang="it" sz="1000"/>
+              <a:t>50 GB of standard data storage, from the first day to the end of the billing month.</a:t>
+            </a:r>
+            <a:endParaRPr sz="1000"/>
+          </a:p>
+          <a:p>
+            <a:pPr indent="-292100" lvl="0" marL="457200" marR="0" rtl="0" algn="l">
+              <a:lnSpc>
+                <a:spcPct val="100000"/>
+              </a:lnSpc>
+              <a:spcBef>
+                <a:spcPts val="0"/>
+              </a:spcBef>
+              <a:spcAft>
+                <a:spcPts val="0"/>
+              </a:spcAft>
+              <a:buSzPts val="1000"/>
+              <a:buChar char="●"/>
+            </a:pPr>
+            <a:r>
+              <a:rPr lang="it" sz="1000"/>
+              <a:t>10 GB of network egress (Americas and EMEA). (Ingress is free.)</a:t>
+            </a:r>
+            <a:endParaRPr sz="1000"/>
+          </a:p>
+          <a:p>
+            <a:pPr indent="-292100" lvl="0" marL="457200" marR="0" rtl="0" algn="l">
+              <a:lnSpc>
+                <a:spcPct val="100000"/>
+              </a:lnSpc>
+              <a:spcBef>
+                <a:spcPts val="0"/>
+              </a:spcBef>
+              <a:spcAft>
+                <a:spcPts val="0"/>
+              </a:spcAft>
+              <a:buSzPts val="1000"/>
+              <a:buChar char="●"/>
+            </a:pPr>
+            <a:r>
+              <a:rPr lang="it" sz="1000"/>
+              <a:t>10,000 total PUT/POST, GET bucket (list), GET service requests, Class A operations.</a:t>
+            </a:r>
+            <a:endParaRPr sz="1000"/>
+          </a:p>
+          <a:p>
+            <a:pPr indent="-292100" lvl="0" marL="457200" marR="0" rtl="0" algn="l">
+              <a:lnSpc>
+                <a:spcPct val="100000"/>
+              </a:lnSpc>
+              <a:spcBef>
+                <a:spcPts val="0"/>
+              </a:spcBef>
+              <a:spcAft>
+                <a:spcPts val="0"/>
+              </a:spcAft>
+              <a:buSzPts val="1000"/>
+              <a:buChar char="●"/>
+            </a:pPr>
+            <a:r>
+              <a:rPr lang="it" sz="1000"/>
+              <a:t>10,000 total GET object and HEAD requests, Class B operations.</a:t>
+            </a:r>
+            <a:endParaRPr sz="1050">
+              <a:solidFill>
+                <a:srgbClr val="565656"/>
+              </a:solidFill>
+              <a:highlight>
+                <a:srgbClr val="FFFFFF"/>
+              </a:highlight>
+              <a:latin typeface="Arial"/>
+              <a:ea typeface="Arial"/>
+              <a:cs typeface="Arial"/>
+              <a:sym typeface="Arial"/>
+            </a:endParaRPr>
+          </a:p>
+          <a:p>
+            <a:pPr indent="0" lvl="0" marL="0" rtl="0" algn="l">
+              <a:spcBef>
+                <a:spcPts val="1200"/>
+              </a:spcBef>
+              <a:spcAft>
+                <a:spcPts val="1200"/>
+              </a:spcAft>
+              <a:buNone/>
+            </a:pPr>
+            <a:r>
+              <a:t/>
+            </a:r>
+            <a:endParaRPr/>
+          </a:p>
+        </p:txBody>
+      </p:sp>
+      <p:sp>
+        <p:nvSpPr>
+          <p:cNvPr id="248" name="Google Shape;248;p30"/>
+          <p:cNvSpPr txBox="1"/>
+          <p:nvPr>
+            <p:ph idx="2" type="body"/>
+          </p:nvPr>
+        </p:nvSpPr>
+        <p:spPr>
+          <a:xfrm>
+            <a:off x="4867575" y="1152475"/>
+            <a:ext cx="3964800" cy="3416400"/>
+          </a:xfrm>
+          <a:prstGeom prst="rect">
+            <a:avLst/>
+          </a:prstGeom>
+        </p:spPr>
+        <p:txBody>
+          <a:bodyPr anchorCtr="0" anchor="t" bIns="91425" lIns="91425" spcFirstLastPara="1" rIns="91425" wrap="square" tIns="91425">
+            <a:normAutofit/>
+          </a:bodyPr>
+          <a:lstStyle/>
+          <a:p>
+            <a:pPr indent="0" lvl="0" marL="0" marR="0" rtl="0" algn="l">
+              <a:lnSpc>
+                <a:spcPct val="100000"/>
+              </a:lnSpc>
+              <a:spcBef>
+                <a:spcPts val="0"/>
+              </a:spcBef>
+              <a:spcAft>
+                <a:spcPts val="0"/>
+              </a:spcAft>
+              <a:buNone/>
+            </a:pPr>
+            <a:r>
+              <a:rPr b="1" lang="it" sz="1000">
+                <a:solidFill>
+                  <a:schemeClr val="dk1"/>
+                </a:solidFill>
+              </a:rPr>
+              <a:t>Bill for the month</a:t>
+            </a:r>
+            <a:r>
+              <a:rPr lang="it" sz="1000"/>
+              <a:t>:</a:t>
+            </a:r>
+            <a:endParaRPr sz="1000"/>
+          </a:p>
+          <a:p>
+            <a:pPr indent="-292100" lvl="0" marL="457200" marR="0" rtl="0" algn="l">
+              <a:lnSpc>
+                <a:spcPct val="100000"/>
+              </a:lnSpc>
+              <a:spcBef>
+                <a:spcPts val="1200"/>
+              </a:spcBef>
+              <a:spcAft>
+                <a:spcPts val="0"/>
+              </a:spcAft>
+              <a:buSzPts val="1000"/>
+              <a:buChar char="●"/>
+            </a:pPr>
+            <a:r>
+              <a:rPr lang="it" sz="1000"/>
+              <a:t>50 GB standard storage at $0.026/per GB: </a:t>
+            </a:r>
+            <a:endParaRPr sz="1000"/>
+          </a:p>
+          <a:p>
+            <a:pPr indent="-292100" lvl="1" marL="914400" marR="0" rtl="0" algn="l">
+              <a:lnSpc>
+                <a:spcPct val="100000"/>
+              </a:lnSpc>
+              <a:spcBef>
+                <a:spcPts val="0"/>
+              </a:spcBef>
+              <a:spcAft>
+                <a:spcPts val="0"/>
+              </a:spcAft>
+              <a:buSzPts val="1000"/>
+              <a:buChar char="○"/>
+            </a:pPr>
+            <a:r>
+              <a:rPr lang="it" sz="1000"/>
+              <a:t>$1.30</a:t>
+            </a:r>
+            <a:endParaRPr sz="1000"/>
+          </a:p>
+          <a:p>
+            <a:pPr indent="-292100" lvl="0" marL="457200" marR="0" rtl="0" algn="l">
+              <a:lnSpc>
+                <a:spcPct val="100000"/>
+              </a:lnSpc>
+              <a:spcBef>
+                <a:spcPts val="0"/>
+              </a:spcBef>
+              <a:spcAft>
+                <a:spcPts val="0"/>
+              </a:spcAft>
+              <a:buSzPts val="1000"/>
+              <a:buChar char="●"/>
+            </a:pPr>
+            <a:r>
+              <a:rPr lang="it" sz="1000"/>
+              <a:t>10 GB of network egress at $0.12/per GB: </a:t>
+            </a:r>
+            <a:endParaRPr sz="1000"/>
+          </a:p>
+          <a:p>
+            <a:pPr indent="-292100" lvl="1" marL="914400" marR="0" rtl="0" algn="l">
+              <a:lnSpc>
+                <a:spcPct val="100000"/>
+              </a:lnSpc>
+              <a:spcBef>
+                <a:spcPts val="0"/>
+              </a:spcBef>
+              <a:spcAft>
+                <a:spcPts val="0"/>
+              </a:spcAft>
+              <a:buSzPts val="1000"/>
+              <a:buChar char="○"/>
+            </a:pPr>
+            <a:r>
+              <a:rPr lang="it" sz="1000"/>
+              <a:t>$1.20</a:t>
+            </a:r>
+            <a:endParaRPr sz="1000"/>
+          </a:p>
+          <a:p>
+            <a:pPr indent="-292100" lvl="0" marL="457200" marR="0" rtl="0" algn="l">
+              <a:lnSpc>
+                <a:spcPct val="100000"/>
+              </a:lnSpc>
+              <a:spcBef>
+                <a:spcPts val="0"/>
+              </a:spcBef>
+              <a:spcAft>
+                <a:spcPts val="0"/>
+              </a:spcAft>
+              <a:buSzPts val="1000"/>
+              <a:buChar char="●"/>
+            </a:pPr>
+            <a:r>
+              <a:rPr lang="it" sz="1000"/>
+              <a:t>10,000 Class A operations at $0.01/per 1,000 operations:</a:t>
+            </a:r>
+            <a:endParaRPr sz="1000"/>
+          </a:p>
+          <a:p>
+            <a:pPr indent="-292100" lvl="1" marL="914400" marR="0" rtl="0" algn="l">
+              <a:lnSpc>
+                <a:spcPct val="100000"/>
+              </a:lnSpc>
+              <a:spcBef>
+                <a:spcPts val="0"/>
+              </a:spcBef>
+              <a:spcAft>
+                <a:spcPts val="0"/>
+              </a:spcAft>
+              <a:buSzPts val="1000"/>
+              <a:buChar char="○"/>
+            </a:pPr>
+            <a:r>
+              <a:rPr lang="it" sz="1000"/>
+              <a:t>$0.10</a:t>
+            </a:r>
+            <a:endParaRPr sz="1000"/>
+          </a:p>
+          <a:p>
+            <a:pPr indent="-292100" lvl="0" marL="457200" marR="0" rtl="0" algn="l">
+              <a:lnSpc>
+                <a:spcPct val="100000"/>
+              </a:lnSpc>
+              <a:spcBef>
+                <a:spcPts val="0"/>
+              </a:spcBef>
+              <a:spcAft>
+                <a:spcPts val="0"/>
+              </a:spcAft>
+              <a:buSzPts val="1000"/>
+              <a:buChar char="●"/>
+            </a:pPr>
+            <a:r>
+              <a:rPr lang="it" sz="1000"/>
+              <a:t>10,000 Class B operations at $0.01/per 10,000 operations: </a:t>
+            </a:r>
+            <a:endParaRPr sz="1000"/>
+          </a:p>
+          <a:p>
+            <a:pPr indent="-292100" lvl="1" marL="914400" marR="0" rtl="0" algn="l">
+              <a:lnSpc>
+                <a:spcPct val="100000"/>
+              </a:lnSpc>
+              <a:spcBef>
+                <a:spcPts val="0"/>
+              </a:spcBef>
+              <a:spcAft>
+                <a:spcPts val="0"/>
+              </a:spcAft>
+              <a:buSzPts val="1000"/>
+              <a:buChar char="○"/>
+            </a:pPr>
+            <a:r>
+              <a:rPr lang="it" sz="1000"/>
+              <a:t>$0.01</a:t>
+            </a:r>
+            <a:endParaRPr sz="1050">
+              <a:solidFill>
+                <a:srgbClr val="565656"/>
+              </a:solidFill>
+              <a:highlight>
+                <a:srgbClr val="FFFFFF"/>
+              </a:highlight>
+              <a:latin typeface="Arial"/>
+              <a:ea typeface="Arial"/>
+              <a:cs typeface="Arial"/>
+              <a:sym typeface="Arial"/>
+            </a:endParaRPr>
+          </a:p>
+          <a:p>
+            <a:pPr indent="0" lvl="0" marL="0" rtl="0" algn="l">
+              <a:spcBef>
+                <a:spcPts val="1200"/>
+              </a:spcBef>
+              <a:spcAft>
+                <a:spcPts val="1200"/>
+              </a:spcAft>
+              <a:buNone/>
+            </a:pPr>
+            <a:r>
+              <a:t/>
+            </a:r>
+            <a:endParaRPr/>
+          </a:p>
+        </p:txBody>
+      </p:sp>
+    </p:spTree>
+  </p:cSld>
+  <p:clrMapOvr>
+    <a:masterClrMapping/>
+  </p:clrMapOvr>
+</p:sld>
+</file>
+
+<file path=ppt/slides/slide19.xml><?xml version="1.0" encoding="utf-8"?>
+<p:sld xmlns:a="http://schemas.openxmlformats.org/drawingml/2006/main" xmlns:r="http://schemas.openxmlformats.org/officeDocument/2006/relationships" xmlns:mc="http://schemas.openxmlformats.org/markup-compatibility/2006" xmlns:mv="urn:schemas-microsoft-com:mac:vml" xmlns:p="http://schemas.openxmlformats.org/presentationml/2006/main" xmlns:c="http://schemas.openxmlformats.org/drawingml/2006/chart" xmlns:dgm="http://schemas.openxmlformats.org/drawingml/2006/diagram" xmlns:o="urn:schemas-microsoft-com:office:office" xmlns:v="urn:schemas-microsoft-com:vml" xmlns:pvml="urn:schemas-microsoft-com:office:powerpoint" xmlns:com="http://schemas.openxmlformats.org/drawingml/2006/compatibility" xmlns:p14="http://schemas.microsoft.com/office/powerpoint/2010/main" xmlns:p15="http://schemas.microsoft.com/office/powerpoint/2012/main" xmlns:ahyp="http://schemas.microsoft.com/office/drawing/2018/hyperlinkcolor">
+  <p:cSld>
+    <p:spTree>
+      <p:nvGrpSpPr>
+        <p:cNvPr id="252" name="Shape 252"/>
         <p:cNvGrpSpPr/>
         <p:nvPr/>
       </p:nvGrpSpPr>
@@ -9887,7 +11499,7 @@
       </p:grpSpPr>
       <p:pic>
         <p:nvPicPr>
-          <p:cNvPr id="174" name="Google Shape;174;p29"/>
+          <p:cNvPr id="253" name="Google Shape;253;p31"/>
           <p:cNvPicPr preferRelativeResize="0"/>
           <p:nvPr/>
         </p:nvPicPr>
@@ -9915,7 +11527,7 @@
       </p:pic>
       <p:sp>
         <p:nvSpPr>
-          <p:cNvPr id="175" name="Google Shape;175;p29"/>
+          <p:cNvPr id="254" name="Google Shape;254;p31"/>
           <p:cNvSpPr/>
           <p:nvPr/>
         </p:nvSpPr>
@@ -9981,7 +11593,7 @@
       </p:sp>
       <p:sp>
         <p:nvSpPr>
-          <p:cNvPr id="176" name="Google Shape;176;p29"/>
+          <p:cNvPr id="255" name="Google Shape;255;p31"/>
           <p:cNvSpPr/>
           <p:nvPr/>
         </p:nvSpPr>
@@ -10067,7 +11679,7 @@
                 <a:cs typeface="Proxima Nova"/>
                 <a:sym typeface="Proxima Nova"/>
               </a:rPr>
-              <a:t>Then put in production, I’ll see you later!</a:t>
+              <a:t>Then put it in production, I’ll see you later!</a:t>
             </a:r>
             <a:endParaRPr sz="2825">
               <a:solidFill>
@@ -10122,7 +11734,7 @@
         </p:blipFill>
         <p:spPr>
           <a:xfrm>
-            <a:off x="898525" y="442025"/>
+            <a:off x="898525" y="518225"/>
             <a:ext cx="3827550" cy="2009450"/>
           </a:xfrm>
           <a:prstGeom prst="rect">
@@ -10332,7 +11944,7 @@
         </p:nvSpPr>
         <p:spPr>
           <a:xfrm>
-            <a:off x="311700" y="445025"/>
+            <a:off x="311700" y="375400"/>
             <a:ext cx="8520600" cy="572700"/>
           </a:xfrm>
           <a:prstGeom prst="rect">
@@ -10372,7 +11984,7 @@
         </p:nvSpPr>
         <p:spPr>
           <a:xfrm>
-            <a:off x="311700" y="1152475"/>
+            <a:off x="311700" y="1457275"/>
             <a:ext cx="3999900" cy="3416400"/>
           </a:xfrm>
           <a:prstGeom prst="rect">
@@ -10387,7 +11999,7 @@
           <a:p>
             <a:pPr indent="0" lvl="0" marL="0" rtl="0" algn="ctr">
               <a:lnSpc>
-                <a:spcPct val="100000"/>
+                <a:spcPct val="115000"/>
               </a:lnSpc>
               <a:spcBef>
                 <a:spcPts val="0"/>
@@ -10406,13 +12018,13 @@
           <a:p>
             <a:pPr indent="0" lvl="0" marL="0" rtl="0" algn="ctr">
               <a:lnSpc>
-                <a:spcPct val="100000"/>
+                <a:spcPct val="115000"/>
               </a:lnSpc>
               <a:spcBef>
-                <a:spcPts val="1200"/>
-              </a:spcBef>
-              <a:spcAft>
-                <a:spcPts val="1200"/>
+                <a:spcPts val="0"/>
+              </a:spcBef>
+              <a:spcAft>
+                <a:spcPts val="0"/>
               </a:spcAft>
               <a:buNone/>
             </a:pPr>
@@ -10434,7 +12046,7 @@
         </p:nvSpPr>
         <p:spPr>
           <a:xfrm>
-            <a:off x="4832400" y="1152475"/>
+            <a:off x="4832400" y="1457275"/>
             <a:ext cx="3999900" cy="3416400"/>
           </a:xfrm>
           <a:prstGeom prst="rect">
@@ -10449,7 +12061,7 @@
           <a:p>
             <a:pPr indent="0" lvl="0" marL="0" rtl="0" algn="ctr">
               <a:lnSpc>
-                <a:spcPct val="100000"/>
+                <a:spcPct val="115000"/>
               </a:lnSpc>
               <a:spcBef>
                 <a:spcPts val="0"/>
@@ -10468,10 +12080,10 @@
           <a:p>
             <a:pPr indent="0" lvl="0" marL="0" rtl="0" algn="ctr">
               <a:lnSpc>
-                <a:spcPct val="100000"/>
+                <a:spcPct val="115000"/>
               </a:lnSpc>
               <a:spcBef>
-                <a:spcPts val="1200"/>
+                <a:spcPts val="0"/>
               </a:spcBef>
               <a:spcAft>
                 <a:spcPts val="0"/>
@@ -10487,7 +12099,7 @@
           <a:p>
             <a:pPr indent="0" lvl="0" marL="0" rtl="0" algn="l">
               <a:spcBef>
-                <a:spcPts val="1200"/>
+                <a:spcPts val="0"/>
               </a:spcBef>
               <a:spcAft>
                 <a:spcPts val="0"/>
@@ -10533,7 +12145,7 @@
         </p:blipFill>
         <p:spPr>
           <a:xfrm>
-            <a:off x="5960489" y="2214449"/>
+            <a:off x="5960489" y="2290649"/>
             <a:ext cx="1743725" cy="2009650"/>
           </a:xfrm>
           <a:prstGeom prst="rect">
@@ -10566,7 +12178,7 @@
         </p:blipFill>
         <p:spPr>
           <a:xfrm>
-            <a:off x="1457437" y="2214450"/>
+            <a:off x="1457437" y="2290650"/>
             <a:ext cx="1708425" cy="2009650"/>
           </a:xfrm>
           <a:prstGeom prst="rect">
@@ -10584,6 +12196,64 @@
           </a:ln>
         </p:spPr>
       </p:pic>
+      <p:sp>
+        <p:nvSpPr>
+          <p:cNvPr id="74" name="Google Shape;74;p15"/>
+          <p:cNvSpPr txBox="1"/>
+          <p:nvPr/>
+        </p:nvSpPr>
+        <p:spPr>
+          <a:xfrm>
+            <a:off x="1851600" y="859300"/>
+            <a:ext cx="5440800" cy="400200"/>
+          </a:xfrm>
+          <a:prstGeom prst="rect">
+            <a:avLst/>
+          </a:prstGeom>
+          <a:noFill/>
+          <a:ln>
+            <a:noFill/>
+          </a:ln>
+        </p:spPr>
+        <p:txBody>
+          <a:bodyPr anchorCtr="0" anchor="t" bIns="91425" lIns="91425" spcFirstLastPara="1" rIns="91425" wrap="square" tIns="91425">
+            <a:spAutoFit/>
+          </a:bodyPr>
+          <a:lstStyle/>
+          <a:p>
+            <a:pPr indent="0" lvl="0" marL="0" rtl="0" algn="ctr">
+              <a:spcBef>
+                <a:spcPts val="0"/>
+              </a:spcBef>
+              <a:spcAft>
+                <a:spcPts val="0"/>
+              </a:spcAft>
+              <a:buNone/>
+            </a:pPr>
+            <a:r>
+              <a:rPr lang="it">
+                <a:solidFill>
+                  <a:schemeClr val="dk2"/>
+                </a:solidFill>
+                <a:latin typeface="Courier New"/>
+                <a:ea typeface="Courier New"/>
+                <a:cs typeface="Courier New"/>
+                <a:sym typeface="Courier New"/>
+              </a:rPr>
+              <a:t>github.com/aliswh/lastfm</a:t>
+            </a:r>
+            <a:endParaRPr>
+              <a:solidFill>
+                <a:schemeClr val="dk2"/>
+              </a:solidFill>
+              <a:latin typeface="Courier New"/>
+              <a:ea typeface="Courier New"/>
+              <a:cs typeface="Courier New"/>
+              <a:sym typeface="Courier New"/>
+            </a:endParaRPr>
+          </a:p>
+        </p:txBody>
+      </p:sp>
     </p:spTree>
   </p:cSld>
   <p:clrMapOvr>
@@ -10597,7 +12267,7 @@
   <p:cSld>
     <p:spTree>
       <p:nvGrpSpPr>
-        <p:cNvPr id="77" name="Shape 77"/>
+        <p:cNvPr id="78" name="Shape 78"/>
         <p:cNvGrpSpPr/>
         <p:nvPr/>
       </p:nvGrpSpPr>
@@ -10611,7 +12281,7 @@
       </p:grpSpPr>
       <p:sp>
         <p:nvSpPr>
-          <p:cNvPr id="78" name="Google Shape;78;p16"/>
+          <p:cNvPr id="79" name="Google Shape;79;p16"/>
           <p:cNvSpPr txBox="1"/>
           <p:nvPr>
             <p:ph type="title"/>
@@ -10647,42 +12317,89 @@
             </a:r>
             <a:endParaRPr/>
           </a:p>
+          <a:p>
+            <a:pPr indent="0" lvl="0" marL="0" rtl="0" algn="l">
+              <a:spcBef>
+                <a:spcPts val="0"/>
+              </a:spcBef>
+              <a:spcAft>
+                <a:spcPts val="0"/>
+              </a:spcAft>
+              <a:buNone/>
+            </a:pPr>
+            <a:r>
+              <a:rPr lang="it" sz="1888">
+                <a:solidFill>
+                  <a:schemeClr val="dk2"/>
+                </a:solidFill>
+                <a:latin typeface="Proxima Nova Semibold"/>
+                <a:ea typeface="Proxima Nova Semibold"/>
+                <a:cs typeface="Proxima Nova Semibold"/>
+                <a:sym typeface="Proxima Nova Semibold"/>
+              </a:rPr>
+              <a:t>ABSTRACT VIEW</a:t>
+            </a:r>
+            <a:endParaRPr sz="1888">
+              <a:solidFill>
+                <a:schemeClr val="dk2"/>
+              </a:solidFill>
+              <a:latin typeface="Proxima Nova Semibold"/>
+              <a:ea typeface="Proxima Nova Semibold"/>
+              <a:cs typeface="Proxima Nova Semibold"/>
+              <a:sym typeface="Proxima Nova Semibold"/>
+            </a:endParaRPr>
+          </a:p>
         </p:txBody>
       </p:sp>
       <p:sp>
         <p:nvSpPr>
-          <p:cNvPr id="79" name="Google Shape;79;p16"/>
-          <p:cNvSpPr txBox="1"/>
-          <p:nvPr>
-            <p:ph idx="1" type="body"/>
-          </p:nvPr>
+          <p:cNvPr id="80" name="Google Shape;80;p16"/>
+          <p:cNvSpPr/>
+          <p:nvPr/>
         </p:nvSpPr>
         <p:spPr>
           <a:xfrm>
-            <a:off x="311700" y="1152475"/>
-            <a:ext cx="3999900" cy="3416400"/>
-          </a:xfrm>
-          <a:prstGeom prst="rect">
-            <a:avLst/>
-          </a:prstGeom>
+            <a:off x="1173275" y="2173950"/>
+            <a:ext cx="1667400" cy="611100"/>
+          </a:xfrm>
+          <a:prstGeom prst="roundRect">
+            <a:avLst>
+              <a:gd fmla="val 8207" name="adj"/>
+            </a:avLst>
+          </a:prstGeom>
+          <a:solidFill>
+            <a:schemeClr val="dk1"/>
+          </a:solidFill>
+          <a:ln>
+            <a:noFill/>
+          </a:ln>
         </p:spPr>
         <p:txBody>
-          <a:bodyPr anchorCtr="0" anchor="t" bIns="91425" lIns="91425" spcFirstLastPara="1" rIns="91425" wrap="square" tIns="91425">
-            <a:normAutofit/>
+          <a:bodyPr anchorCtr="0" anchor="ctr" bIns="91425" lIns="91425" spcFirstLastPara="1" rIns="91425" wrap="square" tIns="91425">
+            <a:noAutofit/>
           </a:bodyPr>
           <a:lstStyle/>
           <a:p>
-            <a:pPr indent="0" lvl="0" marL="0" rtl="0" algn="l">
-              <a:spcBef>
-                <a:spcPts val="0"/>
-              </a:spcBef>
-              <a:spcAft>
-                <a:spcPts val="1200"/>
+            <a:pPr indent="0" lvl="0" marL="0" rtl="0" algn="ctr">
+              <a:spcBef>
+                <a:spcPts val="0"/>
+              </a:spcBef>
+              <a:spcAft>
+                <a:spcPts val="0"/>
               </a:spcAft>
               <a:buNone/>
             </a:pPr>
             <a:r>
-              <a:t/>
+              <a:rPr lang="it">
+                <a:solidFill>
+                  <a:schemeClr val="lt1"/>
+                </a:solidFill>
+                <a:latin typeface="Proxima Nova"/>
+                <a:ea typeface="Proxima Nova"/>
+                <a:cs typeface="Proxima Nova"/>
+                <a:sym typeface="Proxima Nova"/>
+              </a:rPr>
+              <a:t>LastFM Reader</a:t>
             </a:r>
             <a:endParaRPr/>
           </a:p>
@@ -10690,40 +12407,424 @@
       </p:sp>
       <p:sp>
         <p:nvSpPr>
-          <p:cNvPr id="80" name="Google Shape;80;p16"/>
-          <p:cNvSpPr txBox="1"/>
-          <p:nvPr>
-            <p:ph idx="2" type="body"/>
-          </p:nvPr>
+          <p:cNvPr id="81" name="Google Shape;81;p16"/>
+          <p:cNvSpPr/>
+          <p:nvPr/>
         </p:nvSpPr>
         <p:spPr>
           <a:xfrm>
-            <a:off x="4832400" y="1152475"/>
-            <a:ext cx="3999900" cy="3416400"/>
-          </a:xfrm>
-          <a:prstGeom prst="rect">
-            <a:avLst/>
-          </a:prstGeom>
+            <a:off x="3738300" y="2173950"/>
+            <a:ext cx="1667400" cy="611100"/>
+          </a:xfrm>
+          <a:prstGeom prst="roundRect">
+            <a:avLst>
+              <a:gd fmla="val 8207" name="adj"/>
+            </a:avLst>
+          </a:prstGeom>
+          <a:solidFill>
+            <a:schemeClr val="dk1"/>
+          </a:solidFill>
+          <a:ln>
+            <a:noFill/>
+          </a:ln>
         </p:spPr>
         <p:txBody>
-          <a:bodyPr anchorCtr="0" anchor="t" bIns="91425" lIns="91425" spcFirstLastPara="1" rIns="91425" wrap="square" tIns="91425">
-            <a:normAutofit/>
+          <a:bodyPr anchorCtr="0" anchor="ctr" bIns="91425" lIns="91425" spcFirstLastPara="1" rIns="91425" wrap="square" tIns="91425">
+            <a:noAutofit/>
           </a:bodyPr>
           <a:lstStyle/>
           <a:p>
-            <a:pPr indent="0" lvl="0" marL="0" rtl="0" algn="l">
-              <a:spcBef>
-                <a:spcPts val="0"/>
-              </a:spcBef>
-              <a:spcAft>
-                <a:spcPts val="1200"/>
+            <a:pPr indent="0" lvl="0" marL="0" rtl="0" algn="ctr">
+              <a:spcBef>
+                <a:spcPts val="0"/>
+              </a:spcBef>
+              <a:spcAft>
+                <a:spcPts val="0"/>
               </a:spcAft>
               <a:buNone/>
             </a:pPr>
             <a:r>
-              <a:t/>
+              <a:rPr lang="it">
+                <a:solidFill>
+                  <a:schemeClr val="lt1"/>
+                </a:solidFill>
+                <a:latin typeface="Proxima Nova"/>
+                <a:ea typeface="Proxima Nova"/>
+                <a:cs typeface="Proxima Nova"/>
+                <a:sym typeface="Proxima Nova"/>
+              </a:rPr>
+              <a:t>Batch Job</a:t>
             </a:r>
             <a:endParaRPr/>
+          </a:p>
+        </p:txBody>
+      </p:sp>
+      <p:sp>
+        <p:nvSpPr>
+          <p:cNvPr id="82" name="Google Shape;82;p16"/>
+          <p:cNvSpPr/>
+          <p:nvPr/>
+        </p:nvSpPr>
+        <p:spPr>
+          <a:xfrm>
+            <a:off x="6303325" y="2174000"/>
+            <a:ext cx="1667400" cy="611100"/>
+          </a:xfrm>
+          <a:prstGeom prst="roundRect">
+            <a:avLst>
+              <a:gd fmla="val 8207" name="adj"/>
+            </a:avLst>
+          </a:prstGeom>
+          <a:solidFill>
+            <a:schemeClr val="dk1"/>
+          </a:solidFill>
+          <a:ln>
+            <a:noFill/>
+          </a:ln>
+        </p:spPr>
+        <p:txBody>
+          <a:bodyPr anchorCtr="0" anchor="ctr" bIns="91425" lIns="91425" spcFirstLastPara="1" rIns="91425" wrap="square" tIns="91425">
+            <a:noAutofit/>
+          </a:bodyPr>
+          <a:lstStyle/>
+          <a:p>
+            <a:pPr indent="0" lvl="0" marL="0" rtl="0" algn="ctr">
+              <a:spcBef>
+                <a:spcPts val="0"/>
+              </a:spcBef>
+              <a:spcAft>
+                <a:spcPts val="0"/>
+              </a:spcAft>
+              <a:buNone/>
+            </a:pPr>
+            <a:r>
+              <a:rPr lang="it">
+                <a:solidFill>
+                  <a:schemeClr val="lt1"/>
+                </a:solidFill>
+                <a:latin typeface="Proxima Nova"/>
+                <a:ea typeface="Proxima Nova"/>
+                <a:cs typeface="Proxima Nova"/>
+                <a:sym typeface="Proxima Nova"/>
+              </a:rPr>
+              <a:t>Cloud Storage</a:t>
+            </a:r>
+            <a:endParaRPr/>
+          </a:p>
+        </p:txBody>
+      </p:sp>
+      <p:sp>
+        <p:nvSpPr>
+          <p:cNvPr id="83" name="Google Shape;83;p16"/>
+          <p:cNvSpPr/>
+          <p:nvPr/>
+        </p:nvSpPr>
+        <p:spPr>
+          <a:xfrm>
+            <a:off x="6303325" y="3476600"/>
+            <a:ext cx="1667400" cy="611100"/>
+          </a:xfrm>
+          <a:prstGeom prst="roundRect">
+            <a:avLst>
+              <a:gd fmla="val 8207" name="adj"/>
+            </a:avLst>
+          </a:prstGeom>
+          <a:solidFill>
+            <a:schemeClr val="dk1"/>
+          </a:solidFill>
+          <a:ln>
+            <a:noFill/>
+          </a:ln>
+        </p:spPr>
+        <p:txBody>
+          <a:bodyPr anchorCtr="0" anchor="ctr" bIns="91425" lIns="91425" spcFirstLastPara="1" rIns="91425" wrap="square" tIns="91425">
+            <a:noAutofit/>
+          </a:bodyPr>
+          <a:lstStyle/>
+          <a:p>
+            <a:pPr indent="0" lvl="0" marL="0" rtl="0" algn="ctr">
+              <a:spcBef>
+                <a:spcPts val="0"/>
+              </a:spcBef>
+              <a:spcAft>
+                <a:spcPts val="0"/>
+              </a:spcAft>
+              <a:buNone/>
+            </a:pPr>
+            <a:r>
+              <a:rPr lang="it">
+                <a:solidFill>
+                  <a:schemeClr val="lt1"/>
+                </a:solidFill>
+                <a:latin typeface="Proxima Nova"/>
+                <a:ea typeface="Proxima Nova"/>
+                <a:cs typeface="Proxima Nova"/>
+                <a:sym typeface="Proxima Nova"/>
+              </a:rPr>
+              <a:t>Spark</a:t>
+            </a:r>
+            <a:endParaRPr/>
+          </a:p>
+        </p:txBody>
+      </p:sp>
+      <p:cxnSp>
+        <p:nvCxnSpPr>
+          <p:cNvPr id="84" name="Google Shape;84;p16"/>
+          <p:cNvCxnSpPr>
+            <a:stCxn id="80" idx="3"/>
+            <a:endCxn id="81" idx="1"/>
+          </p:cNvCxnSpPr>
+          <p:nvPr/>
+        </p:nvCxnSpPr>
+        <p:spPr>
+          <a:xfrm>
+            <a:off x="2840675" y="2479500"/>
+            <a:ext cx="897600" cy="0"/>
+          </a:xfrm>
+          <a:prstGeom prst="straightConnector1">
+            <a:avLst/>
+          </a:prstGeom>
+          <a:noFill/>
+          <a:ln cap="flat" cmpd="sng" w="19050">
+            <a:solidFill>
+              <a:schemeClr val="accent3"/>
+            </a:solidFill>
+            <a:prstDash val="solid"/>
+            <a:round/>
+            <a:headEnd len="med" w="med" type="triangle"/>
+            <a:tailEnd len="med" w="med" type="none"/>
+          </a:ln>
+        </p:spPr>
+      </p:cxnSp>
+      <p:cxnSp>
+        <p:nvCxnSpPr>
+          <p:cNvPr id="85" name="Google Shape;85;p16"/>
+          <p:cNvCxnSpPr>
+            <a:stCxn id="81" idx="3"/>
+            <a:endCxn id="82" idx="1"/>
+          </p:cNvCxnSpPr>
+          <p:nvPr/>
+        </p:nvCxnSpPr>
+        <p:spPr>
+          <a:xfrm>
+            <a:off x="5405700" y="2479500"/>
+            <a:ext cx="897600" cy="0"/>
+          </a:xfrm>
+          <a:prstGeom prst="straightConnector1">
+            <a:avLst/>
+          </a:prstGeom>
+          <a:noFill/>
+          <a:ln cap="flat" cmpd="sng" w="19050">
+            <a:solidFill>
+              <a:schemeClr val="accent3"/>
+            </a:solidFill>
+            <a:prstDash val="solid"/>
+            <a:round/>
+            <a:headEnd len="med" w="med" type="none"/>
+            <a:tailEnd len="med" w="med" type="triangle"/>
+          </a:ln>
+        </p:spPr>
+      </p:cxnSp>
+      <p:cxnSp>
+        <p:nvCxnSpPr>
+          <p:cNvPr id="86" name="Google Shape;86;p16"/>
+          <p:cNvCxnSpPr>
+            <a:stCxn id="82" idx="2"/>
+            <a:endCxn id="83" idx="0"/>
+          </p:cNvCxnSpPr>
+          <p:nvPr/>
+        </p:nvCxnSpPr>
+        <p:spPr>
+          <a:xfrm>
+            <a:off x="7137025" y="2785100"/>
+            <a:ext cx="0" cy="691500"/>
+          </a:xfrm>
+          <a:prstGeom prst="straightConnector1">
+            <a:avLst/>
+          </a:prstGeom>
+          <a:noFill/>
+          <a:ln cap="flat" cmpd="sng" w="19050">
+            <a:solidFill>
+              <a:schemeClr val="accent3"/>
+            </a:solidFill>
+            <a:prstDash val="solid"/>
+            <a:round/>
+            <a:headEnd len="med" w="med" type="triangle"/>
+            <a:tailEnd len="med" w="med" type="none"/>
+          </a:ln>
+        </p:spPr>
+      </p:cxnSp>
+      <p:sp>
+        <p:nvSpPr>
+          <p:cNvPr id="87" name="Google Shape;87;p16"/>
+          <p:cNvSpPr txBox="1"/>
+          <p:nvPr/>
+        </p:nvSpPr>
+        <p:spPr>
+          <a:xfrm>
+            <a:off x="3009425" y="2248650"/>
+            <a:ext cx="643800" cy="323100"/>
+          </a:xfrm>
+          <a:prstGeom prst="rect">
+            <a:avLst/>
+          </a:prstGeom>
+          <a:noFill/>
+          <a:ln>
+            <a:noFill/>
+          </a:ln>
+        </p:spPr>
+        <p:txBody>
+          <a:bodyPr anchorCtr="0" anchor="ctr" bIns="91425" lIns="91425" spcFirstLastPara="1" rIns="91425" wrap="square" tIns="91425">
+            <a:noAutofit/>
+          </a:bodyPr>
+          <a:lstStyle/>
+          <a:p>
+            <a:pPr indent="0" lvl="0" marL="0" rtl="0" algn="ctr">
+              <a:spcBef>
+                <a:spcPts val="0"/>
+              </a:spcBef>
+              <a:spcAft>
+                <a:spcPts val="0"/>
+              </a:spcAft>
+              <a:buNone/>
+            </a:pPr>
+            <a:r>
+              <a:rPr b="1" lang="it" sz="900">
+                <a:solidFill>
+                  <a:schemeClr val="accent3"/>
+                </a:solidFill>
+                <a:latin typeface="Proxima Nova"/>
+                <a:ea typeface="Proxima Nova"/>
+                <a:cs typeface="Proxima Nova"/>
+                <a:sym typeface="Proxima Nova"/>
+              </a:rPr>
+              <a:t>READ</a:t>
+            </a:r>
+            <a:endParaRPr b="1" sz="900">
+              <a:solidFill>
+                <a:schemeClr val="accent3"/>
+              </a:solidFill>
+              <a:latin typeface="Proxima Nova"/>
+              <a:ea typeface="Proxima Nova"/>
+              <a:cs typeface="Proxima Nova"/>
+              <a:sym typeface="Proxima Nova"/>
+            </a:endParaRPr>
+          </a:p>
+        </p:txBody>
+      </p:sp>
+      <p:sp>
+        <p:nvSpPr>
+          <p:cNvPr id="88" name="Google Shape;88;p16"/>
+          <p:cNvSpPr txBox="1"/>
+          <p:nvPr/>
+        </p:nvSpPr>
+        <p:spPr>
+          <a:xfrm>
+            <a:off x="5532600" y="2248650"/>
+            <a:ext cx="643800" cy="323100"/>
+          </a:xfrm>
+          <a:prstGeom prst="rect">
+            <a:avLst/>
+          </a:prstGeom>
+          <a:noFill/>
+          <a:ln>
+            <a:noFill/>
+          </a:ln>
+        </p:spPr>
+        <p:txBody>
+          <a:bodyPr anchorCtr="0" anchor="ctr" bIns="91425" lIns="91425" spcFirstLastPara="1" rIns="91425" wrap="square" tIns="91425">
+            <a:noAutofit/>
+          </a:bodyPr>
+          <a:lstStyle/>
+          <a:p>
+            <a:pPr indent="0" lvl="0" marL="0" rtl="0" algn="ctr">
+              <a:spcBef>
+                <a:spcPts val="0"/>
+              </a:spcBef>
+              <a:spcAft>
+                <a:spcPts val="0"/>
+              </a:spcAft>
+              <a:buNone/>
+            </a:pPr>
+            <a:r>
+              <a:rPr b="1" lang="it" sz="900">
+                <a:solidFill>
+                  <a:schemeClr val="accent3"/>
+                </a:solidFill>
+                <a:latin typeface="Proxima Nova"/>
+                <a:ea typeface="Proxima Nova"/>
+                <a:cs typeface="Proxima Nova"/>
+                <a:sym typeface="Proxima Nova"/>
+              </a:rPr>
+              <a:t>WRITE</a:t>
+            </a:r>
+            <a:endParaRPr b="1" sz="900">
+              <a:solidFill>
+                <a:schemeClr val="accent3"/>
+              </a:solidFill>
+              <a:latin typeface="Proxima Nova"/>
+              <a:ea typeface="Proxima Nova"/>
+              <a:cs typeface="Proxima Nova"/>
+              <a:sym typeface="Proxima Nova"/>
+            </a:endParaRPr>
+          </a:p>
+        </p:txBody>
+      </p:sp>
+      <p:sp>
+        <p:nvSpPr>
+          <p:cNvPr id="89" name="Google Shape;89;p16"/>
+          <p:cNvSpPr txBox="1"/>
+          <p:nvPr/>
+        </p:nvSpPr>
+        <p:spPr>
+          <a:xfrm>
+            <a:off x="6989175" y="2969300"/>
+            <a:ext cx="643800" cy="323100"/>
+          </a:xfrm>
+          <a:prstGeom prst="rect">
+            <a:avLst/>
+          </a:prstGeom>
+          <a:noFill/>
+          <a:ln>
+            <a:noFill/>
+          </a:ln>
+        </p:spPr>
+        <p:txBody>
+          <a:bodyPr anchorCtr="0" anchor="ctr" bIns="91425" lIns="91425" spcFirstLastPara="1" rIns="91425" wrap="square" tIns="91425">
+            <a:noAutofit/>
+          </a:bodyPr>
+          <a:lstStyle/>
+          <a:p>
+            <a:pPr indent="0" lvl="0" marL="0" rtl="0" algn="ctr">
+              <a:spcBef>
+                <a:spcPts val="0"/>
+              </a:spcBef>
+              <a:spcAft>
+                <a:spcPts val="0"/>
+              </a:spcAft>
+              <a:buNone/>
+            </a:pPr>
+            <a:r>
+              <a:rPr b="1" lang="it" sz="900">
+                <a:solidFill>
+                  <a:schemeClr val="accent3"/>
+                </a:solidFill>
+                <a:latin typeface="Proxima Nova"/>
+                <a:ea typeface="Proxima Nova"/>
+                <a:cs typeface="Proxima Nova"/>
+                <a:sym typeface="Proxima Nova"/>
+              </a:rPr>
+              <a:t>READ</a:t>
+            </a:r>
+            <a:endParaRPr b="1" sz="900">
+              <a:solidFill>
+                <a:schemeClr val="accent3"/>
+              </a:solidFill>
+              <a:latin typeface="Proxima Nova"/>
+              <a:ea typeface="Proxima Nova"/>
+              <a:cs typeface="Proxima Nova"/>
+              <a:sym typeface="Proxima Nova"/>
+            </a:endParaRPr>
           </a:p>
         </p:txBody>
       </p:sp>
@@ -10740,7 +12841,7 @@
   <p:cSld>
     <p:spTree>
       <p:nvGrpSpPr>
-        <p:cNvPr id="84" name="Shape 84"/>
+        <p:cNvPr id="93" name="Shape 93"/>
         <p:cNvGrpSpPr/>
         <p:nvPr/>
       </p:nvGrpSpPr>
@@ -10754,29 +12855,25 @@
       </p:grpSpPr>
       <p:sp>
         <p:nvSpPr>
-          <p:cNvPr id="85" name="Google Shape;85;p17"/>
+          <p:cNvPr id="94" name="Google Shape;94;p17"/>
           <p:cNvSpPr/>
           <p:nvPr/>
         </p:nvSpPr>
         <p:spPr>
           <a:xfrm>
-            <a:off x="817450" y="694475"/>
-            <a:ext cx="1627800" cy="3067200"/>
-          </a:xfrm>
-          <a:prstGeom prst="rect">
-            <a:avLst/>
+            <a:off x="5946188" y="1567350"/>
+            <a:ext cx="2917500" cy="1638000"/>
+          </a:xfrm>
+          <a:prstGeom prst="roundRect">
+            <a:avLst>
+              <a:gd fmla="val 8207" name="adj"/>
+            </a:avLst>
           </a:prstGeom>
           <a:solidFill>
             <a:schemeClr val="lt2"/>
           </a:solidFill>
-          <a:ln cap="flat" cmpd="sng" w="9525">
-            <a:solidFill>
-              <a:schemeClr val="dk2"/>
-            </a:solidFill>
-            <a:prstDash val="solid"/>
-            <a:round/>
-            <a:headEnd len="sm" w="sm" type="none"/>
-            <a:tailEnd len="sm" w="sm" type="none"/>
+          <a:ln>
+            <a:noFill/>
           </a:ln>
         </p:spPr>
         <p:txBody>
@@ -10795,296 +12892,97 @@
               <a:buNone/>
             </a:pPr>
             <a:r>
-              <a:rPr i="1" lang="it" sz="1600"/>
-              <a:t>Source</a:t>
-            </a:r>
-            <a:endParaRPr i="1" sz="1600"/>
-          </a:p>
-          <a:p>
-            <a:pPr indent="0" lvl="0" marL="0" rtl="0" algn="ctr">
-              <a:spcBef>
-                <a:spcPts val="0"/>
-              </a:spcBef>
-              <a:spcAft>
-                <a:spcPts val="0"/>
-              </a:spcAft>
-              <a:buNone/>
-            </a:pPr>
-            <a:r>
-              <a:rPr lang="it" sz="800"/>
-              <a:t>LastFM API</a:t>
-            </a:r>
-            <a:endParaRPr sz="800"/>
-          </a:p>
-          <a:p>
-            <a:pPr indent="0" lvl="0" marL="0" rtl="0" algn="ctr">
-              <a:spcBef>
-                <a:spcPts val="0"/>
-              </a:spcBef>
-              <a:spcAft>
-                <a:spcPts val="0"/>
-              </a:spcAft>
-              <a:buNone/>
-            </a:pPr>
-            <a:r>
-              <a:rPr lang="it" sz="800"/>
-              <a:t>or</a:t>
-            </a:r>
-            <a:endParaRPr sz="800"/>
-          </a:p>
-          <a:p>
-            <a:pPr indent="0" lvl="0" marL="0" rtl="0" algn="ctr">
-              <a:spcBef>
-                <a:spcPts val="0"/>
-              </a:spcBef>
-              <a:spcAft>
-                <a:spcPts val="0"/>
-              </a:spcAft>
-              <a:buNone/>
-            </a:pPr>
-            <a:r>
-              <a:rPr lang="it" sz="800"/>
-              <a:t>PyLast</a:t>
-            </a:r>
-            <a:endParaRPr sz="800"/>
-          </a:p>
-          <a:p>
-            <a:pPr indent="0" lvl="0" marL="0" rtl="0" algn="ctr">
-              <a:spcBef>
-                <a:spcPts val="0"/>
-              </a:spcBef>
-              <a:spcAft>
-                <a:spcPts val="0"/>
-              </a:spcAft>
-              <a:buNone/>
-            </a:pPr>
-            <a:r>
               <a:t/>
             </a:r>
-            <a:endParaRPr sz="800"/>
-          </a:p>
-          <a:p>
-            <a:pPr indent="0" lvl="0" marL="0" rtl="0" algn="ctr">
-              <a:spcBef>
-                <a:spcPts val="0"/>
-              </a:spcBef>
-              <a:spcAft>
-                <a:spcPts val="0"/>
-              </a:spcAft>
-              <a:buNone/>
-            </a:pPr>
-            <a:r>
-              <a:t/>
-            </a:r>
-            <a:endParaRPr sz="800"/>
-          </a:p>
-          <a:p>
-            <a:pPr indent="0" lvl="0" marL="0" rtl="0" algn="ctr">
-              <a:spcBef>
-                <a:spcPts val="0"/>
-              </a:spcBef>
-              <a:spcAft>
-                <a:spcPts val="0"/>
-              </a:spcAft>
-              <a:buNone/>
-            </a:pPr>
-            <a:r>
-              <a:t/>
-            </a:r>
-            <a:endParaRPr sz="800"/>
-          </a:p>
-          <a:p>
-            <a:pPr indent="0" lvl="0" marL="0" rtl="0" algn="ctr">
-              <a:spcBef>
-                <a:spcPts val="0"/>
-              </a:spcBef>
-              <a:spcAft>
-                <a:spcPts val="0"/>
-              </a:spcAft>
-              <a:buNone/>
-            </a:pPr>
-            <a:r>
-              <a:rPr i="1" lang="it" sz="1300"/>
-              <a:t>__init__</a:t>
-            </a:r>
-            <a:endParaRPr i="1" sz="1300"/>
-          </a:p>
-          <a:p>
-            <a:pPr indent="0" lvl="0" marL="0" rtl="0" algn="ctr">
-              <a:spcBef>
-                <a:spcPts val="0"/>
-              </a:spcBef>
-              <a:spcAft>
-                <a:spcPts val="0"/>
-              </a:spcAft>
-              <a:buNone/>
-            </a:pPr>
-            <a:r>
-              <a:rPr i="1" lang="it" sz="800"/>
-              <a:t>Take: str fileType</a:t>
-            </a:r>
-            <a:endParaRPr i="1" sz="800"/>
-          </a:p>
-          <a:p>
-            <a:pPr indent="0" lvl="0" marL="0" rtl="0" algn="ctr">
-              <a:spcBef>
-                <a:spcPts val="0"/>
-              </a:spcBef>
-              <a:spcAft>
-                <a:spcPts val="0"/>
-              </a:spcAft>
-              <a:buNone/>
-            </a:pPr>
-            <a:r>
-              <a:t/>
-            </a:r>
-            <a:endParaRPr sz="800"/>
-          </a:p>
-          <a:p>
-            <a:pPr indent="0" lvl="0" marL="0" rtl="0" algn="ctr">
-              <a:spcBef>
-                <a:spcPts val="0"/>
-              </a:spcBef>
-              <a:spcAft>
-                <a:spcPts val="0"/>
-              </a:spcAft>
-              <a:buNone/>
-            </a:pPr>
-            <a:r>
-              <a:t/>
-            </a:r>
-            <a:endParaRPr sz="800"/>
-          </a:p>
-          <a:p>
-            <a:pPr indent="0" lvl="0" marL="0" rtl="0" algn="ctr">
-              <a:spcBef>
-                <a:spcPts val="0"/>
-              </a:spcBef>
-              <a:spcAft>
-                <a:spcPts val="0"/>
-              </a:spcAft>
-              <a:buNone/>
-            </a:pPr>
-            <a:r>
-              <a:t/>
-            </a:r>
-            <a:endParaRPr sz="800"/>
-          </a:p>
-          <a:p>
-            <a:pPr indent="0" lvl="0" marL="0" rtl="0" algn="ctr">
-              <a:spcBef>
-                <a:spcPts val="0"/>
-              </a:spcBef>
-              <a:spcAft>
-                <a:spcPts val="0"/>
-              </a:spcAft>
-              <a:buNone/>
-            </a:pPr>
-            <a:r>
-              <a:rPr i="1" lang="it" sz="1300"/>
-              <a:t>Get</a:t>
-            </a:r>
-            <a:endParaRPr sz="800">
-              <a:solidFill>
-                <a:schemeClr val="dk1"/>
-              </a:solidFill>
-            </a:endParaRPr>
-          </a:p>
-          <a:p>
-            <a:pPr indent="0" lvl="0" marL="0" rtl="0" algn="ctr">
-              <a:spcBef>
-                <a:spcPts val="0"/>
-              </a:spcBef>
-              <a:spcAft>
-                <a:spcPts val="0"/>
-              </a:spcAft>
-              <a:buNone/>
-            </a:pPr>
-            <a:r>
-              <a:rPr i="1" lang="it" sz="800">
-                <a:solidFill>
-                  <a:schemeClr val="dk1"/>
-                </a:solidFill>
-              </a:rPr>
-              <a:t>Take: str function</a:t>
-            </a:r>
-            <a:endParaRPr i="1" sz="800">
-              <a:solidFill>
-                <a:schemeClr val="dk1"/>
-              </a:solidFill>
-            </a:endParaRPr>
-          </a:p>
-          <a:p>
-            <a:pPr indent="0" lvl="0" marL="0" rtl="0" algn="ctr">
-              <a:spcBef>
-                <a:spcPts val="0"/>
-              </a:spcBef>
-              <a:spcAft>
-                <a:spcPts val="0"/>
-              </a:spcAft>
-              <a:buClr>
-                <a:schemeClr val="dk1"/>
-              </a:buClr>
-              <a:buSzPts val="1100"/>
-              <a:buFont typeface="Arial"/>
-              <a:buNone/>
-            </a:pPr>
-            <a:r>
-              <a:rPr i="1" lang="it" sz="800">
-                <a:solidFill>
-                  <a:schemeClr val="dk1"/>
-                </a:solidFill>
-              </a:rPr>
-              <a:t>Return: str path</a:t>
-            </a:r>
-            <a:endParaRPr i="1" sz="800">
-              <a:solidFill>
-                <a:schemeClr val="dk1"/>
-              </a:solidFill>
-            </a:endParaRPr>
-          </a:p>
-          <a:p>
-            <a:pPr indent="0" lvl="0" marL="0" rtl="0" algn="ctr">
-              <a:spcBef>
-                <a:spcPts val="0"/>
-              </a:spcBef>
-              <a:spcAft>
-                <a:spcPts val="0"/>
-              </a:spcAft>
-              <a:buNone/>
-            </a:pPr>
-            <a:r>
-              <a:t/>
-            </a:r>
-            <a:endParaRPr i="1" sz="1300"/>
+            <a:endParaRPr/>
           </a:p>
         </p:txBody>
       </p:sp>
       <p:sp>
         <p:nvSpPr>
-          <p:cNvPr id="86" name="Google Shape;86;p17"/>
+          <p:cNvPr id="95" name="Google Shape;95;p17"/>
+          <p:cNvSpPr txBox="1"/>
+          <p:nvPr>
+            <p:ph type="title"/>
+          </p:nvPr>
+        </p:nvSpPr>
+        <p:spPr>
+          <a:xfrm>
+            <a:off x="311700" y="445025"/>
+            <a:ext cx="8520600" cy="572700"/>
+          </a:xfrm>
+          <a:prstGeom prst="rect">
+            <a:avLst/>
+          </a:prstGeom>
+        </p:spPr>
+        <p:txBody>
+          <a:bodyPr anchorCtr="0" anchor="t" bIns="91425" lIns="91425" spcFirstLastPara="1" rIns="91425" wrap="square" tIns="91425">
+            <a:normAutofit fontScale="90000"/>
+          </a:bodyPr>
+          <a:lstStyle/>
+          <a:p>
+            <a:pPr indent="0" lvl="0" marL="0" rtl="0" algn="l">
+              <a:spcBef>
+                <a:spcPts val="0"/>
+              </a:spcBef>
+              <a:spcAft>
+                <a:spcPts val="0"/>
+              </a:spcAft>
+              <a:buNone/>
+            </a:pPr>
+            <a:r>
+              <a:rPr lang="it"/>
+              <a:t>About the Architecture</a:t>
+            </a:r>
+            <a:endParaRPr/>
+          </a:p>
+          <a:p>
+            <a:pPr indent="0" lvl="0" marL="0" rtl="0" algn="l">
+              <a:spcBef>
+                <a:spcPts val="0"/>
+              </a:spcBef>
+              <a:spcAft>
+                <a:spcPts val="0"/>
+              </a:spcAft>
+              <a:buNone/>
+            </a:pPr>
+            <a:r>
+              <a:rPr lang="it" sz="1888">
+                <a:solidFill>
+                  <a:schemeClr val="dk2"/>
+                </a:solidFill>
+                <a:latin typeface="Proxima Nova Semibold"/>
+                <a:ea typeface="Proxima Nova Semibold"/>
+                <a:cs typeface="Proxima Nova Semibold"/>
+                <a:sym typeface="Proxima Nova Semibold"/>
+              </a:rPr>
+              <a:t>SYSTEM VIEW</a:t>
+            </a:r>
+            <a:endParaRPr sz="1888"/>
+          </a:p>
+        </p:txBody>
+      </p:sp>
+      <p:sp>
+        <p:nvSpPr>
+          <p:cNvPr id="96" name="Google Shape;96;p17"/>
           <p:cNvSpPr/>
           <p:nvPr/>
         </p:nvSpPr>
         <p:spPr>
           <a:xfrm>
-            <a:off x="6243075" y="694475"/>
-            <a:ext cx="2330100" cy="2025600"/>
-          </a:xfrm>
-          <a:prstGeom prst="rect">
-            <a:avLst/>
+            <a:off x="280288" y="2080800"/>
+            <a:ext cx="1667400" cy="611100"/>
+          </a:xfrm>
+          <a:prstGeom prst="roundRect">
+            <a:avLst>
+              <a:gd fmla="val 8207" name="adj"/>
+            </a:avLst>
           </a:prstGeom>
           <a:solidFill>
-            <a:schemeClr val="lt2"/>
+            <a:schemeClr val="accent5"/>
           </a:solidFill>
-          <a:ln cap="flat" cmpd="sng" w="9525">
-            <a:solidFill>
-              <a:schemeClr val="dk2"/>
-            </a:solidFill>
-            <a:prstDash val="solid"/>
-            <a:round/>
-            <a:headEnd len="sm" w="sm" type="none"/>
-            <a:tailEnd len="sm" w="sm" type="none"/>
+          <a:ln>
+            <a:noFill/>
           </a:ln>
         </p:spPr>
         <p:txBody>
@@ -11103,177 +13001,42 @@
               <a:buNone/>
             </a:pPr>
             <a:r>
-              <a:rPr i="1" lang="it"/>
-              <a:t>DataLake</a:t>
-            </a:r>
-            <a:endParaRPr i="1"/>
-          </a:p>
-          <a:p>
-            <a:pPr indent="0" lvl="0" marL="0" rtl="0" algn="ctr">
-              <a:spcBef>
-                <a:spcPts val="0"/>
-              </a:spcBef>
-              <a:spcAft>
-                <a:spcPts val="0"/>
-              </a:spcAft>
-              <a:buNone/>
-            </a:pPr>
-            <a:r>
-              <a:rPr lang="it" sz="800"/>
-              <a:t>Google Cloud Storage</a:t>
-            </a:r>
-            <a:endParaRPr sz="800"/>
-          </a:p>
-          <a:p>
-            <a:pPr indent="0" lvl="0" marL="0" rtl="0" algn="ctr">
-              <a:spcBef>
-                <a:spcPts val="0"/>
-              </a:spcBef>
-              <a:spcAft>
-                <a:spcPts val="0"/>
-              </a:spcAft>
-              <a:buNone/>
-            </a:pPr>
-            <a:r>
-              <a:t/>
-            </a:r>
-            <a:endParaRPr sz="800"/>
-          </a:p>
-          <a:p>
-            <a:pPr indent="0" lvl="0" marL="0" rtl="0" algn="ctr">
-              <a:spcBef>
-                <a:spcPts val="0"/>
-              </a:spcBef>
-              <a:spcAft>
-                <a:spcPts val="0"/>
-              </a:spcAft>
-              <a:buNone/>
-            </a:pPr>
-            <a:r>
-              <a:t/>
-            </a:r>
-            <a:endParaRPr sz="800"/>
-          </a:p>
-          <a:p>
-            <a:pPr indent="0" lvl="0" marL="0" rtl="0" algn="ctr">
-              <a:spcBef>
-                <a:spcPts val="0"/>
-              </a:spcBef>
-              <a:spcAft>
-                <a:spcPts val="0"/>
-              </a:spcAft>
-              <a:buNone/>
-            </a:pPr>
-            <a:r>
-              <a:t/>
-            </a:r>
-            <a:endParaRPr sz="800"/>
-          </a:p>
-          <a:p>
-            <a:pPr indent="0" lvl="0" marL="0" rtl="0" algn="ctr">
-              <a:spcBef>
-                <a:spcPts val="0"/>
-              </a:spcBef>
-              <a:spcAft>
-                <a:spcPts val="0"/>
-              </a:spcAft>
-              <a:buClr>
-                <a:schemeClr val="dk1"/>
-              </a:buClr>
-              <a:buSzPts val="1100"/>
-              <a:buFont typeface="Arial"/>
-              <a:buNone/>
-            </a:pPr>
-            <a:r>
-              <a:rPr i="1" lang="it" sz="1300">
-                <a:solidFill>
-                  <a:schemeClr val="dk1"/>
-                </a:solidFill>
+              <a:rPr lang="it">
+                <a:solidFill>
+                  <a:schemeClr val="lt1"/>
+                </a:solidFill>
+                <a:latin typeface="Proxima Nova"/>
+                <a:ea typeface="Proxima Nova"/>
+                <a:cs typeface="Proxima Nova"/>
+                <a:sym typeface="Proxima Nova"/>
               </a:rPr>
-              <a:t>Write</a:t>
-            </a:r>
-            <a:endParaRPr i="1" sz="1300">
-              <a:solidFill>
-                <a:schemeClr val="dk1"/>
-              </a:solidFill>
-            </a:endParaRPr>
-          </a:p>
-          <a:p>
-            <a:pPr indent="0" lvl="0" marL="0" rtl="0" algn="ctr">
-              <a:spcBef>
-                <a:spcPts val="0"/>
-              </a:spcBef>
-              <a:spcAft>
-                <a:spcPts val="0"/>
-              </a:spcAft>
-              <a:buNone/>
-            </a:pPr>
-            <a:r>
-              <a:rPr i="1" lang="it" sz="800">
-                <a:solidFill>
-                  <a:schemeClr val="dk1"/>
-                </a:solidFill>
-              </a:rPr>
-              <a:t>Take: str path</a:t>
-            </a:r>
-            <a:endParaRPr i="1" sz="800">
-              <a:solidFill>
-                <a:schemeClr val="dk1"/>
-              </a:solidFill>
-            </a:endParaRPr>
-          </a:p>
-          <a:p>
-            <a:pPr indent="0" lvl="0" marL="0" rtl="0" algn="ctr">
-              <a:spcBef>
-                <a:spcPts val="0"/>
-              </a:spcBef>
-              <a:spcAft>
-                <a:spcPts val="0"/>
-              </a:spcAft>
-              <a:buClr>
-                <a:schemeClr val="dk1"/>
-              </a:buClr>
-              <a:buSzPts val="1100"/>
-              <a:buFont typeface="Arial"/>
-              <a:buNone/>
-            </a:pPr>
-            <a:r>
-              <a:rPr i="1" lang="it" sz="800">
-                <a:solidFill>
-                  <a:schemeClr val="dk1"/>
-                </a:solidFill>
-              </a:rPr>
-              <a:t>Return: Success or Failure</a:t>
-            </a:r>
-            <a:endParaRPr sz="800"/>
+              <a:t>LastFM</a:t>
+            </a:r>
+            <a:endParaRPr/>
           </a:p>
         </p:txBody>
       </p:sp>
       <p:sp>
         <p:nvSpPr>
-          <p:cNvPr id="87" name="Google Shape;87;p17"/>
+          <p:cNvPr id="97" name="Google Shape;97;p17"/>
           <p:cNvSpPr/>
           <p:nvPr/>
         </p:nvSpPr>
         <p:spPr>
           <a:xfrm>
-            <a:off x="3530263" y="694475"/>
-            <a:ext cx="1627800" cy="3067200"/>
-          </a:xfrm>
-          <a:prstGeom prst="rect">
-            <a:avLst/>
+            <a:off x="6181088" y="1791150"/>
+            <a:ext cx="2447700" cy="611100"/>
+          </a:xfrm>
+          <a:prstGeom prst="roundRect">
+            <a:avLst>
+              <a:gd fmla="val 8207" name="adj"/>
+            </a:avLst>
           </a:prstGeom>
           <a:solidFill>
-            <a:schemeClr val="lt2"/>
+            <a:schemeClr val="accent5"/>
           </a:solidFill>
-          <a:ln cap="flat" cmpd="sng" w="9525">
-            <a:solidFill>
-              <a:schemeClr val="dk2"/>
-            </a:solidFill>
-            <a:prstDash val="solid"/>
-            <a:round/>
-            <a:headEnd len="sm" w="sm" type="none"/>
-            <a:tailEnd len="sm" w="sm" type="none"/>
+          <a:ln>
+            <a:noFill/>
           </a:ln>
         </p:spPr>
         <p:txBody>
@@ -11292,26 +13055,61 @@
               <a:buNone/>
             </a:pPr>
             <a:r>
-              <a:rPr i="1" lang="it" sz="1600"/>
-              <a:t>Writer</a:t>
-            </a:r>
-            <a:endParaRPr i="1" sz="1600"/>
+              <a:rPr lang="it">
+                <a:solidFill>
+                  <a:schemeClr val="lt1"/>
+                </a:solidFill>
+                <a:latin typeface="Proxima Nova"/>
+                <a:ea typeface="Proxima Nova"/>
+                <a:cs typeface="Proxima Nova"/>
+                <a:sym typeface="Proxima Nova"/>
+              </a:rPr>
+              <a:t>Google </a:t>
+            </a:r>
+            <a:r>
+              <a:rPr lang="it">
+                <a:solidFill>
+                  <a:schemeClr val="lt1"/>
+                </a:solidFill>
+                <a:latin typeface="Proxima Nova"/>
+                <a:ea typeface="Proxima Nova"/>
+                <a:cs typeface="Proxima Nova"/>
+                <a:sym typeface="Proxima Nova"/>
+              </a:rPr>
+              <a:t>Cloud</a:t>
+            </a:r>
+            <a:endParaRPr/>
           </a:p>
-          <a:p>
-            <a:pPr indent="0" lvl="0" marL="0" rtl="0" algn="l">
-              <a:spcBef>
-                <a:spcPts val="0"/>
-              </a:spcBef>
-              <a:spcAft>
-                <a:spcPts val="0"/>
-              </a:spcAft>
-              <a:buNone/>
-            </a:pPr>
-            <a:r>
-              <a:t/>
-            </a:r>
-            <a:endParaRPr i="1" sz="800"/>
-          </a:p>
+        </p:txBody>
+      </p:sp>
+      <p:sp>
+        <p:nvSpPr>
+          <p:cNvPr id="98" name="Google Shape;98;p17"/>
+          <p:cNvSpPr/>
+          <p:nvPr/>
+        </p:nvSpPr>
+        <p:spPr>
+          <a:xfrm>
+            <a:off x="6465188" y="2567250"/>
+            <a:ext cx="1879500" cy="433800"/>
+          </a:xfrm>
+          <a:prstGeom prst="roundRect">
+            <a:avLst>
+              <a:gd fmla="val 8207" name="adj"/>
+            </a:avLst>
+          </a:prstGeom>
+          <a:solidFill>
+            <a:schemeClr val="dk1"/>
+          </a:solidFill>
+          <a:ln>
+            <a:noFill/>
+          </a:ln>
+        </p:spPr>
+        <p:txBody>
+          <a:bodyPr anchorCtr="0" anchor="ctr" bIns="91425" lIns="91425" spcFirstLastPara="1" rIns="91425" wrap="square" tIns="91425">
+            <a:noAutofit/>
+          </a:bodyPr>
+          <a:lstStyle/>
           <a:p>
             <a:pPr indent="0" lvl="0" marL="0" rtl="0" algn="ctr">
               <a:spcBef>
@@ -11323,10 +13121,49 @@
               <a:buNone/>
             </a:pPr>
             <a:r>
-              <a:t/>
-            </a:r>
-            <a:endParaRPr sz="800"/>
+              <a:rPr lang="it" sz="1200">
+                <a:solidFill>
+                  <a:schemeClr val="lt1"/>
+                </a:solidFill>
+                <a:latin typeface="Proxima Nova"/>
+                <a:ea typeface="Proxima Nova"/>
+                <a:cs typeface="Proxima Nova"/>
+                <a:sym typeface="Proxima Nova"/>
+              </a:rPr>
+              <a:t>Google Cloud Storage</a:t>
+            </a:r>
+            <a:endParaRPr sz="1200"/>
           </a:p>
+        </p:txBody>
+      </p:sp>
+      <p:sp>
+        <p:nvSpPr>
+          <p:cNvPr id="99" name="Google Shape;99;p17"/>
+          <p:cNvSpPr/>
+          <p:nvPr/>
+        </p:nvSpPr>
+        <p:spPr>
+          <a:xfrm>
+            <a:off x="2488200" y="1430100"/>
+            <a:ext cx="2917500" cy="1912500"/>
+          </a:xfrm>
+          <a:prstGeom prst="roundRect">
+            <a:avLst>
+              <a:gd fmla="val 8207" name="adj"/>
+            </a:avLst>
+          </a:prstGeom>
+          <a:solidFill>
+            <a:schemeClr val="lt2"/>
+          </a:solidFill>
+          <a:ln>
+            <a:noFill/>
+          </a:ln>
+        </p:spPr>
+        <p:txBody>
+          <a:bodyPr anchorCtr="0" anchor="ctr" bIns="91425" lIns="91425" spcFirstLastPara="1" rIns="91425" wrap="square" tIns="91425">
+            <a:noAutofit/>
+          </a:bodyPr>
+          <a:lstStyle/>
           <a:p>
             <a:pPr indent="0" lvl="0" marL="0" rtl="0" algn="ctr">
               <a:spcBef>
@@ -11340,8 +13177,38 @@
             <a:r>
               <a:t/>
             </a:r>
-            <a:endParaRPr sz="800"/>
+            <a:endParaRPr/>
           </a:p>
+        </p:txBody>
+      </p:sp>
+      <p:sp>
+        <p:nvSpPr>
+          <p:cNvPr id="100" name="Google Shape;100;p17"/>
+          <p:cNvSpPr/>
+          <p:nvPr/>
+        </p:nvSpPr>
+        <p:spPr>
+          <a:xfrm>
+            <a:off x="2723100" y="1653900"/>
+            <a:ext cx="2447700" cy="611100"/>
+          </a:xfrm>
+          <a:prstGeom prst="roundRect">
+            <a:avLst>
+              <a:gd fmla="val 8207" name="adj"/>
+            </a:avLst>
+          </a:prstGeom>
+          <a:solidFill>
+            <a:schemeClr val="accent5"/>
+          </a:solidFill>
+          <a:ln>
+            <a:noFill/>
+          </a:ln>
+        </p:spPr>
+        <p:txBody>
+          <a:bodyPr anchorCtr="0" anchor="ctr" bIns="91425" lIns="91425" spcFirstLastPara="1" rIns="91425" wrap="square" tIns="91425">
+            <a:noAutofit/>
+          </a:bodyPr>
+          <a:lstStyle/>
           <a:p>
             <a:pPr indent="0" lvl="0" marL="0" rtl="0" algn="ctr">
               <a:spcBef>
@@ -11353,10 +13220,49 @@
               <a:buNone/>
             </a:pPr>
             <a:r>
-              <a:t/>
-            </a:r>
-            <a:endParaRPr sz="800"/>
+              <a:rPr lang="it">
+                <a:solidFill>
+                  <a:schemeClr val="lt1"/>
+                </a:solidFill>
+                <a:latin typeface="Proxima Nova"/>
+                <a:ea typeface="Proxima Nova"/>
+                <a:cs typeface="Proxima Nova"/>
+                <a:sym typeface="Proxima Nova"/>
+              </a:rPr>
+              <a:t>Google Colaboratory</a:t>
+            </a:r>
+            <a:endParaRPr/>
           </a:p>
+        </p:txBody>
+      </p:sp>
+      <p:sp>
+        <p:nvSpPr>
+          <p:cNvPr id="101" name="Google Shape;101;p17"/>
+          <p:cNvSpPr/>
+          <p:nvPr/>
+        </p:nvSpPr>
+        <p:spPr>
+          <a:xfrm>
+            <a:off x="3007200" y="2416475"/>
+            <a:ext cx="1879500" cy="716100"/>
+          </a:xfrm>
+          <a:prstGeom prst="roundRect">
+            <a:avLst>
+              <a:gd fmla="val 8207" name="adj"/>
+            </a:avLst>
+          </a:prstGeom>
+          <a:solidFill>
+            <a:schemeClr val="dk1"/>
+          </a:solidFill>
+          <a:ln>
+            <a:noFill/>
+          </a:ln>
+        </p:spPr>
+        <p:txBody>
+          <a:bodyPr anchorCtr="0" anchor="ctr" bIns="91425" lIns="91425" spcFirstLastPara="1" rIns="91425" wrap="square" tIns="91425">
+            <a:noAutofit/>
+          </a:bodyPr>
+          <a:lstStyle/>
           <a:p>
             <a:pPr indent="0" lvl="0" marL="0" rtl="0" algn="ctr">
               <a:spcBef>
@@ -11368,33 +13274,49 @@
               <a:buNone/>
             </a:pPr>
             <a:r>
-              <a:rPr i="1" lang="it" sz="1300"/>
-              <a:t>__init__</a:t>
-            </a:r>
-            <a:endParaRPr i="1" sz="1300"/>
-          </a:p>
-          <a:p>
-            <a:pPr indent="0" lvl="0" marL="0" rtl="0" algn="ctr">
-              <a:spcBef>
-                <a:spcPts val="0"/>
-              </a:spcBef>
-              <a:spcAft>
-                <a:spcPts val="0"/>
-              </a:spcAft>
-              <a:buNone/>
-            </a:pPr>
-            <a:r>
-              <a:rPr i="1" lang="it" sz="800">
-                <a:solidFill>
-                  <a:schemeClr val="dk1"/>
-                </a:solidFill>
+              <a:rPr lang="it" sz="1200">
+                <a:solidFill>
+                  <a:schemeClr val="lt1"/>
+                </a:solidFill>
+                <a:latin typeface="Proxima Nova"/>
+                <a:ea typeface="Proxima Nova"/>
+                <a:cs typeface="Proxima Nova"/>
+                <a:sym typeface="Proxima Nova"/>
               </a:rPr>
-              <a:t>Take: Source, DataLake</a:t>
-            </a:r>
-            <a:endParaRPr i="1" sz="800">
+              <a:t>Intel Xeo</a:t>
+            </a:r>
+            <a:r>
+              <a:rPr lang="it" sz="1200">
+                <a:solidFill>
+                  <a:schemeClr val="lt1"/>
+                </a:solidFill>
+                <a:latin typeface="Proxima Nova"/>
+                <a:ea typeface="Proxima Nova"/>
+                <a:cs typeface="Proxima Nova"/>
+                <a:sym typeface="Proxima Nova"/>
+              </a:rPr>
+              <a:t>n</a:t>
+            </a:r>
+            <a:r>
+              <a:rPr lang="it" sz="1200">
+                <a:solidFill>
+                  <a:schemeClr val="lt1"/>
+                </a:solidFill>
+                <a:latin typeface="Proxima Nova"/>
+                <a:ea typeface="Proxima Nova"/>
+                <a:cs typeface="Proxima Nova"/>
+                <a:sym typeface="Proxima Nova"/>
+              </a:rPr>
+              <a:t> 2.20GHz</a:t>
+            </a:r>
+            <a:endParaRPr sz="1200">
               <a:solidFill>
-                <a:schemeClr val="dk1"/>
+                <a:schemeClr val="lt1"/>
               </a:solidFill>
+              <a:latin typeface="Proxima Nova"/>
+              <a:ea typeface="Proxima Nova"/>
+              <a:cs typeface="Proxima Nova"/>
+              <a:sym typeface="Proxima Nova"/>
             </a:endParaRPr>
           </a:p>
           <a:p>
@@ -11408,12 +13330,25 @@
               <a:buNone/>
             </a:pPr>
             <a:r>
-              <a:t/>
-            </a:r>
-            <a:endParaRPr i="1" sz="800">
+              <a:rPr lang="it" sz="1200">
+                <a:solidFill>
+                  <a:schemeClr val="lt1"/>
+                </a:solidFill>
+                <a:latin typeface="Proxima Nova"/>
+                <a:ea typeface="Proxima Nova"/>
+                <a:cs typeface="Proxima Nova"/>
+                <a:sym typeface="Proxima Nova"/>
+              </a:rPr>
+              <a:t>12GB RAM</a:t>
+            </a:r>
+            <a:endParaRPr sz="1200">
               <a:solidFill>
-                <a:schemeClr val="dk1"/>
+                <a:schemeClr val="lt1"/>
               </a:solidFill>
+              <a:latin typeface="Proxima Nova"/>
+              <a:ea typeface="Proxima Nova"/>
+              <a:cs typeface="Proxima Nova"/>
+              <a:sym typeface="Proxima Nova"/>
             </a:endParaRPr>
           </a:p>
           <a:p>
@@ -11427,107 +13362,199 @@
               <a:buNone/>
             </a:pPr>
             <a:r>
-              <a:t/>
-            </a:r>
-            <a:endParaRPr i="1" sz="800">
+              <a:rPr lang="it" sz="1200">
+                <a:solidFill>
+                  <a:schemeClr val="lt1"/>
+                </a:solidFill>
+                <a:latin typeface="Proxima Nova"/>
+                <a:ea typeface="Proxima Nova"/>
+                <a:cs typeface="Proxima Nova"/>
+                <a:sym typeface="Proxima Nova"/>
+              </a:rPr>
+              <a:t>60GB SSD</a:t>
+            </a:r>
+            <a:endParaRPr sz="1200">
               <a:solidFill>
-                <a:schemeClr val="dk1"/>
+                <a:schemeClr val="lt1"/>
               </a:solidFill>
-            </a:endParaRPr>
-          </a:p>
-          <a:p>
-            <a:pPr indent="0" lvl="0" marL="0" rtl="0" algn="ctr">
-              <a:spcBef>
-                <a:spcPts val="0"/>
-              </a:spcBef>
-              <a:spcAft>
-                <a:spcPts val="0"/>
-              </a:spcAft>
-              <a:buNone/>
-            </a:pPr>
-            <a:r>
-              <a:t/>
-            </a:r>
-            <a:endParaRPr i="1" sz="800">
-              <a:solidFill>
-                <a:schemeClr val="dk1"/>
-              </a:solidFill>
-            </a:endParaRPr>
-          </a:p>
-          <a:p>
-            <a:pPr indent="0" lvl="0" marL="0" rtl="0" algn="ctr">
-              <a:spcBef>
-                <a:spcPts val="0"/>
-              </a:spcBef>
-              <a:spcAft>
-                <a:spcPts val="0"/>
-              </a:spcAft>
-              <a:buNone/>
-            </a:pPr>
-            <a:r>
-              <a:rPr i="1" lang="it" sz="1300">
-                <a:solidFill>
-                  <a:schemeClr val="dk1"/>
-                </a:solidFill>
-              </a:rPr>
-              <a:t>Write</a:t>
-            </a:r>
-            <a:endParaRPr i="1" sz="1300">
-              <a:solidFill>
-                <a:schemeClr val="dk1"/>
-              </a:solidFill>
-            </a:endParaRPr>
-          </a:p>
-          <a:p>
-            <a:pPr indent="0" lvl="0" marL="0" rtl="0" algn="ctr">
-              <a:spcBef>
-                <a:spcPts val="0"/>
-              </a:spcBef>
-              <a:spcAft>
-                <a:spcPts val="0"/>
-              </a:spcAft>
-              <a:buNone/>
-            </a:pPr>
-            <a:r>
-              <a:rPr i="1" lang="it" sz="800">
-                <a:solidFill>
-                  <a:schemeClr val="dk1"/>
-                </a:solidFill>
-              </a:rPr>
-              <a:t>Return: Success or Failure</a:t>
-            </a:r>
-            <a:endParaRPr i="1" sz="800">
-              <a:solidFill>
-                <a:schemeClr val="dk1"/>
-              </a:solidFill>
-            </a:endParaRPr>
-          </a:p>
-          <a:p>
-            <a:pPr indent="0" lvl="0" marL="0" rtl="0" algn="ctr">
-              <a:spcBef>
-                <a:spcPts val="0"/>
-              </a:spcBef>
-              <a:spcAft>
-                <a:spcPts val="0"/>
-              </a:spcAft>
-              <a:buClr>
-                <a:schemeClr val="dk1"/>
-              </a:buClr>
-              <a:buSzPts val="1100"/>
-              <a:buFont typeface="Arial"/>
-              <a:buNone/>
-            </a:pPr>
-            <a:r>
-              <a:t/>
-            </a:r>
-            <a:endParaRPr i="1" sz="800">
-              <a:solidFill>
-                <a:schemeClr val="dk1"/>
-              </a:solidFill>
+              <a:latin typeface="Proxima Nova"/>
+              <a:ea typeface="Proxima Nova"/>
+              <a:cs typeface="Proxima Nova"/>
+              <a:sym typeface="Proxima Nova"/>
             </a:endParaRPr>
           </a:p>
         </p:txBody>
       </p:sp>
+      <p:sp>
+        <p:nvSpPr>
+          <p:cNvPr id="102" name="Google Shape;102;p17"/>
+          <p:cNvSpPr/>
+          <p:nvPr/>
+        </p:nvSpPr>
+        <p:spPr>
+          <a:xfrm>
+            <a:off x="3053250" y="4046300"/>
+            <a:ext cx="1787400" cy="611100"/>
+          </a:xfrm>
+          <a:prstGeom prst="roundRect">
+            <a:avLst>
+              <a:gd fmla="val 8207" name="adj"/>
+            </a:avLst>
+          </a:prstGeom>
+          <a:solidFill>
+            <a:schemeClr val="accent5"/>
+          </a:solidFill>
+          <a:ln>
+            <a:noFill/>
+          </a:ln>
+        </p:spPr>
+        <p:txBody>
+          <a:bodyPr anchorCtr="0" anchor="ctr" bIns="91425" lIns="91425" spcFirstLastPara="1" rIns="91425" wrap="square" tIns="91425">
+            <a:noAutofit/>
+          </a:bodyPr>
+          <a:lstStyle/>
+          <a:p>
+            <a:pPr indent="0" lvl="0" marL="0" rtl="0" algn="ctr">
+              <a:spcBef>
+                <a:spcPts val="0"/>
+              </a:spcBef>
+              <a:spcAft>
+                <a:spcPts val="0"/>
+              </a:spcAft>
+              <a:buNone/>
+            </a:pPr>
+            <a:r>
+              <a:rPr lang="it">
+                <a:solidFill>
+                  <a:schemeClr val="lt1"/>
+                </a:solidFill>
+                <a:latin typeface="Proxima Nova"/>
+                <a:ea typeface="Proxima Nova"/>
+                <a:cs typeface="Proxima Nova"/>
+                <a:sym typeface="Proxima Nova"/>
+              </a:rPr>
+              <a:t>Spark</a:t>
+            </a:r>
+            <a:endParaRPr/>
+          </a:p>
+        </p:txBody>
+      </p:sp>
+      <p:cxnSp>
+        <p:nvCxnSpPr>
+          <p:cNvPr id="103" name="Google Shape;103;p17"/>
+          <p:cNvCxnSpPr>
+            <a:stCxn id="99" idx="1"/>
+            <a:endCxn id="96" idx="3"/>
+          </p:cNvCxnSpPr>
+          <p:nvPr/>
+        </p:nvCxnSpPr>
+        <p:spPr>
+          <a:xfrm rot="10800000">
+            <a:off x="1947600" y="2386350"/>
+            <a:ext cx="540600" cy="0"/>
+          </a:xfrm>
+          <a:prstGeom prst="straightConnector1">
+            <a:avLst/>
+          </a:prstGeom>
+          <a:noFill/>
+          <a:ln cap="flat" cmpd="sng" w="19050">
+            <a:solidFill>
+              <a:schemeClr val="accent3"/>
+            </a:solidFill>
+            <a:prstDash val="solid"/>
+            <a:round/>
+            <a:headEnd len="med" w="med" type="none"/>
+            <a:tailEnd len="med" w="med" type="triangle"/>
+          </a:ln>
+        </p:spPr>
+      </p:cxnSp>
+      <p:cxnSp>
+        <p:nvCxnSpPr>
+          <p:cNvPr id="104" name="Google Shape;104;p17"/>
+          <p:cNvCxnSpPr>
+            <a:stCxn id="99" idx="2"/>
+            <a:endCxn id="102" idx="0"/>
+          </p:cNvCxnSpPr>
+          <p:nvPr/>
+        </p:nvCxnSpPr>
+        <p:spPr>
+          <a:xfrm>
+            <a:off x="3946950" y="3342600"/>
+            <a:ext cx="0" cy="703800"/>
+          </a:xfrm>
+          <a:prstGeom prst="straightConnector1">
+            <a:avLst/>
+          </a:prstGeom>
+          <a:noFill/>
+          <a:ln cap="flat" cmpd="sng" w="19050">
+            <a:solidFill>
+              <a:schemeClr val="accent3"/>
+            </a:solidFill>
+            <a:prstDash val="solid"/>
+            <a:round/>
+            <a:headEnd len="med" w="med" type="triangle"/>
+            <a:tailEnd len="med" w="med" type="triangle"/>
+          </a:ln>
+        </p:spPr>
+      </p:cxnSp>
+      <p:cxnSp>
+        <p:nvCxnSpPr>
+          <p:cNvPr id="105" name="Google Shape;105;p17"/>
+          <p:cNvCxnSpPr>
+            <a:stCxn id="99" idx="3"/>
+            <a:endCxn id="94" idx="1"/>
+          </p:cNvCxnSpPr>
+          <p:nvPr/>
+        </p:nvCxnSpPr>
+        <p:spPr>
+          <a:xfrm>
+            <a:off x="5405700" y="2386350"/>
+            <a:ext cx="540600" cy="0"/>
+          </a:xfrm>
+          <a:prstGeom prst="straightConnector1">
+            <a:avLst/>
+          </a:prstGeom>
+          <a:noFill/>
+          <a:ln cap="flat" cmpd="sng" w="19050">
+            <a:solidFill>
+              <a:schemeClr val="accent3"/>
+            </a:solidFill>
+            <a:prstDash val="solid"/>
+            <a:round/>
+            <a:headEnd len="med" w="med" type="triangle"/>
+            <a:tailEnd len="med" w="med" type="triangle"/>
+          </a:ln>
+        </p:spPr>
+      </p:cxnSp>
+      <p:cxnSp>
+        <p:nvCxnSpPr>
+          <p:cNvPr id="106" name="Google Shape;106;p17"/>
+          <p:cNvCxnSpPr>
+            <a:stCxn id="102" idx="3"/>
+            <a:endCxn id="94" idx="2"/>
+          </p:cNvCxnSpPr>
+          <p:nvPr/>
+        </p:nvCxnSpPr>
+        <p:spPr>
+          <a:xfrm flipH="1" rot="10800000">
+            <a:off x="4840650" y="3205250"/>
+            <a:ext cx="2564400" cy="1146600"/>
+          </a:xfrm>
+          <a:prstGeom prst="bentConnector2">
+            <a:avLst/>
+          </a:prstGeom>
+          <a:noFill/>
+          <a:ln cap="flat" cmpd="sng" w="19050">
+            <a:solidFill>
+              <a:schemeClr val="accent3"/>
+            </a:solidFill>
+            <a:prstDash val="solid"/>
+            <a:round/>
+            <a:headEnd len="med" w="med" type="none"/>
+            <a:tailEnd len="med" w="med" type="triangle"/>
+          </a:ln>
+        </p:spPr>
+      </p:cxnSp>
     </p:spTree>
   </p:cSld>
   <p:clrMapOvr>
@@ -11541,7 +13568,7 @@
   <p:cSld>
     <p:spTree>
       <p:nvGrpSpPr>
-        <p:cNvPr id="91" name="Shape 91"/>
+        <p:cNvPr id="110" name="Shape 110"/>
         <p:cNvGrpSpPr/>
         <p:nvPr/>
       </p:nvGrpSpPr>
@@ -11555,7 +13582,7 @@
       </p:grpSpPr>
       <p:sp>
         <p:nvSpPr>
-          <p:cNvPr id="92" name="Google Shape;92;p18"/>
+          <p:cNvPr id="111" name="Google Shape;111;p18"/>
           <p:cNvSpPr txBox="1"/>
           <p:nvPr>
             <p:ph type="title"/>
@@ -11587,90 +13614,1272 @@
             </a:pPr>
             <a:r>
               <a:rPr lang="it"/>
-              <a:t>About the APIs</a:t>
+              <a:t>About the Architecture</a:t>
             </a:r>
             <a:endParaRPr/>
+          </a:p>
+          <a:p>
+            <a:pPr indent="0" lvl="0" marL="0" rtl="0" algn="l">
+              <a:spcBef>
+                <a:spcPts val="0"/>
+              </a:spcBef>
+              <a:spcAft>
+                <a:spcPts val="0"/>
+              </a:spcAft>
+              <a:buNone/>
+            </a:pPr>
+            <a:r>
+              <a:rPr lang="it" sz="1888">
+                <a:solidFill>
+                  <a:schemeClr val="dk2"/>
+                </a:solidFill>
+                <a:latin typeface="Proxima Nova Semibold"/>
+                <a:ea typeface="Proxima Nova Semibold"/>
+                <a:cs typeface="Proxima Nova Semibold"/>
+                <a:sym typeface="Proxima Nova Semibold"/>
+              </a:rPr>
+              <a:t>DATA VIEW</a:t>
+            </a:r>
+            <a:endParaRPr sz="1888"/>
           </a:p>
         </p:txBody>
       </p:sp>
       <p:sp>
         <p:nvSpPr>
-          <p:cNvPr id="93" name="Google Shape;93;p18"/>
-          <p:cNvSpPr txBox="1"/>
-          <p:nvPr>
-            <p:ph idx="1" type="body"/>
-          </p:nvPr>
+          <p:cNvPr id="112" name="Google Shape;112;p18"/>
+          <p:cNvSpPr/>
+          <p:nvPr/>
         </p:nvSpPr>
         <p:spPr>
           <a:xfrm>
-            <a:off x="311700" y="1152475"/>
-            <a:ext cx="3999900" cy="3416400"/>
-          </a:xfrm>
-          <a:prstGeom prst="rect">
-            <a:avLst/>
-          </a:prstGeom>
+            <a:off x="2614138" y="1410900"/>
+            <a:ext cx="1667400" cy="981900"/>
+          </a:xfrm>
+          <a:prstGeom prst="roundRect">
+            <a:avLst>
+              <a:gd fmla="val 8207" name="adj"/>
+            </a:avLst>
+          </a:prstGeom>
+          <a:solidFill>
+            <a:schemeClr val="accent5"/>
+          </a:solidFill>
+          <a:ln>
+            <a:noFill/>
+          </a:ln>
         </p:spPr>
         <p:txBody>
           <a:bodyPr anchorCtr="0" anchor="t" bIns="91425" lIns="91425" spcFirstLastPara="1" rIns="91425" wrap="square" tIns="91425">
-            <a:normAutofit/>
+            <a:noAutofit/>
           </a:bodyPr>
           <a:lstStyle/>
           <a:p>
-            <a:pPr indent="0" lvl="0" marL="0" rtl="0" algn="l">
-              <a:spcBef>
-                <a:spcPts val="0"/>
-              </a:spcBef>
-              <a:spcAft>
-                <a:spcPts val="1200"/>
+            <a:pPr indent="0" lvl="0" marL="0" rtl="0" algn="ctr">
+              <a:spcBef>
+                <a:spcPts val="0"/>
+              </a:spcBef>
+              <a:spcAft>
+                <a:spcPts val="0"/>
               </a:spcAft>
               <a:buNone/>
             </a:pPr>
             <a:r>
-              <a:t/>
-            </a:r>
-            <a:endParaRPr/>
+              <a:rPr lang="it">
+                <a:solidFill>
+                  <a:schemeClr val="lt1"/>
+                </a:solidFill>
+                <a:latin typeface="Proxima Nova"/>
+                <a:ea typeface="Proxima Nova"/>
+                <a:cs typeface="Proxima Nova"/>
+                <a:sym typeface="Proxima Nova"/>
+              </a:rPr>
+              <a:t>PyLastSource</a:t>
+            </a:r>
+            <a:endParaRPr>
+              <a:solidFill>
+                <a:schemeClr val="lt1"/>
+              </a:solidFill>
+              <a:latin typeface="Proxima Nova"/>
+              <a:ea typeface="Proxima Nova"/>
+              <a:cs typeface="Proxima Nova"/>
+              <a:sym typeface="Proxima Nova"/>
+            </a:endParaRPr>
+          </a:p>
+          <a:p>
+            <a:pPr indent="0" lvl="0" marL="0" rtl="0" algn="ctr">
+              <a:spcBef>
+                <a:spcPts val="0"/>
+              </a:spcBef>
+              <a:spcAft>
+                <a:spcPts val="0"/>
+              </a:spcAft>
+              <a:buNone/>
+            </a:pPr>
+            <a:r>
+              <a:rPr b="1" i="1" lang="it">
+                <a:solidFill>
+                  <a:schemeClr val="lt1"/>
+                </a:solidFill>
+                <a:latin typeface="Proxima Nova"/>
+                <a:ea typeface="Proxima Nova"/>
+                <a:cs typeface="Proxima Nova"/>
+                <a:sym typeface="Proxima Nova"/>
+              </a:rPr>
+              <a:t>Source</a:t>
+            </a:r>
+            <a:endParaRPr b="1" i="1">
+              <a:solidFill>
+                <a:schemeClr val="lt1"/>
+              </a:solidFill>
+              <a:latin typeface="Proxima Nova"/>
+              <a:ea typeface="Proxima Nova"/>
+              <a:cs typeface="Proxima Nova"/>
+              <a:sym typeface="Proxima Nova"/>
+            </a:endParaRPr>
           </a:p>
         </p:txBody>
       </p:sp>
       <p:sp>
         <p:nvSpPr>
-          <p:cNvPr id="94" name="Google Shape;94;p18"/>
-          <p:cNvSpPr txBox="1"/>
-          <p:nvPr>
-            <p:ph idx="2" type="body"/>
-          </p:nvPr>
+          <p:cNvPr id="113" name="Google Shape;113;p18"/>
+          <p:cNvSpPr/>
+          <p:nvPr/>
         </p:nvSpPr>
         <p:spPr>
           <a:xfrm>
-            <a:off x="4832400" y="1152475"/>
-            <a:ext cx="3999900" cy="3416400"/>
-          </a:xfrm>
-          <a:prstGeom prst="rect">
-            <a:avLst/>
-          </a:prstGeom>
+            <a:off x="3619688" y="1989600"/>
+            <a:ext cx="804900" cy="311100"/>
+          </a:xfrm>
+          <a:prstGeom prst="roundRect">
+            <a:avLst>
+              <a:gd fmla="val 8207" name="adj"/>
+            </a:avLst>
+          </a:prstGeom>
+          <a:solidFill>
+            <a:schemeClr val="dk1"/>
+          </a:solidFill>
+          <a:ln>
+            <a:noFill/>
+          </a:ln>
         </p:spPr>
         <p:txBody>
-          <a:bodyPr anchorCtr="0" anchor="t" bIns="91425" lIns="91425" spcFirstLastPara="1" rIns="91425" wrap="square" tIns="91425">
-            <a:normAutofit/>
+          <a:bodyPr anchorCtr="0" anchor="ctr" bIns="91425" lIns="91425" spcFirstLastPara="1" rIns="91425" wrap="square" tIns="91425">
+            <a:noAutofit/>
           </a:bodyPr>
           <a:lstStyle/>
           <a:p>
-            <a:pPr indent="0" lvl="0" marL="0" rtl="0" algn="l">
-              <a:spcBef>
-                <a:spcPts val="0"/>
-              </a:spcBef>
-              <a:spcAft>
-                <a:spcPts val="1200"/>
+            <a:pPr indent="0" lvl="0" marL="0" rtl="0" algn="ctr">
+              <a:spcBef>
+                <a:spcPts val="0"/>
+              </a:spcBef>
+              <a:spcAft>
+                <a:spcPts val="0"/>
               </a:spcAft>
               <a:buNone/>
             </a:pPr>
             <a:r>
-              <a:t/>
-            </a:r>
-            <a:endParaRPr/>
+              <a:rPr lang="it" sz="1200">
+                <a:solidFill>
+                  <a:schemeClr val="lt1"/>
+                </a:solidFill>
+                <a:latin typeface="Proxima Nova"/>
+                <a:ea typeface="Proxima Nova"/>
+                <a:cs typeface="Proxima Nova"/>
+                <a:sym typeface="Proxima Nova"/>
+              </a:rPr>
+              <a:t>get()</a:t>
+            </a:r>
+            <a:endParaRPr sz="1200">
+              <a:solidFill>
+                <a:schemeClr val="lt1"/>
+              </a:solidFill>
+              <a:latin typeface="Proxima Nova"/>
+              <a:ea typeface="Proxima Nova"/>
+              <a:cs typeface="Proxima Nova"/>
+              <a:sym typeface="Proxima Nova"/>
+            </a:endParaRPr>
           </a:p>
         </p:txBody>
       </p:sp>
+      <p:sp>
+        <p:nvSpPr>
+          <p:cNvPr id="114" name="Google Shape;114;p18"/>
+          <p:cNvSpPr/>
+          <p:nvPr/>
+        </p:nvSpPr>
+        <p:spPr>
+          <a:xfrm>
+            <a:off x="2424838" y="2638300"/>
+            <a:ext cx="1989600" cy="1786800"/>
+          </a:xfrm>
+          <a:prstGeom prst="roundRect">
+            <a:avLst>
+              <a:gd fmla="val 8207" name="adj"/>
+            </a:avLst>
+          </a:prstGeom>
+          <a:solidFill>
+            <a:schemeClr val="accent5"/>
+          </a:solidFill>
+          <a:ln>
+            <a:noFill/>
+          </a:ln>
+        </p:spPr>
+        <p:txBody>
+          <a:bodyPr anchorCtr="0" anchor="t" bIns="91425" lIns="91425" spcFirstLastPara="1" rIns="91425" wrap="square" tIns="91425">
+            <a:noAutofit/>
+          </a:bodyPr>
+          <a:lstStyle/>
+          <a:p>
+            <a:pPr indent="0" lvl="0" marL="0" rtl="0" algn="ctr">
+              <a:spcBef>
+                <a:spcPts val="0"/>
+              </a:spcBef>
+              <a:spcAft>
+                <a:spcPts val="0"/>
+              </a:spcAft>
+              <a:buNone/>
+            </a:pPr>
+            <a:r>
+              <a:rPr lang="it">
+                <a:solidFill>
+                  <a:schemeClr val="lt1"/>
+                </a:solidFill>
+                <a:latin typeface="Proxima Nova"/>
+                <a:ea typeface="Proxima Nova"/>
+                <a:cs typeface="Proxima Nova"/>
+                <a:sym typeface="Proxima Nova"/>
+              </a:rPr>
+              <a:t>GoogleStorageJson</a:t>
+            </a:r>
+            <a:endParaRPr>
+              <a:solidFill>
+                <a:schemeClr val="lt1"/>
+              </a:solidFill>
+              <a:latin typeface="Proxima Nova"/>
+              <a:ea typeface="Proxima Nova"/>
+              <a:cs typeface="Proxima Nova"/>
+              <a:sym typeface="Proxima Nova"/>
+            </a:endParaRPr>
+          </a:p>
+          <a:p>
+            <a:pPr indent="0" lvl="0" marL="0" rtl="0" algn="ctr">
+              <a:spcBef>
+                <a:spcPts val="0"/>
+              </a:spcBef>
+              <a:spcAft>
+                <a:spcPts val="0"/>
+              </a:spcAft>
+              <a:buNone/>
+            </a:pPr>
+            <a:r>
+              <a:rPr b="1" i="1" lang="it">
+                <a:solidFill>
+                  <a:schemeClr val="lt1"/>
+                </a:solidFill>
+                <a:latin typeface="Proxima Nova"/>
+                <a:ea typeface="Proxima Nova"/>
+                <a:cs typeface="Proxima Nova"/>
+                <a:sym typeface="Proxima Nova"/>
+              </a:rPr>
+              <a:t>DataLake</a:t>
+            </a:r>
+            <a:endParaRPr b="1" i="1">
+              <a:solidFill>
+                <a:schemeClr val="lt1"/>
+              </a:solidFill>
+              <a:latin typeface="Proxima Nova"/>
+              <a:ea typeface="Proxima Nova"/>
+              <a:cs typeface="Proxima Nova"/>
+              <a:sym typeface="Proxima Nova"/>
+            </a:endParaRPr>
+          </a:p>
+        </p:txBody>
+      </p:sp>
+      <p:sp>
+        <p:nvSpPr>
+          <p:cNvPr id="115" name="Google Shape;115;p18"/>
+          <p:cNvSpPr/>
+          <p:nvPr/>
+        </p:nvSpPr>
+        <p:spPr>
+          <a:xfrm>
+            <a:off x="3745513" y="3311050"/>
+            <a:ext cx="804900" cy="311100"/>
+          </a:xfrm>
+          <a:prstGeom prst="roundRect">
+            <a:avLst>
+              <a:gd fmla="val 8207" name="adj"/>
+            </a:avLst>
+          </a:prstGeom>
+          <a:solidFill>
+            <a:schemeClr val="dk1"/>
+          </a:solidFill>
+          <a:ln>
+            <a:noFill/>
+          </a:ln>
+        </p:spPr>
+        <p:txBody>
+          <a:bodyPr anchorCtr="0" anchor="ctr" bIns="91425" lIns="91425" spcFirstLastPara="1" rIns="91425" wrap="square" tIns="91425">
+            <a:noAutofit/>
+          </a:bodyPr>
+          <a:lstStyle/>
+          <a:p>
+            <a:pPr indent="0" lvl="0" marL="0" rtl="0" algn="ctr">
+              <a:spcBef>
+                <a:spcPts val="0"/>
+              </a:spcBef>
+              <a:spcAft>
+                <a:spcPts val="0"/>
+              </a:spcAft>
+              <a:buNone/>
+            </a:pPr>
+            <a:r>
+              <a:rPr lang="it" sz="1200">
+                <a:solidFill>
+                  <a:schemeClr val="lt1"/>
+                </a:solidFill>
+                <a:latin typeface="Proxima Nova"/>
+                <a:ea typeface="Proxima Nova"/>
+                <a:cs typeface="Proxima Nova"/>
+                <a:sym typeface="Proxima Nova"/>
+              </a:rPr>
+              <a:t>write</a:t>
+            </a:r>
+            <a:r>
+              <a:rPr lang="it" sz="1200">
+                <a:solidFill>
+                  <a:schemeClr val="lt1"/>
+                </a:solidFill>
+                <a:latin typeface="Proxima Nova"/>
+                <a:ea typeface="Proxima Nova"/>
+                <a:cs typeface="Proxima Nova"/>
+                <a:sym typeface="Proxima Nova"/>
+              </a:rPr>
+              <a:t>()</a:t>
+            </a:r>
+            <a:endParaRPr sz="1200">
+              <a:solidFill>
+                <a:schemeClr val="lt1"/>
+              </a:solidFill>
+              <a:latin typeface="Proxima Nova"/>
+              <a:ea typeface="Proxima Nova"/>
+              <a:cs typeface="Proxima Nova"/>
+              <a:sym typeface="Proxima Nova"/>
+            </a:endParaRPr>
+          </a:p>
+        </p:txBody>
+      </p:sp>
+      <p:sp>
+        <p:nvSpPr>
+          <p:cNvPr id="116" name="Google Shape;116;p18"/>
+          <p:cNvSpPr/>
+          <p:nvPr/>
+        </p:nvSpPr>
+        <p:spPr>
+          <a:xfrm>
+            <a:off x="3745513" y="3666000"/>
+            <a:ext cx="804900" cy="311100"/>
+          </a:xfrm>
+          <a:prstGeom prst="roundRect">
+            <a:avLst>
+              <a:gd fmla="val 8207" name="adj"/>
+            </a:avLst>
+          </a:prstGeom>
+          <a:solidFill>
+            <a:schemeClr val="dk1"/>
+          </a:solidFill>
+          <a:ln>
+            <a:noFill/>
+          </a:ln>
+        </p:spPr>
+        <p:txBody>
+          <a:bodyPr anchorCtr="0" anchor="ctr" bIns="91425" lIns="91425" spcFirstLastPara="1" rIns="91425" wrap="square" tIns="91425">
+            <a:noAutofit/>
+          </a:bodyPr>
+          <a:lstStyle/>
+          <a:p>
+            <a:pPr indent="0" lvl="0" marL="0" rtl="0" algn="ctr">
+              <a:spcBef>
+                <a:spcPts val="0"/>
+              </a:spcBef>
+              <a:spcAft>
+                <a:spcPts val="0"/>
+              </a:spcAft>
+              <a:buNone/>
+            </a:pPr>
+            <a:r>
+              <a:rPr lang="it" sz="1200">
+                <a:solidFill>
+                  <a:schemeClr val="lt1"/>
+                </a:solidFill>
+                <a:latin typeface="Proxima Nova"/>
+                <a:ea typeface="Proxima Nova"/>
+                <a:cs typeface="Proxima Nova"/>
+                <a:sym typeface="Proxima Nova"/>
+              </a:rPr>
+              <a:t>read</a:t>
+            </a:r>
+            <a:r>
+              <a:rPr lang="it" sz="1200">
+                <a:solidFill>
+                  <a:schemeClr val="lt1"/>
+                </a:solidFill>
+                <a:latin typeface="Proxima Nova"/>
+                <a:ea typeface="Proxima Nova"/>
+                <a:cs typeface="Proxima Nova"/>
+                <a:sym typeface="Proxima Nova"/>
+              </a:rPr>
+              <a:t>()</a:t>
+            </a:r>
+            <a:endParaRPr sz="1200">
+              <a:solidFill>
+                <a:schemeClr val="lt1"/>
+              </a:solidFill>
+              <a:latin typeface="Proxima Nova"/>
+              <a:ea typeface="Proxima Nova"/>
+              <a:cs typeface="Proxima Nova"/>
+              <a:sym typeface="Proxima Nova"/>
+            </a:endParaRPr>
+          </a:p>
+        </p:txBody>
+      </p:sp>
+      <p:sp>
+        <p:nvSpPr>
+          <p:cNvPr id="117" name="Google Shape;117;p18"/>
+          <p:cNvSpPr/>
+          <p:nvPr/>
+        </p:nvSpPr>
+        <p:spPr>
+          <a:xfrm>
+            <a:off x="3745513" y="4020950"/>
+            <a:ext cx="804900" cy="311100"/>
+          </a:xfrm>
+          <a:prstGeom prst="roundRect">
+            <a:avLst>
+              <a:gd fmla="val 8207" name="adj"/>
+            </a:avLst>
+          </a:prstGeom>
+          <a:solidFill>
+            <a:schemeClr val="dk1"/>
+          </a:solidFill>
+          <a:ln>
+            <a:noFill/>
+          </a:ln>
+        </p:spPr>
+        <p:txBody>
+          <a:bodyPr anchorCtr="0" anchor="ctr" bIns="91425" lIns="91425" spcFirstLastPara="1" rIns="91425" wrap="square" tIns="91425">
+            <a:noAutofit/>
+          </a:bodyPr>
+          <a:lstStyle/>
+          <a:p>
+            <a:pPr indent="0" lvl="0" marL="0" rtl="0" algn="ctr">
+              <a:spcBef>
+                <a:spcPts val="0"/>
+              </a:spcBef>
+              <a:spcAft>
+                <a:spcPts val="0"/>
+              </a:spcAft>
+              <a:buNone/>
+            </a:pPr>
+            <a:r>
+              <a:rPr lang="it" sz="1200">
+                <a:solidFill>
+                  <a:schemeClr val="lt1"/>
+                </a:solidFill>
+                <a:latin typeface="Proxima Nova"/>
+                <a:ea typeface="Proxima Nova"/>
+                <a:cs typeface="Proxima Nova"/>
+                <a:sym typeface="Proxima Nova"/>
+              </a:rPr>
+              <a:t>delete</a:t>
+            </a:r>
+            <a:r>
+              <a:rPr lang="it" sz="1200">
+                <a:solidFill>
+                  <a:schemeClr val="lt1"/>
+                </a:solidFill>
+                <a:latin typeface="Proxima Nova"/>
+                <a:ea typeface="Proxima Nova"/>
+                <a:cs typeface="Proxima Nova"/>
+                <a:sym typeface="Proxima Nova"/>
+              </a:rPr>
+              <a:t>()</a:t>
+            </a:r>
+            <a:endParaRPr sz="1200">
+              <a:solidFill>
+                <a:schemeClr val="lt1"/>
+              </a:solidFill>
+              <a:latin typeface="Proxima Nova"/>
+              <a:ea typeface="Proxima Nova"/>
+              <a:cs typeface="Proxima Nova"/>
+              <a:sym typeface="Proxima Nova"/>
+            </a:endParaRPr>
+          </a:p>
+        </p:txBody>
+      </p:sp>
+      <p:sp>
+        <p:nvSpPr>
+          <p:cNvPr id="118" name="Google Shape;118;p18"/>
+          <p:cNvSpPr/>
+          <p:nvPr/>
+        </p:nvSpPr>
+        <p:spPr>
+          <a:xfrm>
+            <a:off x="5485013" y="2005325"/>
+            <a:ext cx="1667400" cy="981900"/>
+          </a:xfrm>
+          <a:prstGeom prst="roundRect">
+            <a:avLst>
+              <a:gd fmla="val 8207" name="adj"/>
+            </a:avLst>
+          </a:prstGeom>
+          <a:solidFill>
+            <a:schemeClr val="accent5"/>
+          </a:solidFill>
+          <a:ln>
+            <a:noFill/>
+          </a:ln>
+        </p:spPr>
+        <p:txBody>
+          <a:bodyPr anchorCtr="0" anchor="t" bIns="91425" lIns="91425" spcFirstLastPara="1" rIns="91425" wrap="square" tIns="91425">
+            <a:noAutofit/>
+          </a:bodyPr>
+          <a:lstStyle/>
+          <a:p>
+            <a:pPr indent="0" lvl="0" marL="0" rtl="0" algn="ctr">
+              <a:spcBef>
+                <a:spcPts val="0"/>
+              </a:spcBef>
+              <a:spcAft>
+                <a:spcPts val="0"/>
+              </a:spcAft>
+              <a:buNone/>
+            </a:pPr>
+            <a:r>
+              <a:rPr lang="it">
+                <a:solidFill>
+                  <a:schemeClr val="lt1"/>
+                </a:solidFill>
+                <a:latin typeface="Proxima Nova"/>
+                <a:ea typeface="Proxima Nova"/>
+                <a:cs typeface="Proxima Nova"/>
+                <a:sym typeface="Proxima Nova"/>
+              </a:rPr>
+              <a:t>BatchWriter</a:t>
+            </a:r>
+            <a:endParaRPr>
+              <a:solidFill>
+                <a:schemeClr val="lt1"/>
+              </a:solidFill>
+              <a:latin typeface="Proxima Nova"/>
+              <a:ea typeface="Proxima Nova"/>
+              <a:cs typeface="Proxima Nova"/>
+              <a:sym typeface="Proxima Nova"/>
+            </a:endParaRPr>
+          </a:p>
+          <a:p>
+            <a:pPr indent="0" lvl="0" marL="0" rtl="0" algn="ctr">
+              <a:spcBef>
+                <a:spcPts val="0"/>
+              </a:spcBef>
+              <a:spcAft>
+                <a:spcPts val="0"/>
+              </a:spcAft>
+              <a:buNone/>
+            </a:pPr>
+            <a:r>
+              <a:rPr b="1" i="1" lang="it">
+                <a:solidFill>
+                  <a:schemeClr val="lt1"/>
+                </a:solidFill>
+                <a:latin typeface="Proxima Nova"/>
+                <a:ea typeface="Proxima Nova"/>
+                <a:cs typeface="Proxima Nova"/>
+                <a:sym typeface="Proxima Nova"/>
+              </a:rPr>
+              <a:t>Writer</a:t>
+            </a:r>
+            <a:endParaRPr b="1" i="1">
+              <a:solidFill>
+                <a:schemeClr val="lt1"/>
+              </a:solidFill>
+              <a:latin typeface="Proxima Nova"/>
+              <a:ea typeface="Proxima Nova"/>
+              <a:cs typeface="Proxima Nova"/>
+              <a:sym typeface="Proxima Nova"/>
+            </a:endParaRPr>
+          </a:p>
+        </p:txBody>
+      </p:sp>
+      <p:sp>
+        <p:nvSpPr>
+          <p:cNvPr id="119" name="Google Shape;119;p18"/>
+          <p:cNvSpPr/>
+          <p:nvPr/>
+        </p:nvSpPr>
+        <p:spPr>
+          <a:xfrm>
+            <a:off x="4993088" y="2584025"/>
+            <a:ext cx="804900" cy="311100"/>
+          </a:xfrm>
+          <a:prstGeom prst="roundRect">
+            <a:avLst>
+              <a:gd fmla="val 8207" name="adj"/>
+            </a:avLst>
+          </a:prstGeom>
+          <a:solidFill>
+            <a:schemeClr val="dk1"/>
+          </a:solidFill>
+          <a:ln>
+            <a:noFill/>
+          </a:ln>
+        </p:spPr>
+        <p:txBody>
+          <a:bodyPr anchorCtr="0" anchor="ctr" bIns="91425" lIns="91425" spcFirstLastPara="1" rIns="91425" wrap="square" tIns="91425">
+            <a:noAutofit/>
+          </a:bodyPr>
+          <a:lstStyle/>
+          <a:p>
+            <a:pPr indent="0" lvl="0" marL="0" rtl="0" algn="ctr">
+              <a:spcBef>
+                <a:spcPts val="0"/>
+              </a:spcBef>
+              <a:spcAft>
+                <a:spcPts val="0"/>
+              </a:spcAft>
+              <a:buNone/>
+            </a:pPr>
+            <a:r>
+              <a:rPr lang="it" sz="1200">
+                <a:solidFill>
+                  <a:schemeClr val="lt1"/>
+                </a:solidFill>
+                <a:latin typeface="Proxima Nova"/>
+                <a:ea typeface="Proxima Nova"/>
+                <a:cs typeface="Proxima Nova"/>
+                <a:sym typeface="Proxima Nova"/>
+              </a:rPr>
+              <a:t>write</a:t>
+            </a:r>
+            <a:r>
+              <a:rPr lang="it" sz="1200">
+                <a:solidFill>
+                  <a:schemeClr val="lt1"/>
+                </a:solidFill>
+                <a:latin typeface="Proxima Nova"/>
+                <a:ea typeface="Proxima Nova"/>
+                <a:cs typeface="Proxima Nova"/>
+                <a:sym typeface="Proxima Nova"/>
+              </a:rPr>
+              <a:t>()</a:t>
+            </a:r>
+            <a:endParaRPr sz="1200">
+              <a:solidFill>
+                <a:schemeClr val="lt1"/>
+              </a:solidFill>
+              <a:latin typeface="Proxima Nova"/>
+              <a:ea typeface="Proxima Nova"/>
+              <a:cs typeface="Proxima Nova"/>
+              <a:sym typeface="Proxima Nova"/>
+            </a:endParaRPr>
+          </a:p>
+        </p:txBody>
+      </p:sp>
+      <p:sp>
+        <p:nvSpPr>
+          <p:cNvPr id="120" name="Google Shape;120;p18"/>
+          <p:cNvSpPr/>
+          <p:nvPr/>
+        </p:nvSpPr>
+        <p:spPr>
+          <a:xfrm>
+            <a:off x="5485013" y="3910850"/>
+            <a:ext cx="1667400" cy="981900"/>
+          </a:xfrm>
+          <a:prstGeom prst="roundRect">
+            <a:avLst>
+              <a:gd fmla="val 8207" name="adj"/>
+            </a:avLst>
+          </a:prstGeom>
+          <a:solidFill>
+            <a:schemeClr val="accent5"/>
+          </a:solidFill>
+          <a:ln>
+            <a:noFill/>
+          </a:ln>
+        </p:spPr>
+        <p:txBody>
+          <a:bodyPr anchorCtr="0" anchor="t" bIns="91425" lIns="91425" spcFirstLastPara="1" rIns="91425" wrap="square" tIns="91425">
+            <a:noAutofit/>
+          </a:bodyPr>
+          <a:lstStyle/>
+          <a:p>
+            <a:pPr indent="0" lvl="0" marL="0" rtl="0" algn="ctr">
+              <a:spcBef>
+                <a:spcPts val="0"/>
+              </a:spcBef>
+              <a:spcAft>
+                <a:spcPts val="0"/>
+              </a:spcAft>
+              <a:buNone/>
+            </a:pPr>
+            <a:r>
+              <a:rPr lang="it">
+                <a:solidFill>
+                  <a:schemeClr val="lt1"/>
+                </a:solidFill>
+                <a:latin typeface="Proxima Nova"/>
+                <a:ea typeface="Proxima Nova"/>
+                <a:cs typeface="Proxima Nova"/>
+                <a:sym typeface="Proxima Nova"/>
+              </a:rPr>
+              <a:t>PySparkReader</a:t>
+            </a:r>
+            <a:endParaRPr>
+              <a:solidFill>
+                <a:schemeClr val="lt1"/>
+              </a:solidFill>
+              <a:latin typeface="Proxima Nova"/>
+              <a:ea typeface="Proxima Nova"/>
+              <a:cs typeface="Proxima Nova"/>
+              <a:sym typeface="Proxima Nova"/>
+            </a:endParaRPr>
+          </a:p>
+          <a:p>
+            <a:pPr indent="0" lvl="0" marL="0" rtl="0" algn="ctr">
+              <a:spcBef>
+                <a:spcPts val="0"/>
+              </a:spcBef>
+              <a:spcAft>
+                <a:spcPts val="0"/>
+              </a:spcAft>
+              <a:buNone/>
+            </a:pPr>
+            <a:r>
+              <a:rPr b="1" i="1" lang="it">
+                <a:solidFill>
+                  <a:schemeClr val="lt1"/>
+                </a:solidFill>
+                <a:latin typeface="Proxima Nova"/>
+                <a:ea typeface="Proxima Nova"/>
+                <a:cs typeface="Proxima Nova"/>
+                <a:sym typeface="Proxima Nova"/>
+              </a:rPr>
+              <a:t>Reader</a:t>
+            </a:r>
+            <a:endParaRPr b="1" i="1">
+              <a:solidFill>
+                <a:schemeClr val="lt1"/>
+              </a:solidFill>
+              <a:latin typeface="Proxima Nova"/>
+              <a:ea typeface="Proxima Nova"/>
+              <a:cs typeface="Proxima Nova"/>
+              <a:sym typeface="Proxima Nova"/>
+            </a:endParaRPr>
+          </a:p>
+        </p:txBody>
+      </p:sp>
+      <p:sp>
+        <p:nvSpPr>
+          <p:cNvPr id="121" name="Google Shape;121;p18"/>
+          <p:cNvSpPr/>
+          <p:nvPr/>
+        </p:nvSpPr>
+        <p:spPr>
+          <a:xfrm>
+            <a:off x="4993088" y="4514000"/>
+            <a:ext cx="804900" cy="311100"/>
+          </a:xfrm>
+          <a:prstGeom prst="roundRect">
+            <a:avLst>
+              <a:gd fmla="val 8207" name="adj"/>
+            </a:avLst>
+          </a:prstGeom>
+          <a:solidFill>
+            <a:schemeClr val="dk1"/>
+          </a:solidFill>
+          <a:ln>
+            <a:noFill/>
+          </a:ln>
+        </p:spPr>
+        <p:txBody>
+          <a:bodyPr anchorCtr="0" anchor="ctr" bIns="91425" lIns="91425" spcFirstLastPara="1" rIns="91425" wrap="square" tIns="91425">
+            <a:noAutofit/>
+          </a:bodyPr>
+          <a:lstStyle/>
+          <a:p>
+            <a:pPr indent="0" lvl="0" marL="0" rtl="0" algn="ctr">
+              <a:spcBef>
+                <a:spcPts val="0"/>
+              </a:spcBef>
+              <a:spcAft>
+                <a:spcPts val="0"/>
+              </a:spcAft>
+              <a:buNone/>
+            </a:pPr>
+            <a:r>
+              <a:rPr lang="it" sz="1200">
+                <a:solidFill>
+                  <a:schemeClr val="lt1"/>
+                </a:solidFill>
+                <a:latin typeface="Proxima Nova"/>
+                <a:ea typeface="Proxima Nova"/>
+                <a:cs typeface="Proxima Nova"/>
+                <a:sym typeface="Proxima Nova"/>
+              </a:rPr>
+              <a:t>read</a:t>
+            </a:r>
+            <a:r>
+              <a:rPr lang="it" sz="1200">
+                <a:solidFill>
+                  <a:schemeClr val="lt1"/>
+                </a:solidFill>
+                <a:latin typeface="Proxima Nova"/>
+                <a:ea typeface="Proxima Nova"/>
+                <a:cs typeface="Proxima Nova"/>
+                <a:sym typeface="Proxima Nova"/>
+              </a:rPr>
+              <a:t>()</a:t>
+            </a:r>
+            <a:endParaRPr sz="1200">
+              <a:solidFill>
+                <a:schemeClr val="lt1"/>
+              </a:solidFill>
+              <a:latin typeface="Proxima Nova"/>
+              <a:ea typeface="Proxima Nova"/>
+              <a:cs typeface="Proxima Nova"/>
+              <a:sym typeface="Proxima Nova"/>
+            </a:endParaRPr>
+          </a:p>
+        </p:txBody>
+      </p:sp>
+      <p:cxnSp>
+        <p:nvCxnSpPr>
+          <p:cNvPr id="122" name="Google Shape;122;p18"/>
+          <p:cNvCxnSpPr>
+            <a:stCxn id="121" idx="1"/>
+            <a:endCxn id="123" idx="2"/>
+          </p:cNvCxnSpPr>
+          <p:nvPr/>
+        </p:nvCxnSpPr>
+        <p:spPr>
+          <a:xfrm rot="10800000">
+            <a:off x="1411688" y="4115450"/>
+            <a:ext cx="3581400" cy="554100"/>
+          </a:xfrm>
+          <a:prstGeom prst="bentConnector2">
+            <a:avLst/>
+          </a:prstGeom>
+          <a:noFill/>
+          <a:ln cap="flat" cmpd="sng" w="19050">
+            <a:solidFill>
+              <a:schemeClr val="lt2"/>
+            </a:solidFill>
+            <a:prstDash val="solid"/>
+            <a:round/>
+            <a:headEnd len="med" w="med" type="none"/>
+            <a:tailEnd len="med" w="med" type="triangle"/>
+          </a:ln>
+        </p:spPr>
+      </p:cxnSp>
+      <p:cxnSp>
+        <p:nvCxnSpPr>
+          <p:cNvPr id="124" name="Google Shape;124;p18"/>
+          <p:cNvCxnSpPr>
+            <a:stCxn id="113" idx="3"/>
+            <a:endCxn id="119" idx="0"/>
+          </p:cNvCxnSpPr>
+          <p:nvPr/>
+        </p:nvCxnSpPr>
+        <p:spPr>
+          <a:xfrm>
+            <a:off x="4424588" y="2145150"/>
+            <a:ext cx="971100" cy="438900"/>
+          </a:xfrm>
+          <a:prstGeom prst="bentConnector2">
+            <a:avLst/>
+          </a:prstGeom>
+          <a:noFill/>
+          <a:ln cap="flat" cmpd="sng" w="19050">
+            <a:solidFill>
+              <a:schemeClr val="accent3"/>
+            </a:solidFill>
+            <a:prstDash val="solid"/>
+            <a:round/>
+            <a:headEnd len="med" w="med" type="triangle"/>
+            <a:tailEnd len="med" w="med" type="none"/>
+          </a:ln>
+        </p:spPr>
+      </p:cxnSp>
+      <p:cxnSp>
+        <p:nvCxnSpPr>
+          <p:cNvPr id="125" name="Google Shape;125;p18"/>
+          <p:cNvCxnSpPr>
+            <a:stCxn id="119" idx="2"/>
+            <a:endCxn id="115" idx="3"/>
+          </p:cNvCxnSpPr>
+          <p:nvPr/>
+        </p:nvCxnSpPr>
+        <p:spPr>
+          <a:xfrm rot="5400000">
+            <a:off x="4687238" y="2758325"/>
+            <a:ext cx="571500" cy="845100"/>
+          </a:xfrm>
+          <a:prstGeom prst="bentConnector2">
+            <a:avLst/>
+          </a:prstGeom>
+          <a:noFill/>
+          <a:ln cap="flat" cmpd="sng" w="19050">
+            <a:solidFill>
+              <a:schemeClr val="accent3"/>
+            </a:solidFill>
+            <a:prstDash val="solid"/>
+            <a:round/>
+            <a:headEnd len="med" w="med" type="none"/>
+            <a:tailEnd len="med" w="med" type="triangle"/>
+          </a:ln>
+        </p:spPr>
+      </p:cxnSp>
+      <p:sp>
+        <p:nvSpPr>
+          <p:cNvPr id="126" name="Google Shape;126;p18"/>
+          <p:cNvSpPr/>
+          <p:nvPr/>
+        </p:nvSpPr>
+        <p:spPr>
+          <a:xfrm>
+            <a:off x="993925" y="1921200"/>
+            <a:ext cx="1251600" cy="447900"/>
+          </a:xfrm>
+          <a:prstGeom prst="roundRect">
+            <a:avLst>
+              <a:gd fmla="val 8207" name="adj"/>
+            </a:avLst>
+          </a:prstGeom>
+          <a:solidFill>
+            <a:schemeClr val="lt2"/>
+          </a:solidFill>
+          <a:ln>
+            <a:noFill/>
+          </a:ln>
+        </p:spPr>
+        <p:txBody>
+          <a:bodyPr anchorCtr="0" anchor="ctr" bIns="91425" lIns="91425" spcFirstLastPara="1" rIns="91425" wrap="square" tIns="91425">
+            <a:noAutofit/>
+          </a:bodyPr>
+          <a:lstStyle/>
+          <a:p>
+            <a:pPr indent="0" lvl="0" marL="0" rtl="0" algn="ctr">
+              <a:spcBef>
+                <a:spcPts val="0"/>
+              </a:spcBef>
+              <a:spcAft>
+                <a:spcPts val="0"/>
+              </a:spcAft>
+              <a:buNone/>
+            </a:pPr>
+            <a:r>
+              <a:rPr lang="it">
+                <a:solidFill>
+                  <a:srgbClr val="212121"/>
+                </a:solidFill>
+                <a:latin typeface="Proxima Nova"/>
+                <a:ea typeface="Proxima Nova"/>
+                <a:cs typeface="Proxima Nova"/>
+                <a:sym typeface="Proxima Nova"/>
+              </a:rPr>
+              <a:t>LastFM</a:t>
+            </a:r>
+            <a:endParaRPr b="1" i="1">
+              <a:solidFill>
+                <a:srgbClr val="212121"/>
+              </a:solidFill>
+              <a:latin typeface="Proxima Nova"/>
+              <a:ea typeface="Proxima Nova"/>
+              <a:cs typeface="Proxima Nova"/>
+              <a:sym typeface="Proxima Nova"/>
+            </a:endParaRPr>
+          </a:p>
+        </p:txBody>
+      </p:sp>
+      <p:cxnSp>
+        <p:nvCxnSpPr>
+          <p:cNvPr id="127" name="Google Shape;127;p18"/>
+          <p:cNvCxnSpPr>
+            <a:stCxn id="113" idx="1"/>
+            <a:endCxn id="126" idx="3"/>
+          </p:cNvCxnSpPr>
+          <p:nvPr/>
+        </p:nvCxnSpPr>
+        <p:spPr>
+          <a:xfrm flipH="1">
+            <a:off x="2245388" y="2145150"/>
+            <a:ext cx="1374300" cy="600"/>
+          </a:xfrm>
+          <a:prstGeom prst="bentConnector3">
+            <a:avLst>
+              <a:gd fmla="val 49995" name="adj1"/>
+            </a:avLst>
+          </a:prstGeom>
+          <a:noFill/>
+          <a:ln cap="flat" cmpd="sng" w="19050">
+            <a:solidFill>
+              <a:schemeClr val="lt2"/>
+            </a:solidFill>
+            <a:prstDash val="solid"/>
+            <a:round/>
+            <a:headEnd len="med" w="med" type="none"/>
+            <a:tailEnd len="med" w="med" type="triangle"/>
+          </a:ln>
+        </p:spPr>
+      </p:cxnSp>
+      <p:sp>
+        <p:nvSpPr>
+          <p:cNvPr id="123" name="Google Shape;123;p18"/>
+          <p:cNvSpPr/>
+          <p:nvPr/>
+        </p:nvSpPr>
+        <p:spPr>
+          <a:xfrm>
+            <a:off x="577975" y="3528300"/>
+            <a:ext cx="1667400" cy="587100"/>
+          </a:xfrm>
+          <a:prstGeom prst="roundRect">
+            <a:avLst>
+              <a:gd fmla="val 8207" name="adj"/>
+            </a:avLst>
+          </a:prstGeom>
+          <a:solidFill>
+            <a:schemeClr val="lt2"/>
+          </a:solidFill>
+          <a:ln>
+            <a:noFill/>
+          </a:ln>
+        </p:spPr>
+        <p:txBody>
+          <a:bodyPr anchorCtr="0" anchor="ctr" bIns="91425" lIns="91425" spcFirstLastPara="1" rIns="91425" wrap="square" tIns="91425">
+            <a:noAutofit/>
+          </a:bodyPr>
+          <a:lstStyle/>
+          <a:p>
+            <a:pPr indent="0" lvl="0" marL="0" rtl="0" algn="ctr">
+              <a:spcBef>
+                <a:spcPts val="0"/>
+              </a:spcBef>
+              <a:spcAft>
+                <a:spcPts val="0"/>
+              </a:spcAft>
+              <a:buNone/>
+            </a:pPr>
+            <a:r>
+              <a:rPr lang="it">
+                <a:solidFill>
+                  <a:srgbClr val="212121"/>
+                </a:solidFill>
+                <a:latin typeface="Proxima Nova"/>
+                <a:ea typeface="Proxima Nova"/>
+                <a:cs typeface="Proxima Nova"/>
+                <a:sym typeface="Proxima Nova"/>
+              </a:rPr>
+              <a:t>Google Cloud Storage</a:t>
+            </a:r>
+            <a:endParaRPr b="1" i="1">
+              <a:solidFill>
+                <a:srgbClr val="212121"/>
+              </a:solidFill>
+              <a:latin typeface="Proxima Nova"/>
+              <a:ea typeface="Proxima Nova"/>
+              <a:cs typeface="Proxima Nova"/>
+              <a:sym typeface="Proxima Nova"/>
+            </a:endParaRPr>
+          </a:p>
+        </p:txBody>
+      </p:sp>
+      <p:cxnSp>
+        <p:nvCxnSpPr>
+          <p:cNvPr id="128" name="Google Shape;128;p18"/>
+          <p:cNvCxnSpPr>
+            <a:stCxn id="115" idx="1"/>
+            <a:endCxn id="123" idx="3"/>
+          </p:cNvCxnSpPr>
+          <p:nvPr/>
+        </p:nvCxnSpPr>
+        <p:spPr>
+          <a:xfrm flipH="1">
+            <a:off x="2245513" y="3466600"/>
+            <a:ext cx="1500000" cy="355200"/>
+          </a:xfrm>
+          <a:prstGeom prst="bentConnector3">
+            <a:avLst>
+              <a:gd fmla="val 50005" name="adj1"/>
+            </a:avLst>
+          </a:prstGeom>
+          <a:noFill/>
+          <a:ln cap="flat" cmpd="sng" w="19050">
+            <a:solidFill>
+              <a:schemeClr val="lt2"/>
+            </a:solidFill>
+            <a:prstDash val="solid"/>
+            <a:round/>
+            <a:headEnd len="med" w="med" type="none"/>
+            <a:tailEnd len="med" w="med" type="triangle"/>
+          </a:ln>
+        </p:spPr>
+      </p:cxnSp>
+      <p:cxnSp>
+        <p:nvCxnSpPr>
+          <p:cNvPr id="129" name="Google Shape;129;p18"/>
+          <p:cNvCxnSpPr>
+            <a:stCxn id="116" idx="1"/>
+            <a:endCxn id="123" idx="3"/>
+          </p:cNvCxnSpPr>
+          <p:nvPr/>
+        </p:nvCxnSpPr>
+        <p:spPr>
+          <a:xfrm flipH="1">
+            <a:off x="2245513" y="3821550"/>
+            <a:ext cx="1500000" cy="600"/>
+          </a:xfrm>
+          <a:prstGeom prst="bentConnector3">
+            <a:avLst>
+              <a:gd fmla="val 50005" name="adj1"/>
+            </a:avLst>
+          </a:prstGeom>
+          <a:noFill/>
+          <a:ln cap="flat" cmpd="sng" w="19050">
+            <a:solidFill>
+              <a:schemeClr val="lt2"/>
+            </a:solidFill>
+            <a:prstDash val="solid"/>
+            <a:round/>
+            <a:headEnd len="med" w="med" type="none"/>
+            <a:tailEnd len="med" w="med" type="triangle"/>
+          </a:ln>
+        </p:spPr>
+      </p:cxnSp>
+      <p:cxnSp>
+        <p:nvCxnSpPr>
+          <p:cNvPr id="130" name="Google Shape;130;p18"/>
+          <p:cNvCxnSpPr>
+            <a:stCxn id="117" idx="1"/>
+            <a:endCxn id="123" idx="3"/>
+          </p:cNvCxnSpPr>
+          <p:nvPr/>
+        </p:nvCxnSpPr>
+        <p:spPr>
+          <a:xfrm rot="10800000">
+            <a:off x="2245513" y="3821900"/>
+            <a:ext cx="1500000" cy="354600"/>
+          </a:xfrm>
+          <a:prstGeom prst="bentConnector3">
+            <a:avLst>
+              <a:gd fmla="val 50005" name="adj1"/>
+            </a:avLst>
+          </a:prstGeom>
+          <a:noFill/>
+          <a:ln cap="flat" cmpd="sng" w="19050">
+            <a:solidFill>
+              <a:schemeClr val="lt2"/>
+            </a:solidFill>
+            <a:prstDash val="solid"/>
+            <a:round/>
+            <a:headEnd len="med" w="med" type="none"/>
+            <a:tailEnd len="med" w="med" type="triangle"/>
+          </a:ln>
+        </p:spPr>
+      </p:cxnSp>
+      <p:sp>
+        <p:nvSpPr>
+          <p:cNvPr id="131" name="Google Shape;131;p18"/>
+          <p:cNvSpPr/>
+          <p:nvPr/>
+        </p:nvSpPr>
+        <p:spPr>
+          <a:xfrm>
+            <a:off x="7431700" y="4411250"/>
+            <a:ext cx="1134300" cy="516600"/>
+          </a:xfrm>
+          <a:prstGeom prst="roundRect">
+            <a:avLst>
+              <a:gd fmla="val 8207" name="adj"/>
+            </a:avLst>
+          </a:prstGeom>
+          <a:solidFill>
+            <a:schemeClr val="lt2"/>
+          </a:solidFill>
+          <a:ln>
+            <a:noFill/>
+          </a:ln>
+        </p:spPr>
+        <p:txBody>
+          <a:bodyPr anchorCtr="0" anchor="ctr" bIns="91425" lIns="91425" spcFirstLastPara="1" rIns="91425" wrap="square" tIns="91425">
+            <a:noAutofit/>
+          </a:bodyPr>
+          <a:lstStyle/>
+          <a:p>
+            <a:pPr indent="0" lvl="0" marL="0" rtl="0" algn="ctr">
+              <a:spcBef>
+                <a:spcPts val="0"/>
+              </a:spcBef>
+              <a:spcAft>
+                <a:spcPts val="0"/>
+              </a:spcAft>
+              <a:buNone/>
+            </a:pPr>
+            <a:r>
+              <a:rPr lang="it">
+                <a:solidFill>
+                  <a:srgbClr val="212121"/>
+                </a:solidFill>
+                <a:latin typeface="Proxima Nova"/>
+                <a:ea typeface="Proxima Nova"/>
+                <a:cs typeface="Proxima Nova"/>
+                <a:sym typeface="Proxima Nova"/>
+              </a:rPr>
+              <a:t>Spark</a:t>
+            </a:r>
+            <a:endParaRPr b="1" i="1">
+              <a:solidFill>
+                <a:srgbClr val="212121"/>
+              </a:solidFill>
+              <a:latin typeface="Proxima Nova"/>
+              <a:ea typeface="Proxima Nova"/>
+              <a:cs typeface="Proxima Nova"/>
+              <a:sym typeface="Proxima Nova"/>
+            </a:endParaRPr>
+          </a:p>
+        </p:txBody>
+      </p:sp>
+      <p:cxnSp>
+        <p:nvCxnSpPr>
+          <p:cNvPr id="132" name="Google Shape;132;p18"/>
+          <p:cNvCxnSpPr>
+            <a:stCxn id="121" idx="3"/>
+            <a:endCxn id="131" idx="1"/>
+          </p:cNvCxnSpPr>
+          <p:nvPr/>
+        </p:nvCxnSpPr>
+        <p:spPr>
+          <a:xfrm>
+            <a:off x="5797988" y="4669550"/>
+            <a:ext cx="1633800" cy="600"/>
+          </a:xfrm>
+          <a:prstGeom prst="bentConnector3">
+            <a:avLst>
+              <a:gd fmla="val 49997" name="adj1"/>
+            </a:avLst>
+          </a:prstGeom>
+          <a:noFill/>
+          <a:ln cap="flat" cmpd="sng" w="19050">
+            <a:solidFill>
+              <a:schemeClr val="lt2"/>
+            </a:solidFill>
+            <a:prstDash val="solid"/>
+            <a:round/>
+            <a:headEnd len="med" w="med" type="none"/>
+            <a:tailEnd len="med" w="med" type="triangle"/>
+          </a:ln>
+        </p:spPr>
+      </p:cxnSp>
     </p:spTree>
   </p:cSld>
   <p:clrMapOvr>
@@ -11684,7 +14893,7 @@
   <p:cSld>
     <p:spTree>
       <p:nvGrpSpPr>
-        <p:cNvPr id="98" name="Shape 98"/>
+        <p:cNvPr id="136" name="Shape 136"/>
         <p:cNvGrpSpPr/>
         <p:nvPr/>
       </p:nvGrpSpPr>
@@ -11698,7 +14907,7 @@
       </p:grpSpPr>
       <p:sp>
         <p:nvSpPr>
-          <p:cNvPr id="99" name="Google Shape;99;p19"/>
+          <p:cNvPr id="137" name="Google Shape;137;p19"/>
           <p:cNvSpPr txBox="1"/>
           <p:nvPr>
             <p:ph type="title"/>
@@ -11706,12 +14915,158 @@
         </p:nvSpPr>
         <p:spPr>
           <a:xfrm>
-            <a:off x="311700" y="1167925"/>
-            <a:ext cx="8520600" cy="1980000"/>
+            <a:off x="502325" y="445025"/>
+            <a:ext cx="8330100" cy="572700"/>
           </a:xfrm>
           <a:prstGeom prst="rect">
             <a:avLst/>
           </a:prstGeom>
+        </p:spPr>
+        <p:txBody>
+          <a:bodyPr anchorCtr="0" anchor="t" bIns="91425" lIns="91425" spcFirstLastPara="1" rIns="91425" wrap="square" tIns="91425">
+            <a:normAutofit fontScale="90000"/>
+          </a:bodyPr>
+          <a:lstStyle/>
+          <a:p>
+            <a:pPr indent="0" lvl="0" marL="0" rtl="0" algn="l">
+              <a:spcBef>
+                <a:spcPts val="0"/>
+              </a:spcBef>
+              <a:spcAft>
+                <a:spcPts val="0"/>
+              </a:spcAft>
+              <a:buNone/>
+            </a:pPr>
+            <a:r>
+              <a:rPr lang="it"/>
+              <a:t>About the APIs</a:t>
+            </a:r>
+            <a:endParaRPr/>
+          </a:p>
+        </p:txBody>
+      </p:sp>
+      <p:sp>
+        <p:nvSpPr>
+          <p:cNvPr id="138" name="Google Shape;138;p19"/>
+          <p:cNvSpPr txBox="1"/>
+          <p:nvPr>
+            <p:ph idx="1" type="body"/>
+          </p:nvPr>
+        </p:nvSpPr>
+        <p:spPr>
+          <a:xfrm>
+            <a:off x="615625" y="2516475"/>
+            <a:ext cx="3392100" cy="1824000"/>
+          </a:xfrm>
+          <a:prstGeom prst="rect">
+            <a:avLst/>
+          </a:prstGeom>
+        </p:spPr>
+        <p:txBody>
+          <a:bodyPr anchorCtr="0" anchor="t" bIns="91425" lIns="91425" spcFirstLastPara="1" rIns="91425" wrap="square" tIns="91425">
+            <a:normAutofit/>
+          </a:bodyPr>
+          <a:lstStyle/>
+          <a:p>
+            <a:pPr indent="0" lvl="0" marL="0" rtl="0" algn="l">
+              <a:spcBef>
+                <a:spcPts val="0"/>
+              </a:spcBef>
+              <a:spcAft>
+                <a:spcPts val="0"/>
+              </a:spcAft>
+              <a:buNone/>
+            </a:pPr>
+            <a:r>
+              <a:rPr lang="it" sz="1300"/>
+              <a:t>Instead of the standard LastFM APIs we used the PyLast Python interface to LastFM, so it was easier to deal with. </a:t>
+            </a:r>
+            <a:endParaRPr sz="1300"/>
+          </a:p>
+          <a:p>
+            <a:pPr indent="0" lvl="0" marL="0" rtl="0" algn="l">
+              <a:spcBef>
+                <a:spcPts val="1200"/>
+              </a:spcBef>
+              <a:spcAft>
+                <a:spcPts val="1200"/>
+              </a:spcAft>
+              <a:buNone/>
+            </a:pPr>
+            <a:r>
+              <a:rPr lang="it" sz="1300"/>
+              <a:t>The library is not officially built and </a:t>
+            </a:r>
+            <a:r>
+              <a:rPr lang="it" sz="1300"/>
+              <a:t>maintained by LastFM but is listed on their documentation website.</a:t>
+            </a:r>
+            <a:r>
+              <a:rPr lang="it" sz="1300"/>
+              <a:t> </a:t>
+            </a:r>
+            <a:endParaRPr sz="1300"/>
+          </a:p>
+        </p:txBody>
+      </p:sp>
+      <p:pic>
+        <p:nvPicPr>
+          <p:cNvPr id="139" name="Google Shape;139;p19"/>
+          <p:cNvPicPr preferRelativeResize="0"/>
+          <p:nvPr/>
+        </p:nvPicPr>
+        <p:blipFill>
+          <a:blip r:embed="rId3">
+            <a:alphaModFix/>
+          </a:blip>
+          <a:stretch>
+            <a:fillRect/>
+          </a:stretch>
+        </p:blipFill>
+        <p:spPr>
+          <a:xfrm>
+            <a:off x="615625" y="1318149"/>
+            <a:ext cx="3392050" cy="1013900"/>
+          </a:xfrm>
+          <a:prstGeom prst="rect">
+            <a:avLst/>
+          </a:prstGeom>
+          <a:noFill/>
+          <a:ln cap="flat" cmpd="sng" w="19050">
+            <a:solidFill>
+              <a:schemeClr val="dk2"/>
+            </a:solidFill>
+            <a:prstDash val="solid"/>
+            <a:round/>
+            <a:headEnd len="sm" w="sm" type="none"/>
+            <a:tailEnd len="sm" w="sm" type="none"/>
+          </a:ln>
+        </p:spPr>
+      </p:pic>
+      <p:sp>
+        <p:nvSpPr>
+          <p:cNvPr id="140" name="Google Shape;140;p19"/>
+          <p:cNvSpPr/>
+          <p:nvPr/>
+        </p:nvSpPr>
+        <p:spPr>
+          <a:xfrm>
+            <a:off x="4304825" y="1323500"/>
+            <a:ext cx="2922000" cy="2058900"/>
+          </a:xfrm>
+          <a:prstGeom prst="rect">
+            <a:avLst/>
+          </a:prstGeom>
+          <a:noFill/>
+          <a:ln cap="flat" cmpd="sng" w="19050">
+            <a:solidFill>
+              <a:schemeClr val="lt2"/>
+            </a:solidFill>
+            <a:prstDash val="solid"/>
+            <a:round/>
+            <a:headEnd len="sm" w="sm" type="none"/>
+            <a:tailEnd len="sm" w="sm" type="none"/>
+          </a:ln>
         </p:spPr>
         <p:txBody>
           <a:bodyPr anchorCtr="0" anchor="ctr" bIns="91425" lIns="91425" spcFirstLastPara="1" rIns="91425" wrap="square" tIns="91425">
@@ -11719,80 +15074,112 @@
           </a:bodyPr>
           <a:lstStyle/>
           <a:p>
-            <a:pPr indent="0" lvl="0" marL="0" rtl="0" algn="ctr">
-              <a:spcBef>
-                <a:spcPts val="0"/>
-              </a:spcBef>
-              <a:spcAft>
-                <a:spcPts val="0"/>
-              </a:spcAft>
-              <a:buSzPts val="990"/>
+            <a:pPr indent="0" lvl="0" marL="0" rtl="0" algn="l">
+              <a:spcBef>
+                <a:spcPts val="0"/>
+              </a:spcBef>
+              <a:spcAft>
+                <a:spcPts val="0"/>
+              </a:spcAft>
               <a:buNone/>
             </a:pPr>
             <a:r>
-              <a:rPr lang="it" sz="7200"/>
-              <a:t>Ask no more!</a:t>
-            </a:r>
-            <a:endParaRPr sz="7200"/>
-          </a:p>
-        </p:txBody>
-      </p:sp>
-      <p:sp>
-        <p:nvSpPr>
-          <p:cNvPr id="100" name="Google Shape;100;p19"/>
-          <p:cNvSpPr txBox="1"/>
-          <p:nvPr>
-            <p:ph idx="1" type="body"/>
-          </p:nvPr>
-        </p:nvSpPr>
-        <p:spPr>
-          <a:xfrm>
-            <a:off x="311700" y="3224250"/>
-            <a:ext cx="8520600" cy="1071600"/>
-          </a:xfrm>
-          <a:prstGeom prst="rect">
-            <a:avLst/>
-          </a:prstGeom>
-        </p:spPr>
-        <p:txBody>
-          <a:bodyPr anchorCtr="0" anchor="t" bIns="91425" lIns="91425" spcFirstLastPara="1" rIns="91425" wrap="square" tIns="91425">
-            <a:normAutofit/>
-          </a:bodyPr>
-          <a:lstStyle/>
-          <a:p>
-            <a:pPr indent="0" lvl="0" marL="0" rtl="0" algn="ctr">
-              <a:spcBef>
-                <a:spcPts val="0"/>
-              </a:spcBef>
-              <a:spcAft>
-                <a:spcPts val="1200"/>
-              </a:spcAft>
-              <a:buNone/>
-            </a:pPr>
-            <a:r>
-              <a:rPr lang="it"/>
-              <a:t>You want </a:t>
-            </a:r>
-            <a:r>
-              <a:rPr i="1" lang="it"/>
-              <a:t>User Features</a:t>
-            </a:r>
-            <a:r>
-              <a:rPr lang="it"/>
-              <a:t>? We have </a:t>
-            </a:r>
-            <a:r>
-              <a:rPr i="1" lang="it"/>
-              <a:t>User Features</a:t>
-            </a:r>
-            <a:r>
-              <a:rPr lang="it"/>
-              <a:t>!</a:t>
+              <a:t/>
             </a:r>
             <a:endParaRPr/>
           </a:p>
         </p:txBody>
       </p:sp>
+      <p:pic>
+        <p:nvPicPr>
+          <p:cNvPr id="141" name="Google Shape;141;p19"/>
+          <p:cNvPicPr preferRelativeResize="0"/>
+          <p:nvPr/>
+        </p:nvPicPr>
+        <p:blipFill>
+          <a:blip r:embed="rId4">
+            <a:alphaModFix/>
+          </a:blip>
+          <a:stretch>
+            <a:fillRect/>
+          </a:stretch>
+        </p:blipFill>
+        <p:spPr>
+          <a:xfrm>
+            <a:off x="4311600" y="1398725"/>
+            <a:ext cx="2851525" cy="1395025"/>
+          </a:xfrm>
+          <a:prstGeom prst="rect">
+            <a:avLst/>
+          </a:prstGeom>
+          <a:noFill/>
+          <a:ln>
+            <a:noFill/>
+          </a:ln>
+        </p:spPr>
+      </p:pic>
+      <p:pic>
+        <p:nvPicPr>
+          <p:cNvPr id="142" name="Google Shape;142;p19"/>
+          <p:cNvPicPr preferRelativeResize="0"/>
+          <p:nvPr/>
+        </p:nvPicPr>
+        <p:blipFill>
+          <a:blip r:embed="rId5">
+            <a:alphaModFix/>
+          </a:blip>
+          <a:stretch>
+            <a:fillRect/>
+          </a:stretch>
+        </p:blipFill>
+        <p:spPr>
+          <a:xfrm>
+            <a:off x="4311600" y="2770900"/>
+            <a:ext cx="646802" cy="572700"/>
+          </a:xfrm>
+          <a:prstGeom prst="rect">
+            <a:avLst/>
+          </a:prstGeom>
+          <a:noFill/>
+          <a:ln>
+            <a:noFill/>
+          </a:ln>
+        </p:spPr>
+      </p:pic>
+      <p:pic>
+        <p:nvPicPr>
+          <p:cNvPr id="143" name="Google Shape;143;p19"/>
+          <p:cNvPicPr preferRelativeResize="0"/>
+          <p:nvPr/>
+        </p:nvPicPr>
+        <p:blipFill>
+          <a:blip r:embed="rId6">
+            <a:alphaModFix/>
+          </a:blip>
+          <a:stretch>
+            <a:fillRect/>
+          </a:stretch>
+        </p:blipFill>
+        <p:spPr>
+          <a:xfrm>
+            <a:off x="5608175" y="2823100"/>
+            <a:ext cx="3071737" cy="1395025"/>
+          </a:xfrm>
+          <a:prstGeom prst="rect">
+            <a:avLst/>
+          </a:prstGeom>
+          <a:noFill/>
+          <a:ln cap="flat" cmpd="sng" w="19050">
+            <a:solidFill>
+              <a:schemeClr val="dk2"/>
+            </a:solidFill>
+            <a:prstDash val="solid"/>
+            <a:round/>
+            <a:headEnd len="sm" w="sm" type="none"/>
+            <a:tailEnd len="sm" w="sm" type="none"/>
+          </a:ln>
+        </p:spPr>
+      </p:pic>
     </p:spTree>
   </p:cSld>
   <p:clrMapOvr>
@@ -11806,7 +15193,7 @@
   <p:cSld>
     <p:spTree>
       <p:nvGrpSpPr>
-        <p:cNvPr id="104" name="Shape 104"/>
+        <p:cNvPr id="147" name="Shape 147"/>
         <p:cNvGrpSpPr/>
         <p:nvPr/>
       </p:nvGrpSpPr>
@@ -11820,7 +15207,7 @@
       </p:grpSpPr>
       <p:sp>
         <p:nvSpPr>
-          <p:cNvPr id="105" name="Google Shape;105;p20"/>
+          <p:cNvPr id="148" name="Google Shape;148;p20"/>
           <p:cNvSpPr txBox="1"/>
           <p:nvPr>
             <p:ph type="title"/>
@@ -11828,39 +15215,40 @@
         </p:nvSpPr>
         <p:spPr>
           <a:xfrm>
-            <a:off x="311700" y="445025"/>
-            <a:ext cx="8520600" cy="572700"/>
+            <a:off x="311700" y="1167925"/>
+            <a:ext cx="8520600" cy="1980000"/>
           </a:xfrm>
           <a:prstGeom prst="rect">
             <a:avLst/>
           </a:prstGeom>
         </p:spPr>
         <p:txBody>
-          <a:bodyPr anchorCtr="0" anchor="t" bIns="91425" lIns="91425" spcFirstLastPara="1" rIns="91425" wrap="square" tIns="91425">
-            <a:normAutofit fontScale="90000"/>
+          <a:bodyPr anchorCtr="0" anchor="ctr" bIns="91425" lIns="91425" spcFirstLastPara="1" rIns="91425" wrap="square" tIns="91425">
+            <a:noAutofit/>
           </a:bodyPr>
           <a:lstStyle/>
           <a:p>
-            <a:pPr indent="0" lvl="0" marL="0" rtl="0" algn="l">
-              <a:spcBef>
-                <a:spcPts val="0"/>
-              </a:spcBef>
-              <a:spcAft>
-                <a:spcPts val="0"/>
-              </a:spcAft>
+            <a:pPr indent="0" lvl="0" marL="0" rtl="0" algn="ctr">
+              <a:spcBef>
+                <a:spcPts val="0"/>
+              </a:spcBef>
+              <a:spcAft>
+                <a:spcPts val="0"/>
+              </a:spcAft>
+              <a:buSzPts val="990"/>
               <a:buNone/>
             </a:pPr>
             <a:r>
-              <a:rPr lang="it"/>
-              <a:t>What we got on the menu:</a:t>
-            </a:r>
-            <a:endParaRPr/>
+              <a:rPr lang="it" sz="7200"/>
+              <a:t>Ask no more!</a:t>
+            </a:r>
+            <a:endParaRPr sz="7200"/>
           </a:p>
         </p:txBody>
       </p:sp>
       <p:sp>
         <p:nvSpPr>
-          <p:cNvPr id="106" name="Google Shape;106;p20"/>
+          <p:cNvPr id="149" name="Google Shape;149;p20"/>
           <p:cNvSpPr txBox="1"/>
           <p:nvPr>
             <p:ph idx="1" type="body"/>
@@ -11868,8 +15256,8 @@
         </p:nvSpPr>
         <p:spPr>
           <a:xfrm>
-            <a:off x="311700" y="1152475"/>
-            <a:ext cx="3999900" cy="3416400"/>
+            <a:off x="311700" y="3224250"/>
+            <a:ext cx="8520600" cy="1071600"/>
           </a:xfrm>
           <a:prstGeom prst="rect">
             <a:avLst/>
@@ -11881,308 +15269,36 @@
           </a:bodyPr>
           <a:lstStyle/>
           <a:p>
-            <a:pPr indent="0" lvl="0" marL="0" rtl="0" algn="l">
-              <a:spcBef>
-                <a:spcPts val="0"/>
-              </a:spcBef>
-              <a:spcAft>
-                <a:spcPts val="0"/>
+            <a:pPr indent="0" lvl="0" marL="0" rtl="0" algn="ctr">
+              <a:spcBef>
+                <a:spcPts val="0"/>
+              </a:spcBef>
+              <a:spcAft>
+                <a:spcPts val="1200"/>
               </a:spcAft>
               <a:buNone/>
             </a:pPr>
             <a:r>
-              <a:rPr b="1" lang="it" sz="1800">
-                <a:solidFill>
-                  <a:schemeClr val="dk1"/>
-                </a:solidFill>
-              </a:rPr>
-              <a:t>Greatest</a:t>
-            </a:r>
-            <a:r>
-              <a:rPr b="1" lang="it" sz="1800">
-                <a:solidFill>
-                  <a:schemeClr val="dk1"/>
-                </a:solidFill>
-              </a:rPr>
-              <a:t> Hits</a:t>
-            </a:r>
-            <a:endParaRPr b="1" sz="1800">
-              <a:solidFill>
-                <a:schemeClr val="dk1"/>
-              </a:solidFill>
-            </a:endParaRPr>
-          </a:p>
-          <a:p>
-            <a:pPr indent="-317500" lvl="0" marL="457200" marR="0" rtl="0" algn="l">
-              <a:lnSpc>
-                <a:spcPct val="115000"/>
-              </a:lnSpc>
-              <a:spcBef>
-                <a:spcPts val="1200"/>
-              </a:spcBef>
-              <a:spcAft>
-                <a:spcPts val="0"/>
-              </a:spcAft>
-              <a:buSzPts val="1400"/>
-              <a:buChar char="●"/>
-            </a:pPr>
-            <a:r>
-              <a:rPr lang="it">
-                <a:highlight>
-                  <a:schemeClr val="lt1"/>
-                </a:highlight>
-              </a:rPr>
-              <a:t>Greatest Hits for today, yesterday, last week and last month</a:t>
-            </a:r>
-            <a:endParaRPr>
-              <a:highlight>
-                <a:schemeClr val="lt1"/>
-              </a:highlight>
-            </a:endParaRPr>
-          </a:p>
-          <a:p>
-            <a:pPr indent="-317500" lvl="0" marL="457200" marR="0" rtl="0" algn="l">
-              <a:lnSpc>
-                <a:spcPct val="115000"/>
-              </a:lnSpc>
-              <a:spcBef>
-                <a:spcPts val="0"/>
-              </a:spcBef>
-              <a:spcAft>
-                <a:spcPts val="0"/>
-              </a:spcAft>
-              <a:buSzPts val="1400"/>
-              <a:buChar char="●"/>
-            </a:pPr>
-            <a:r>
-              <a:rPr lang="it">
-                <a:highlight>
-                  <a:schemeClr val="lt1"/>
-                </a:highlight>
-              </a:rPr>
-              <a:t>Greatest Hits for today, yesterday, last week and last month per genre</a:t>
-            </a:r>
-            <a:endParaRPr>
-              <a:highlight>
-                <a:schemeClr val="lt1"/>
-              </a:highlight>
-            </a:endParaRPr>
-          </a:p>
-        </p:txBody>
-      </p:sp>
-      <p:sp>
-        <p:nvSpPr>
-          <p:cNvPr id="107" name="Google Shape;107;p20"/>
-          <p:cNvSpPr txBox="1"/>
-          <p:nvPr>
-            <p:ph idx="2" type="body"/>
-          </p:nvPr>
-        </p:nvSpPr>
-        <p:spPr>
-          <a:xfrm>
-            <a:off x="4832400" y="1152475"/>
-            <a:ext cx="3999900" cy="3416400"/>
-          </a:xfrm>
-          <a:prstGeom prst="rect">
-            <a:avLst/>
-          </a:prstGeom>
-        </p:spPr>
-        <p:txBody>
-          <a:bodyPr anchorCtr="0" anchor="t" bIns="91425" lIns="91425" spcFirstLastPara="1" rIns="91425" wrap="square" tIns="91425">
-            <a:normAutofit/>
-          </a:bodyPr>
-          <a:lstStyle/>
-          <a:p>
-            <a:pPr indent="0" lvl="0" marL="0" rtl="0" algn="l">
-              <a:spcBef>
-                <a:spcPts val="0"/>
-              </a:spcBef>
-              <a:spcAft>
-                <a:spcPts val="0"/>
-              </a:spcAft>
-              <a:buNone/>
-            </a:pPr>
-            <a:r>
-              <a:rPr b="1" lang="it" sz="1800">
-                <a:solidFill>
-                  <a:schemeClr val="dk1"/>
-                </a:solidFill>
-              </a:rPr>
-              <a:t>Listening sessions</a:t>
-            </a:r>
-            <a:endParaRPr b="1" sz="1800">
-              <a:solidFill>
-                <a:schemeClr val="dk1"/>
-              </a:solidFill>
-            </a:endParaRPr>
-          </a:p>
-          <a:p>
-            <a:pPr indent="-317500" lvl="0" marL="457200" marR="0" rtl="0" algn="l">
-              <a:lnSpc>
-                <a:spcPct val="115000"/>
-              </a:lnSpc>
-              <a:spcBef>
-                <a:spcPts val="1200"/>
-              </a:spcBef>
-              <a:spcAft>
-                <a:spcPts val="0"/>
-              </a:spcAft>
-              <a:buSzPts val="1400"/>
-              <a:buChar char="●"/>
-            </a:pPr>
-            <a:r>
-              <a:rPr lang="it">
-                <a:highlight>
-                  <a:schemeClr val="lt1"/>
-                </a:highlight>
-              </a:rPr>
-              <a:t>Extract listening sessions from users:</a:t>
-            </a:r>
-            <a:endParaRPr>
-              <a:highlight>
-                <a:schemeClr val="lt1"/>
-              </a:highlight>
-            </a:endParaRPr>
-          </a:p>
-          <a:p>
-            <a:pPr indent="-304800" lvl="1" marL="914400" marR="0" rtl="0" algn="l">
-              <a:lnSpc>
-                <a:spcPct val="115000"/>
-              </a:lnSpc>
-              <a:spcBef>
-                <a:spcPts val="0"/>
-              </a:spcBef>
-              <a:spcAft>
-                <a:spcPts val="0"/>
-              </a:spcAft>
-              <a:buSzPts val="1200"/>
-              <a:buChar char="○"/>
-            </a:pPr>
-            <a:r>
-              <a:rPr lang="it" sz="1400">
-                <a:highlight>
-                  <a:schemeClr val="lt1"/>
-                </a:highlight>
-              </a:rPr>
-              <a:t>list of concatenated songs with a play events +-10 sec after the actual song completed</a:t>
-            </a:r>
-            <a:endParaRPr sz="1400">
-              <a:highlight>
-                <a:schemeClr val="lt1"/>
-              </a:highlight>
-            </a:endParaRPr>
-          </a:p>
-          <a:p>
-            <a:pPr indent="-317500" lvl="0" marL="457200" marR="0" rtl="0" algn="l">
-              <a:lnSpc>
-                <a:spcPct val="115000"/>
-              </a:lnSpc>
-              <a:spcBef>
-                <a:spcPts val="0"/>
-              </a:spcBef>
-              <a:spcAft>
-                <a:spcPts val="0"/>
-              </a:spcAft>
-              <a:buSzPts val="1400"/>
-              <a:buChar char="●"/>
-            </a:pPr>
-            <a:r>
-              <a:rPr lang="it">
-                <a:highlight>
-                  <a:schemeClr val="lt1"/>
-                </a:highlight>
-              </a:rPr>
-              <a:t>Know statistics about these sessions:</a:t>
-            </a:r>
-            <a:endParaRPr>
-              <a:highlight>
-                <a:schemeClr val="lt1"/>
-              </a:highlight>
-            </a:endParaRPr>
-          </a:p>
-          <a:p>
-            <a:pPr indent="-304800" lvl="1" marL="914400" marR="0" rtl="0" algn="l">
-              <a:lnSpc>
-                <a:spcPct val="115000"/>
-              </a:lnSpc>
-              <a:spcBef>
-                <a:spcPts val="0"/>
-              </a:spcBef>
-              <a:spcAft>
-                <a:spcPts val="0"/>
-              </a:spcAft>
-              <a:buSzPts val="1200"/>
-              <a:buChar char="○"/>
-            </a:pPr>
-            <a:r>
-              <a:rPr lang="it" sz="1400">
-                <a:highlight>
-                  <a:schemeClr val="lt1"/>
-                </a:highlight>
-              </a:rPr>
-              <a:t>average number of tracks</a:t>
-            </a:r>
-            <a:endParaRPr sz="1400">
-              <a:highlight>
-                <a:schemeClr val="lt1"/>
-              </a:highlight>
-            </a:endParaRPr>
-          </a:p>
-          <a:p>
-            <a:pPr indent="-304800" lvl="1" marL="914400" marR="0" rtl="0" algn="l">
-              <a:lnSpc>
-                <a:spcPct val="115000"/>
-              </a:lnSpc>
-              <a:spcBef>
-                <a:spcPts val="0"/>
-              </a:spcBef>
-              <a:spcAft>
-                <a:spcPts val="0"/>
-              </a:spcAft>
-              <a:buSzPts val="1200"/>
-              <a:buChar char="○"/>
-            </a:pPr>
-            <a:r>
-              <a:rPr lang="it" sz="1400">
-                <a:highlight>
-                  <a:schemeClr val="lt1"/>
-                </a:highlight>
-              </a:rPr>
-              <a:t>average session per user</a:t>
-            </a:r>
-            <a:endParaRPr sz="1400">
-              <a:highlight>
-                <a:schemeClr val="lt1"/>
-              </a:highlight>
-            </a:endParaRPr>
-          </a:p>
-          <a:p>
-            <a:pPr indent="-304800" lvl="1" marL="914400" marR="0" rtl="0" algn="l">
-              <a:lnSpc>
-                <a:spcPct val="115000"/>
-              </a:lnSpc>
-              <a:spcBef>
-                <a:spcPts val="0"/>
-              </a:spcBef>
-              <a:spcAft>
-                <a:spcPts val="0"/>
-              </a:spcAft>
-              <a:buSzPts val="1200"/>
-              <a:buChar char="○"/>
-            </a:pPr>
-            <a:r>
-              <a:rPr lang="it" sz="1400">
-                <a:highlight>
-                  <a:schemeClr val="lt1"/>
-                </a:highlight>
-              </a:rPr>
-              <a:t>session lengths</a:t>
-            </a:r>
-            <a:endParaRPr>
-              <a:highlight>
-                <a:schemeClr val="lt1"/>
-              </a:highlight>
-            </a:endParaRPr>
+              <a:rPr lang="it"/>
+              <a:t>You want </a:t>
+            </a:r>
+            <a:r>
+              <a:rPr i="1" lang="it"/>
+              <a:t>User Features</a:t>
+            </a:r>
+            <a:r>
+              <a:rPr lang="it"/>
+              <a:t>? We have </a:t>
+            </a:r>
+            <a:r>
+              <a:rPr i="1" lang="it"/>
+              <a:t>User Features</a:t>
+            </a:r>
+            <a:r>
+              <a:rPr lang="it"/>
+              <a:t>!</a:t>
+            </a:r>
+            <a:endParaRPr/>
           </a:p>
         </p:txBody>
       </p:sp>
@@ -12199,7 +15315,7 @@
   <p:cSld>
     <p:spTree>
       <p:nvGrpSpPr>
-        <p:cNvPr id="111" name="Shape 111"/>
+        <p:cNvPr id="153" name="Shape 153"/>
         <p:cNvGrpSpPr/>
         <p:nvPr/>
       </p:nvGrpSpPr>
@@ -12211,9 +15327,36 @@
           <a:chExt cx="0" cy="0"/>
         </a:xfrm>
       </p:grpSpPr>
+      <p:pic>
+        <p:nvPicPr>
+          <p:cNvPr id="154" name="Google Shape;154;p21"/>
+          <p:cNvPicPr preferRelativeResize="0"/>
+          <p:nvPr/>
+        </p:nvPicPr>
+        <p:blipFill rotWithShape="1">
+          <a:blip r:embed="rId3">
+            <a:alphaModFix amt="79000"/>
+          </a:blip>
+          <a:srcRect b="5437" l="18099" r="0" t="0"/>
+          <a:stretch/>
+        </p:blipFill>
+        <p:spPr>
+          <a:xfrm>
+            <a:off x="0" y="2360825"/>
+            <a:ext cx="3213448" cy="2782674"/>
+          </a:xfrm>
+          <a:prstGeom prst="rect">
+            <a:avLst/>
+          </a:prstGeom>
+          <a:noFill/>
+          <a:ln>
+            <a:noFill/>
+          </a:ln>
+        </p:spPr>
+      </p:pic>
       <p:sp>
         <p:nvSpPr>
-          <p:cNvPr id="112" name="Google Shape;112;p21"/>
+          <p:cNvPr id="155" name="Google Shape;155;p21"/>
           <p:cNvSpPr txBox="1"/>
           <p:nvPr>
             <p:ph type="title"/>
@@ -12221,7 +15364,7 @@
         </p:nvSpPr>
         <p:spPr>
           <a:xfrm>
-            <a:off x="311700" y="445025"/>
+            <a:off x="464100" y="445025"/>
             <a:ext cx="8520600" cy="572700"/>
           </a:xfrm>
           <a:prstGeom prst="rect">
@@ -12245,7 +15388,7 @@
             </a:pPr>
             <a:r>
               <a:rPr lang="it"/>
-              <a:t>Results</a:t>
+              <a:t>What we got on the menu:</a:t>
             </a:r>
             <a:endParaRPr/>
           </a:p>
@@ -12253,7 +15396,7 @@
       </p:sp>
       <p:sp>
         <p:nvSpPr>
-          <p:cNvPr id="113" name="Google Shape;113;p21"/>
+          <p:cNvPr id="156" name="Google Shape;156;p21"/>
           <p:cNvSpPr txBox="1"/>
           <p:nvPr>
             <p:ph idx="1" type="body"/>
@@ -12261,7 +15404,7 @@
         </p:nvSpPr>
         <p:spPr>
           <a:xfrm>
-            <a:off x="311700" y="1152475"/>
+            <a:off x="464100" y="1152475"/>
             <a:ext cx="3999900" cy="3416400"/>
           </a:xfrm>
           <a:prstGeom prst="rect">
@@ -12279,12 +15422,69 @@
                 <a:spcPts val="0"/>
               </a:spcBef>
               <a:spcAft>
+                <a:spcPts val="0"/>
+              </a:spcAft>
+              <a:buNone/>
+            </a:pPr>
+            <a:r>
+              <a:rPr b="1" lang="it" sz="1800">
+                <a:solidFill>
+                  <a:schemeClr val="dk1"/>
+                </a:solidFill>
+              </a:rPr>
+              <a:t>Greatest</a:t>
+            </a:r>
+            <a:r>
+              <a:rPr b="1" lang="it" sz="1800">
+                <a:solidFill>
+                  <a:schemeClr val="dk1"/>
+                </a:solidFill>
+              </a:rPr>
+              <a:t> Hits</a:t>
+            </a:r>
+            <a:endParaRPr b="1" sz="1800">
+              <a:solidFill>
+                <a:schemeClr val="dk1"/>
+              </a:solidFill>
+            </a:endParaRPr>
+          </a:p>
+          <a:p>
+            <a:pPr indent="-317500" lvl="0" marL="457200" marR="0" rtl="0" algn="l">
+              <a:lnSpc>
+                <a:spcPct val="115000"/>
+              </a:lnSpc>
+              <a:spcBef>
                 <a:spcPts val="1200"/>
-              </a:spcAft>
-              <a:buNone/>
+              </a:spcBef>
+              <a:spcAft>
+                <a:spcPts val="0"/>
+              </a:spcAft>
+              <a:buSzPts val="1400"/>
+              <a:buChar char="●"/>
             </a:pPr>
             <a:r>
-              <a:t/>
+              <a:rPr lang="it"/>
+              <a:t>Greatest Hits for today, yesterday, last week and last month</a:t>
+            </a:r>
+            <a:endParaRPr/>
+          </a:p>
+          <a:p>
+            <a:pPr indent="-317500" lvl="0" marL="457200" marR="0" rtl="0" algn="l">
+              <a:lnSpc>
+                <a:spcPct val="115000"/>
+              </a:lnSpc>
+              <a:spcBef>
+                <a:spcPts val="0"/>
+              </a:spcBef>
+              <a:spcAft>
+                <a:spcPts val="0"/>
+              </a:spcAft>
+              <a:buSzPts val="1400"/>
+              <a:buChar char="●"/>
+            </a:pPr>
+            <a:r>
+              <a:rPr lang="it"/>
+              <a:t>Greatest Hits for today, yesterday, last week and last month per genre</a:t>
             </a:r>
             <a:endParaRPr/>
           </a:p>
@@ -12292,7 +15492,7 @@
       </p:sp>
       <p:sp>
         <p:nvSpPr>
-          <p:cNvPr id="114" name="Google Shape;114;p21"/>
+          <p:cNvPr id="157" name="Google Shape;157;p21"/>
           <p:cNvSpPr txBox="1"/>
           <p:nvPr>
             <p:ph idx="2" type="body"/>
@@ -12300,7 +15500,7 @@
         </p:nvSpPr>
         <p:spPr>
           <a:xfrm>
-            <a:off x="4832400" y="1152475"/>
+            <a:off x="4680000" y="1152475"/>
             <a:ext cx="3999900" cy="3416400"/>
           </a:xfrm>
           <a:prstGeom prst="rect">
@@ -12318,14 +15518,191 @@
                 <a:spcPts val="0"/>
               </a:spcBef>
               <a:spcAft>
+                <a:spcPts val="0"/>
+              </a:spcAft>
+              <a:buNone/>
+            </a:pPr>
+            <a:r>
+              <a:rPr b="1" lang="it" sz="1800">
+                <a:solidFill>
+                  <a:schemeClr val="dk1"/>
+                </a:solidFill>
+              </a:rPr>
+              <a:t>Listening sessions</a:t>
+            </a:r>
+            <a:endParaRPr b="1" sz="1800">
+              <a:solidFill>
+                <a:schemeClr val="dk1"/>
+              </a:solidFill>
+            </a:endParaRPr>
+          </a:p>
+          <a:p>
+            <a:pPr indent="-317500" lvl="0" marL="457200" marR="0" rtl="0" algn="l">
+              <a:lnSpc>
+                <a:spcPct val="115000"/>
+              </a:lnSpc>
+              <a:spcBef>
                 <a:spcPts val="1200"/>
-              </a:spcAft>
-              <a:buNone/>
+              </a:spcBef>
+              <a:spcAft>
+                <a:spcPts val="0"/>
+              </a:spcAft>
+              <a:buSzPts val="1400"/>
+              <a:buChar char="●"/>
             </a:pPr>
             <a:r>
-              <a:t/>
-            </a:r>
-            <a:endParaRPr/>
+              <a:rPr lang="it">
+                <a:highlight>
+                  <a:schemeClr val="lt1"/>
+                </a:highlight>
+              </a:rPr>
+              <a:t>Extract listening sessions from users:</a:t>
+            </a:r>
+            <a:endParaRPr>
+              <a:highlight>
+                <a:schemeClr val="lt1"/>
+              </a:highlight>
+            </a:endParaRPr>
+          </a:p>
+          <a:p>
+            <a:pPr indent="-304800" lvl="1" marL="914400" marR="0" rtl="0" algn="l">
+              <a:lnSpc>
+                <a:spcPct val="115000"/>
+              </a:lnSpc>
+              <a:spcBef>
+                <a:spcPts val="0"/>
+              </a:spcBef>
+              <a:spcAft>
+                <a:spcPts val="0"/>
+              </a:spcAft>
+              <a:buSzPts val="1200"/>
+              <a:buChar char="○"/>
+            </a:pPr>
+            <a:r>
+              <a:rPr lang="it" sz="1400">
+                <a:highlight>
+                  <a:schemeClr val="lt1"/>
+                </a:highlight>
+              </a:rPr>
+              <a:t>list of concatenated songs with a play events +-10 sec after the actual song completed</a:t>
+            </a:r>
+            <a:endParaRPr sz="1400">
+              <a:highlight>
+                <a:schemeClr val="lt1"/>
+              </a:highlight>
+            </a:endParaRPr>
+          </a:p>
+          <a:p>
+            <a:pPr indent="-317500" lvl="0" marL="457200" marR="0" rtl="0" algn="l">
+              <a:lnSpc>
+                <a:spcPct val="115000"/>
+              </a:lnSpc>
+              <a:spcBef>
+                <a:spcPts val="0"/>
+              </a:spcBef>
+              <a:spcAft>
+                <a:spcPts val="0"/>
+              </a:spcAft>
+              <a:buSzPts val="1400"/>
+              <a:buChar char="●"/>
+            </a:pPr>
+            <a:r>
+              <a:rPr lang="it">
+                <a:highlight>
+                  <a:schemeClr val="lt1"/>
+                </a:highlight>
+              </a:rPr>
+              <a:t>Know statistics about these sessions:</a:t>
+            </a:r>
+            <a:endParaRPr>
+              <a:highlight>
+                <a:schemeClr val="lt1"/>
+              </a:highlight>
+            </a:endParaRPr>
+          </a:p>
+          <a:p>
+            <a:pPr indent="-304800" lvl="1" marL="914400" marR="0" rtl="0" algn="l">
+              <a:lnSpc>
+                <a:spcPct val="115000"/>
+              </a:lnSpc>
+              <a:spcBef>
+                <a:spcPts val="0"/>
+              </a:spcBef>
+              <a:spcAft>
+                <a:spcPts val="0"/>
+              </a:spcAft>
+              <a:buSzPts val="1200"/>
+              <a:buChar char="○"/>
+            </a:pPr>
+            <a:r>
+              <a:rPr lang="it" sz="1400">
+                <a:highlight>
+                  <a:schemeClr val="lt1"/>
+                </a:highlight>
+              </a:rPr>
+              <a:t>average number of tracks</a:t>
+            </a:r>
+            <a:endParaRPr sz="1400">
+              <a:highlight>
+                <a:schemeClr val="lt1"/>
+              </a:highlight>
+            </a:endParaRPr>
+          </a:p>
+          <a:p>
+            <a:pPr indent="-304800" lvl="1" marL="914400" marR="0" rtl="0" algn="l">
+              <a:lnSpc>
+                <a:spcPct val="115000"/>
+              </a:lnSpc>
+              <a:spcBef>
+                <a:spcPts val="0"/>
+              </a:spcBef>
+              <a:spcAft>
+                <a:spcPts val="0"/>
+              </a:spcAft>
+              <a:buSzPts val="1200"/>
+              <a:buChar char="○"/>
+            </a:pPr>
+            <a:r>
+              <a:rPr lang="it" sz="1400">
+                <a:highlight>
+                  <a:schemeClr val="lt1"/>
+                </a:highlight>
+              </a:rPr>
+              <a:t>average session per user</a:t>
+            </a:r>
+            <a:endParaRPr sz="1400">
+              <a:highlight>
+                <a:schemeClr val="lt1"/>
+              </a:highlight>
+            </a:endParaRPr>
+          </a:p>
+          <a:p>
+            <a:pPr indent="-304800" lvl="1" marL="914400" marR="0" rtl="0" algn="l">
+              <a:lnSpc>
+                <a:spcPct val="115000"/>
+              </a:lnSpc>
+              <a:spcBef>
+                <a:spcPts val="0"/>
+              </a:spcBef>
+              <a:spcAft>
+                <a:spcPts val="0"/>
+              </a:spcAft>
+              <a:buSzPts val="1200"/>
+              <a:buChar char="○"/>
+            </a:pPr>
+            <a:r>
+              <a:rPr lang="it" sz="1400">
+                <a:highlight>
+                  <a:schemeClr val="lt1"/>
+                </a:highlight>
+              </a:rPr>
+              <a:t>session lengths</a:t>
+            </a:r>
+            <a:endParaRPr>
+              <a:highlight>
+                <a:schemeClr val="lt1"/>
+              </a:highlight>
+            </a:endParaRPr>
           </a:p>
         </p:txBody>
       </p:sp>
